--- a/conf4j-slides/Devops_Configuration_Jungle_Devoxx_FR_2012.pptx
+++ b/conf4j-slides/Devops_Configuration_Jungle_Devoxx_FR_2012.pptx
@@ -2804,7 +2804,7 @@
               </a14:hiddenEffects>
             </a:ext>
             <a:ext uri="{FAA26D3D-D897-4be2-8F04-BA451C77F1D7}">
-              <ma14:placeholderFlag xmlns="" xmlns:ma14="http://schemas.microsoft.com/office/mac/drawingml/2011/main" val="1"/>
+              <ma14:placeholderFlag xmlns:ma14="http://schemas.microsoft.com/office/mac/drawingml/2011/main" xmlns="" val="1"/>
             </a:ext>
           </a:extLst>
         </p:spPr>
@@ -2879,7 +2879,7 @@
               </a14:hiddenEffects>
             </a:ext>
             <a:ext uri="{FAA26D3D-D897-4be2-8F04-BA451C77F1D7}">
-              <ma14:placeholderFlag xmlns="" xmlns:ma14="http://schemas.microsoft.com/office/mac/drawingml/2011/main" val="1"/>
+              <ma14:placeholderFlag xmlns:ma14="http://schemas.microsoft.com/office/mac/drawingml/2011/main" xmlns="" val="1"/>
             </a:ext>
           </a:extLst>
         </p:spPr>
@@ -5974,12 +5974,16 @@
               <a:buChar char="•"/>
             </a:pPr>
             <a:r>
-              <a:rPr lang="fr-FR" sz="3200" b="1" dirty="0"/>
-              <a:t>d</a:t>
+              <a:rPr lang="fr-FR" sz="3200" b="1" dirty="0" err="1" smtClean="0"/>
+              <a:t>dévelopeur</a:t>
             </a:r>
             <a:r>
               <a:rPr lang="fr-FR" sz="3200" b="1" dirty="0" smtClean="0"/>
-              <a:t>éveloppeur java depuis 1999</a:t>
+              <a:t> </a:t>
+            </a:r>
+            <a:r>
+              <a:rPr lang="fr-FR" sz="3200" b="1" dirty="0" smtClean="0"/>
+              <a:t>java depuis 1999</a:t>
             </a:r>
           </a:p>
           <a:p>
@@ -6346,7 +6350,7 @@
               </a14:hiddenEffects>
             </a:ext>
             <a:ext uri="{FAA26D3D-D897-4be2-8F04-BA451C77F1D7}">
-              <ma14:placeholderFlag xmlns="" xmlns:ma14="http://schemas.microsoft.com/office/mac/drawingml/2011/main" val="1"/>
+              <ma14:placeholderFlag xmlns:ma14="http://schemas.microsoft.com/office/mac/drawingml/2011/main" xmlns="" val="1"/>
             </a:ext>
           </a:extLst>
         </p:spPr>
@@ -7489,7 +7493,7 @@
               </a14:hiddenEffects>
             </a:ext>
             <a:ext uri="{FAA26D3D-D897-4be2-8F04-BA451C77F1D7}">
-              <ma14:placeholderFlag xmlns="" xmlns:ma14="http://schemas.microsoft.com/office/mac/drawingml/2011/main" val="1"/>
+              <ma14:placeholderFlag xmlns:ma14="http://schemas.microsoft.com/office/mac/drawingml/2011/main" xmlns="" val="1"/>
             </a:ext>
           </a:extLst>
         </p:spPr>
@@ -8649,7 +8653,7 @@
               </a14:hiddenEffects>
             </a:ext>
             <a:ext uri="{FAA26D3D-D897-4be2-8F04-BA451C77F1D7}">
-              <ma14:placeholderFlag xmlns="" xmlns:ma14="http://schemas.microsoft.com/office/mac/drawingml/2011/main" val="1"/>
+              <ma14:placeholderFlag xmlns:ma14="http://schemas.microsoft.com/office/mac/drawingml/2011/main" xmlns="" val="1"/>
             </a:ext>
           </a:extLst>
         </p:spPr>
@@ -9318,7 +9322,7 @@
               </a14:hiddenEffects>
             </a:ext>
             <a:ext uri="{FAA26D3D-D897-4be2-8F04-BA451C77F1D7}">
-              <ma14:placeholderFlag xmlns="" xmlns:ma14="http://schemas.microsoft.com/office/mac/drawingml/2011/main" val="1"/>
+              <ma14:placeholderFlag xmlns:ma14="http://schemas.microsoft.com/office/mac/drawingml/2011/main" xmlns="" val="1"/>
             </a:ext>
           </a:extLst>
         </p:spPr>
@@ -9947,7 +9951,7 @@
               </a14:hiddenEffects>
             </a:ext>
             <a:ext uri="{FAA26D3D-D897-4be2-8F04-BA451C77F1D7}">
-              <ma14:placeholderFlag xmlns="" xmlns:ma14="http://schemas.microsoft.com/office/mac/drawingml/2011/main" val="1"/>
+              <ma14:placeholderFlag xmlns:ma14="http://schemas.microsoft.com/office/mac/drawingml/2011/main" xmlns="" val="1"/>
             </a:ext>
           </a:extLst>
         </p:spPr>
@@ -10424,11 +10428,7 @@
             </a:r>
             <a:r>
               <a:rPr lang="en-US" sz="4000" dirty="0" smtClean="0"/>
-              <a:t> </a:t>
-            </a:r>
-            <a:r>
-              <a:rPr lang="en-US" sz="4000" dirty="0" smtClean="0"/>
-              <a:t>standards de </a:t>
+              <a:t> standards de </a:t>
             </a:r>
             <a:r>
               <a:rPr lang="en-US" sz="4000" dirty="0" err="1" smtClean="0"/>

--- a/conf4j-slides/Devops_Configuration_Jungle_Devoxx_FR_2012.pptx
+++ b/conf4j-slides/Devops_Configuration_Jungle_Devoxx_FR_2012.pptx
@@ -2804,7 +2804,7 @@
               </a14:hiddenEffects>
             </a:ext>
             <a:ext uri="{FAA26D3D-D897-4be2-8F04-BA451C77F1D7}">
-              <ma14:placeholderFlag xmlns:ma14="http://schemas.microsoft.com/office/mac/drawingml/2011/main" xmlns="" val="1"/>
+              <ma14:placeholderFlag xmlns="" xmlns:ma14="http://schemas.microsoft.com/office/mac/drawingml/2011/main" val="1"/>
             </a:ext>
           </a:extLst>
         </p:spPr>
@@ -2879,7 +2879,7 @@
               </a14:hiddenEffects>
             </a:ext>
             <a:ext uri="{FAA26D3D-D897-4be2-8F04-BA451C77F1D7}">
-              <ma14:placeholderFlag xmlns:ma14="http://schemas.microsoft.com/office/mac/drawingml/2011/main" xmlns="" val="1"/>
+              <ma14:placeholderFlag xmlns="" xmlns:ma14="http://schemas.microsoft.com/office/mac/drawingml/2011/main" val="1"/>
             </a:ext>
           </a:extLst>
         </p:spPr>
@@ -4740,8 +4740,8 @@
         </p:nvSpPr>
         <p:spPr>
           <a:xfrm>
-            <a:off x="10576271" y="2195736"/>
-            <a:ext cx="5112569" cy="4320480"/>
+            <a:off x="9712176" y="2281150"/>
+            <a:ext cx="5832648" cy="5904656"/>
           </a:xfrm>
           <a:ln/>
         </p:spPr>
@@ -4754,35 +4754,35 @@
               <a:buChar char="Ø"/>
             </a:pPr>
             <a:r>
-              <a:rPr lang="en-US" sz="4000" dirty="0" err="1" smtClean="0"/>
+              <a:rPr lang="en-US" sz="3600" dirty="0" err="1" smtClean="0"/>
               <a:t>Utiliser</a:t>
             </a:r>
             <a:r>
-              <a:rPr lang="en-US" sz="4000" dirty="0" smtClean="0"/>
+              <a:rPr lang="en-US" sz="3600" dirty="0" smtClean="0"/>
               <a:t> des champs </a:t>
             </a:r>
             <a:r>
-              <a:rPr lang="en-US" sz="4000" dirty="0" err="1" smtClean="0"/>
+              <a:rPr lang="en-US" sz="3600" dirty="0" err="1" smtClean="0"/>
               <a:t>dans</a:t>
             </a:r>
             <a:r>
-              <a:rPr lang="en-US" sz="4000" dirty="0" smtClean="0"/>
+              <a:rPr lang="en-US" sz="3600" dirty="0" smtClean="0"/>
               <a:t> </a:t>
             </a:r>
             <a:r>
-              <a:rPr lang="en-US" sz="4000" dirty="0" err="1" smtClean="0"/>
+              <a:rPr lang="en-US" sz="3600" dirty="0" err="1" smtClean="0"/>
               <a:t>une</a:t>
             </a:r>
             <a:r>
-              <a:rPr lang="en-US" sz="4000" dirty="0" smtClean="0"/>
+              <a:rPr lang="en-US" sz="3600" dirty="0" smtClean="0"/>
               <a:t> </a:t>
             </a:r>
             <a:r>
-              <a:rPr lang="en-US" sz="4000" dirty="0" err="1" smtClean="0"/>
+              <a:rPr lang="en-US" sz="3600" dirty="0" err="1" smtClean="0"/>
               <a:t>classe</a:t>
             </a:r>
             <a:r>
-              <a:rPr lang="en-US" sz="4000" dirty="0" smtClean="0"/>
+              <a:rPr lang="en-US" sz="3600" dirty="0" smtClean="0"/>
               <a:t> unique</a:t>
             </a:r>
           </a:p>
@@ -4792,18 +4792,72 @@
               <a:buChar char="Ø"/>
             </a:pPr>
             <a:r>
-              <a:rPr lang="en-US" sz="4000" dirty="0" err="1" smtClean="0"/>
+              <a:rPr lang="en-US" sz="3600" dirty="0" err="1" smtClean="0"/>
               <a:t>Annoter</a:t>
             </a:r>
             <a:r>
-              <a:rPr lang="en-US" sz="4000" dirty="0" smtClean="0"/>
+              <a:rPr lang="en-US" sz="3600" dirty="0" smtClean="0"/>
               <a:t> les </a:t>
             </a:r>
             <a:r>
-              <a:rPr lang="en-US" sz="4000" dirty="0" err="1" smtClean="0"/>
-              <a:t>constantes</a:t>
-            </a:r>
-            <a:endParaRPr lang="en-US" sz="4000" dirty="0"/>
+              <a:rPr lang="en-US" sz="3600" dirty="0" smtClean="0"/>
+              <a:t>champs</a:t>
+            </a:r>
+          </a:p>
+          <a:p>
+            <a:pPr marL="1320800" indent="-571500" algn="l">
+              <a:buFont typeface="Wingdings" pitchFamily="2" charset="2"/>
+              <a:buChar char="Ø"/>
+            </a:pPr>
+            <a:r>
+              <a:rPr lang="en-US" sz="3600" dirty="0" smtClean="0"/>
+              <a:t>Les champs </a:t>
+            </a:r>
+            <a:r>
+              <a:rPr lang="en-US" sz="3600" dirty="0" err="1" smtClean="0"/>
+              <a:t>sont</a:t>
+            </a:r>
+            <a:r>
+              <a:rPr lang="en-US" sz="3600" dirty="0" smtClean="0"/>
+              <a:t> </a:t>
+            </a:r>
+            <a:r>
+              <a:rPr lang="en-US" sz="3600" dirty="0" err="1" smtClean="0"/>
+              <a:t>initialisés</a:t>
+            </a:r>
+            <a:r>
+              <a:rPr lang="en-US" sz="3600" dirty="0" smtClean="0"/>
+              <a:t> par </a:t>
+            </a:r>
+            <a:r>
+              <a:rPr lang="en-US" sz="3600" dirty="0" err="1" smtClean="0"/>
+              <a:t>réflexion</a:t>
+            </a:r>
+            <a:r>
+              <a:rPr lang="en-US" sz="3600" dirty="0" smtClean="0"/>
+              <a:t> avec </a:t>
+            </a:r>
+            <a:r>
+              <a:rPr lang="en-US" sz="3600" dirty="0" err="1" smtClean="0"/>
+              <a:t>leur</a:t>
+            </a:r>
+            <a:r>
+              <a:rPr lang="en-US" sz="3600" dirty="0" smtClean="0"/>
+              <a:t> nom au </a:t>
+            </a:r>
+            <a:r>
+              <a:rPr lang="en-US" sz="3600" dirty="0" err="1" smtClean="0"/>
+              <a:t>chargement</a:t>
+            </a:r>
+            <a:r>
+              <a:rPr lang="en-US" sz="3600" dirty="0" smtClean="0"/>
+              <a:t> de la </a:t>
+            </a:r>
+            <a:r>
+              <a:rPr lang="en-US" sz="3600" dirty="0" err="1" smtClean="0"/>
+              <a:t>classe</a:t>
+            </a:r>
+            <a:endParaRPr lang="en-US" sz="3600" dirty="0"/>
           </a:p>
         </p:txBody>
       </p:sp>
@@ -4853,7 +4907,7 @@
         </p:blipFill>
         <p:spPr>
           <a:xfrm>
-            <a:off x="1143224" y="1770617"/>
+            <a:off x="855192" y="1770617"/>
             <a:ext cx="9145016" cy="6925723"/>
           </a:xfrm>
           <a:prstGeom prst="rect">
@@ -5979,11 +6033,7 @@
             </a:r>
             <a:r>
               <a:rPr lang="fr-FR" sz="3200" b="1" dirty="0" smtClean="0"/>
-              <a:t> </a:t>
-            </a:r>
-            <a:r>
-              <a:rPr lang="fr-FR" sz="3200" b="1" dirty="0" smtClean="0"/>
-              <a:t>java depuis 1999</a:t>
+              <a:t> java depuis 1999</a:t>
             </a:r>
           </a:p>
           <a:p>
@@ -6048,8 +6098,8 @@
               <a:buChar char="•"/>
             </a:pPr>
             <a:r>
-              <a:rPr lang="fr-FR" sz="3200" b="1" dirty="0" err="1" smtClean="0"/>
-              <a:t>PrimaSolution</a:t>
+              <a:rPr lang="fr-FR" sz="3200" b="1" dirty="0" smtClean="0"/>
+              <a:t>Prima-Solutions</a:t>
             </a:r>
             <a:endParaRPr lang="fr-FR" sz="3200" b="1" dirty="0" smtClean="0"/>
           </a:p>
@@ -6236,8 +6286,13 @@
             </a:pPr>
             <a:r>
               <a:rPr lang="fr-FR" sz="4400" dirty="0" smtClean="0"/>
-              <a:t>La configuration à chaud d’une application est complexe et difficile à maitriser</a:t>
-            </a:r>
+              <a:t>La configuration à chaud d’une application est complexe et difficile à </a:t>
+            </a:r>
+            <a:r>
+              <a:rPr lang="fr-FR" sz="4400" dirty="0" smtClean="0"/>
+              <a:t>maîtriser</a:t>
+            </a:r>
+            <a:endParaRPr lang="fr-FR" sz="4400" dirty="0" smtClean="0"/>
           </a:p>
           <a:p>
             <a:pPr marL="457200" indent="-457200" algn="l">
@@ -6246,7 +6301,15 @@
             </a:pPr>
             <a:r>
               <a:rPr lang="fr-FR" sz="4400" dirty="0" smtClean="0"/>
-              <a:t>La configuration statique est très commune dans les système d’exploitation</a:t>
+              <a:t>La configuration statique est très commune dans les </a:t>
+            </a:r>
+            <a:r>
+              <a:rPr lang="fr-FR" sz="4400" dirty="0" smtClean="0"/>
+              <a:t>systèmes </a:t>
+            </a:r>
+            <a:r>
+              <a:rPr lang="fr-FR" sz="4400" dirty="0" smtClean="0"/>
+              <a:t>d’exploitation</a:t>
             </a:r>
           </a:p>
           <a:p>
@@ -6256,8 +6319,13 @@
             </a:pPr>
             <a:r>
               <a:rPr lang="fr-FR" sz="4400" dirty="0" smtClean="0"/>
-              <a:t>La gouvernance de la configuration des applications est assez mal maitrisée</a:t>
-            </a:r>
+              <a:t>La gouvernance de la configuration des applications est assez mal </a:t>
+            </a:r>
+            <a:r>
+              <a:rPr lang="fr-FR" sz="4400" dirty="0" smtClean="0"/>
+              <a:t>maîtrisée</a:t>
+            </a:r>
+            <a:endParaRPr lang="fr-FR" sz="4400" dirty="0" smtClean="0"/>
           </a:p>
           <a:p>
             <a:pPr marL="457200" indent="-457200" algn="l">
@@ -6350,7 +6418,7 @@
               </a14:hiddenEffects>
             </a:ext>
             <a:ext uri="{FAA26D3D-D897-4be2-8F04-BA451C77F1D7}">
-              <ma14:placeholderFlag xmlns:ma14="http://schemas.microsoft.com/office/mac/drawingml/2011/main" xmlns="" val="1"/>
+              <ma14:placeholderFlag xmlns="" xmlns:ma14="http://schemas.microsoft.com/office/mac/drawingml/2011/main" val="1"/>
             </a:ext>
           </a:extLst>
         </p:spPr>
@@ -6565,6 +6633,47 @@
           <a:chExt cx="0" cy="0"/>
         </a:xfrm>
       </p:grpSpPr>
+      <p:pic>
+        <p:nvPicPr>
+          <p:cNvPr id="3074" name="Picture 2" descr="C:\Users\gdu\Desktop\gilles\lapin\111598.jpg"/>
+          <p:cNvPicPr>
+            <a:picLocks noChangeAspect="1" noChangeArrowheads="1"/>
+          </p:cNvPicPr>
+          <p:nvPr/>
+        </p:nvPicPr>
+        <p:blipFill>
+          <a:blip r:embed="rId2">
+            <a:extLst>
+              <a:ext uri="{28A0092B-C50C-407E-A947-70E740481C1C}">
+                <a14:useLocalDpi xmlns:a14="http://schemas.microsoft.com/office/drawing/2010/main" val="0"/>
+              </a:ext>
+            </a:extLst>
+          </a:blip>
+          <a:srcRect/>
+          <a:stretch>
+            <a:fillRect/>
+          </a:stretch>
+        </p:blipFill>
+        <p:spPr bwMode="auto">
+          <a:xfrm>
+            <a:off x="1115000" y="4932040"/>
+            <a:ext cx="2188464" cy="3724656"/>
+          </a:xfrm>
+          <a:prstGeom prst="rect">
+            <a:avLst/>
+          </a:prstGeom>
+          <a:noFill/>
+          <a:extLst>
+            <a:ext uri="{909E8E84-426E-40DD-AFC4-6F175D3DCCD1}">
+              <a14:hiddenFill xmlns:a14="http://schemas.microsoft.com/office/drawing/2010/main">
+                <a:solidFill>
+                  <a:srgbClr val="FFFFFF"/>
+                </a:solidFill>
+              </a14:hiddenFill>
+            </a:ext>
+          </a:extLst>
+        </p:spPr>
+      </p:pic>
       <p:sp>
         <p:nvSpPr>
           <p:cNvPr id="19459" name="Rectangle 3"/>
@@ -6732,8 +6841,12 @@
               <a:t>. Comment je change </a:t>
             </a:r>
             <a:r>
+              <a:rPr lang="en-US" sz="2800" b="1" dirty="0" err="1"/>
+              <a:t>ç</a:t>
+            </a:r>
+            <a:r>
               <a:rPr lang="en-US" sz="2800" b="1" dirty="0" err="1" smtClean="0"/>
-              <a:t>ca</a:t>
+              <a:t>a</a:t>
             </a:r>
             <a:r>
               <a:rPr lang="en-US" sz="2800" b="1" dirty="0" smtClean="0"/>
@@ -6823,7 +6936,11 @@
             </a:r>
             <a:r>
               <a:rPr lang="en-US" sz="2800" b="1" dirty="0" err="1" smtClean="0"/>
-              <a:t>ca</a:t>
+              <a:t>ç</a:t>
+            </a:r>
+            <a:r>
+              <a:rPr lang="en-US" sz="2800" b="1" dirty="0" err="1" smtClean="0"/>
+              <a:t>a</a:t>
             </a:r>
             <a:r>
               <a:rPr lang="en-US" sz="2800" b="1" dirty="0" smtClean="0"/>
@@ -6849,47 +6966,6 @@
           </a:p>
         </p:txBody>
       </p:sp>
-      <p:pic>
-        <p:nvPicPr>
-          <p:cNvPr id="3074" name="Picture 2" descr="C:\Users\gdu\Desktop\gilles\lapin\111598.jpg"/>
-          <p:cNvPicPr>
-            <a:picLocks noChangeAspect="1" noChangeArrowheads="1"/>
-          </p:cNvPicPr>
-          <p:nvPr/>
-        </p:nvPicPr>
-        <p:blipFill>
-          <a:blip r:embed="rId2">
-            <a:extLst>
-              <a:ext uri="{28A0092B-C50C-407E-A947-70E740481C1C}">
-                <a14:useLocalDpi xmlns:a14="http://schemas.microsoft.com/office/drawing/2010/main" val="0"/>
-              </a:ext>
-            </a:extLst>
-          </a:blip>
-          <a:srcRect/>
-          <a:stretch>
-            <a:fillRect/>
-          </a:stretch>
-        </p:blipFill>
-        <p:spPr bwMode="auto">
-          <a:xfrm>
-            <a:off x="1647280" y="5151874"/>
-            <a:ext cx="1641348" cy="2793492"/>
-          </a:xfrm>
-          <a:prstGeom prst="rect">
-            <a:avLst/>
-          </a:prstGeom>
-          <a:noFill/>
-          <a:extLst>
-            <a:ext uri="{909E8E84-426E-40DD-AFC4-6F175D3DCCD1}">
-              <a14:hiddenFill xmlns:a14="http://schemas.microsoft.com/office/drawing/2010/main">
-                <a:solidFill>
-                  <a:srgbClr val="FFFFFF"/>
-                </a:solidFill>
-              </a14:hiddenFill>
-            </a:ext>
-          </a:extLst>
-        </p:spPr>
-      </p:pic>
       <p:pic>
         <p:nvPicPr>
           <p:cNvPr id="3075" name="Picture 3" descr="C:\Users\gdu\Desktop\gilles\lapin\111597.jpg"/>
@@ -6913,8 +6989,8 @@
         </p:blipFill>
         <p:spPr bwMode="auto">
           <a:xfrm>
-            <a:off x="12106342" y="4763254"/>
-            <a:ext cx="1751076" cy="2656332"/>
+            <a:off x="11224344" y="4554326"/>
+            <a:ext cx="2334768" cy="3541776"/>
           </a:xfrm>
           <a:prstGeom prst="rect">
             <a:avLst/>
@@ -7035,8 +7111,8 @@
         </p:blipFill>
         <p:spPr bwMode="auto">
           <a:xfrm>
-            <a:off x="9496151" y="5655508"/>
-            <a:ext cx="1440180" cy="2948940"/>
+            <a:off x="9136112" y="4078927"/>
+            <a:ext cx="1920240" cy="3931920"/>
           </a:xfrm>
           <a:prstGeom prst="rect">
             <a:avLst/>
@@ -7130,8 +7206,8 @@
           </a:xfrm>
           <a:prstGeom prst="wedgeRoundRectCallout">
             <a:avLst>
-              <a:gd name="adj1" fmla="val -70069"/>
-              <a:gd name="adj2" fmla="val 49997"/>
+              <a:gd name="adj1" fmla="val -62875"/>
+              <a:gd name="adj2" fmla="val 39825"/>
               <a:gd name="adj3" fmla="val 16667"/>
             </a:avLst>
           </a:prstGeom>
@@ -7250,8 +7326,8 @@
           </a:xfrm>
           <a:prstGeom prst="wedgeRoundRectCallout">
             <a:avLst>
-              <a:gd name="adj1" fmla="val -70992"/>
-              <a:gd name="adj2" fmla="val -32295"/>
+              <a:gd name="adj1" fmla="val -62636"/>
+              <a:gd name="adj2" fmla="val -33318"/>
               <a:gd name="adj3" fmla="val 16667"/>
             </a:avLst>
           </a:prstGeom>
@@ -7307,13 +7383,13 @@
         </p:nvSpPr>
         <p:spPr>
           <a:xfrm flipH="1">
-            <a:off x="11954496" y="2835393"/>
-            <a:ext cx="3662332" cy="3857573"/>
+            <a:off x="11728400" y="2835393"/>
+            <a:ext cx="4104456" cy="3857573"/>
           </a:xfrm>
           <a:prstGeom prst="wedgeRoundRectCallout">
             <a:avLst>
-              <a:gd name="adj1" fmla="val 77176"/>
-              <a:gd name="adj2" fmla="val 39814"/>
+              <a:gd name="adj1" fmla="val 67566"/>
+              <a:gd name="adj2" fmla="val 30983"/>
               <a:gd name="adj3" fmla="val 16667"/>
             </a:avLst>
           </a:prstGeom>
@@ -7363,7 +7439,11 @@
             </a:r>
             <a:r>
               <a:rPr lang="en-US" sz="2800" b="1" dirty="0" smtClean="0"/>
-              <a:t> la table CONFIG_SETTINGS, </a:t>
+              <a:t> la table </a:t>
+            </a:r>
+            <a:r>
+              <a:rPr lang="en-US" sz="2800" b="1" dirty="0" smtClean="0"/>
+              <a:t>CONFIG_SETTINGS, </a:t>
             </a:r>
             <a:r>
               <a:rPr lang="en-US" sz="2800" b="1" dirty="0" err="1"/>
@@ -7425,7 +7505,7 @@
         <p:spPr bwMode="auto">
           <a:xfrm>
             <a:off x="783184" y="4753714"/>
-            <a:ext cx="1769364" cy="2711196"/>
+            <a:ext cx="2359152" cy="3614928"/>
           </a:xfrm>
           <a:prstGeom prst="rect">
             <a:avLst/>
@@ -7493,7 +7573,7 @@
               </a14:hiddenEffects>
             </a:ext>
             <a:ext uri="{FAA26D3D-D897-4be2-8F04-BA451C77F1D7}">
-              <ma14:placeholderFlag xmlns:ma14="http://schemas.microsoft.com/office/mac/drawingml/2011/main" xmlns="" val="1"/>
+              <ma14:placeholderFlag xmlns="" xmlns:ma14="http://schemas.microsoft.com/office/mac/drawingml/2011/main" val="1"/>
             </a:ext>
           </a:extLst>
         </p:spPr>
@@ -8130,6 +8210,47 @@
           <a:chExt cx="0" cy="0"/>
         </a:xfrm>
       </p:grpSpPr>
+      <p:pic>
+        <p:nvPicPr>
+          <p:cNvPr id="4099" name="Picture 3" descr="C:\Users\gdu\Desktop\gilles\lapin\111595.jpg"/>
+          <p:cNvPicPr>
+            <a:picLocks noChangeAspect="1" noChangeArrowheads="1"/>
+          </p:cNvPicPr>
+          <p:nvPr/>
+        </p:nvPicPr>
+        <p:blipFill>
+          <a:blip r:embed="rId2">
+            <a:extLst>
+              <a:ext uri="{28A0092B-C50C-407E-A947-70E740481C1C}">
+                <a14:useLocalDpi xmlns:a14="http://schemas.microsoft.com/office/drawing/2010/main" val="0"/>
+              </a:ext>
+            </a:extLst>
+          </a:blip>
+          <a:srcRect/>
+          <a:stretch>
+            <a:fillRect/>
+          </a:stretch>
+        </p:blipFill>
+        <p:spPr bwMode="auto">
+          <a:xfrm>
+            <a:off x="5895752" y="5148064"/>
+            <a:ext cx="2261616" cy="3755136"/>
+          </a:xfrm>
+          <a:prstGeom prst="rect">
+            <a:avLst/>
+          </a:prstGeom>
+          <a:noFill/>
+          <a:extLst>
+            <a:ext uri="{909E8E84-426E-40DD-AFC4-6F175D3DCCD1}">
+              <a14:hiddenFill xmlns:a14="http://schemas.microsoft.com/office/drawing/2010/main">
+                <a:solidFill>
+                  <a:srgbClr val="FFFFFF"/>
+                </a:solidFill>
+              </a14:hiddenFill>
+            </a:ext>
+          </a:extLst>
+        </p:spPr>
+      </p:pic>
       <p:sp>
         <p:nvSpPr>
           <p:cNvPr id="7" name="Espace réservé du numéro de diapositive 3"/>
@@ -8333,8 +8454,8 @@
           </a:xfrm>
           <a:prstGeom prst="wedgeRoundRectCallout">
             <a:avLst>
-              <a:gd name="adj1" fmla="val 57839"/>
-              <a:gd name="adj2" fmla="val 94970"/>
+              <a:gd name="adj1" fmla="val 48728"/>
+              <a:gd name="adj2" fmla="val 81075"/>
               <a:gd name="adj3" fmla="val 16667"/>
             </a:avLst>
           </a:prstGeom>
@@ -8407,8 +8528,8 @@
           </a:xfrm>
           <a:prstGeom prst="wedgeRoundRectCallout">
             <a:avLst>
-              <a:gd name="adj1" fmla="val 63202"/>
-              <a:gd name="adj2" fmla="val -41576"/>
+              <a:gd name="adj1" fmla="val 59877"/>
+              <a:gd name="adj2" fmla="val -34223"/>
               <a:gd name="adj3" fmla="val 16667"/>
             </a:avLst>
           </a:prstGeom>
@@ -8457,12 +8578,20 @@
               <a:t> changer </a:t>
             </a:r>
             <a:r>
+              <a:rPr lang="en-US" sz="2800" b="1" dirty="0" err="1"/>
+              <a:t>ç</a:t>
+            </a:r>
+            <a:r>
               <a:rPr lang="en-US" sz="2800" b="1" dirty="0" err="1" smtClean="0"/>
-              <a:t>ca</a:t>
+              <a:t>a</a:t>
             </a:r>
             <a:r>
               <a:rPr lang="en-US" sz="2800" b="1" dirty="0" smtClean="0"/>
-              <a:t> avec un script </a:t>
+              <a:t> </a:t>
+            </a:r>
+            <a:r>
+              <a:rPr lang="en-US" sz="2800" b="1" dirty="0" smtClean="0"/>
+              <a:t>avec un script </a:t>
             </a:r>
             <a:r>
               <a:rPr lang="en-US" sz="2800" b="1" dirty="0" err="1" smtClean="0"/>
@@ -8529,7 +8658,7 @@
           <p:nvPr/>
         </p:nvPicPr>
         <p:blipFill>
-          <a:blip r:embed="rId2">
+          <a:blip r:embed="rId3">
             <a:extLst>
               <a:ext uri="{28A0092B-C50C-407E-A947-70E740481C1C}">
                 <a14:useLocalDpi xmlns:a14="http://schemas.microsoft.com/office/drawing/2010/main" val="0"/>
@@ -8543,49 +8672,8 @@
         </p:blipFill>
         <p:spPr bwMode="auto">
           <a:xfrm flipH="1">
-            <a:off x="12664504" y="3142494"/>
-            <a:ext cx="1385316" cy="2985516"/>
-          </a:xfrm>
-          <a:prstGeom prst="rect">
-            <a:avLst/>
-          </a:prstGeom>
-          <a:noFill/>
-          <a:extLst>
-            <a:ext uri="{909E8E84-426E-40DD-AFC4-6F175D3DCCD1}">
-              <a14:hiddenFill xmlns:a14="http://schemas.microsoft.com/office/drawing/2010/main">
-                <a:solidFill>
-                  <a:srgbClr val="FFFFFF"/>
-                </a:solidFill>
-              </a14:hiddenFill>
-            </a:ext>
-          </a:extLst>
-        </p:spPr>
-      </p:pic>
-      <p:pic>
-        <p:nvPicPr>
-          <p:cNvPr id="4099" name="Picture 3" descr="C:\Users\gdu\Desktop\gilles\lapin\111595.jpg"/>
-          <p:cNvPicPr>
-            <a:picLocks noChangeAspect="1" noChangeArrowheads="1"/>
-          </p:cNvPicPr>
-          <p:nvPr/>
-        </p:nvPicPr>
-        <p:blipFill>
-          <a:blip r:embed="rId3">
-            <a:extLst>
-              <a:ext uri="{28A0092B-C50C-407E-A947-70E740481C1C}">
-                <a14:useLocalDpi xmlns:a14="http://schemas.microsoft.com/office/drawing/2010/main" val="0"/>
-              </a:ext>
-            </a:extLst>
-          </a:blip>
-          <a:srcRect/>
-          <a:stretch>
-            <a:fillRect/>
-          </a:stretch>
-        </p:blipFill>
-        <p:spPr bwMode="auto">
-          <a:xfrm>
-            <a:off x="6071748" y="5448300"/>
-            <a:ext cx="1696212" cy="2816352"/>
+            <a:off x="12216572" y="2644908"/>
+            <a:ext cx="1847088" cy="3980688"/>
           </a:xfrm>
           <a:prstGeom prst="rect">
             <a:avLst/>
@@ -8653,7 +8741,7 @@
               </a14:hiddenEffects>
             </a:ext>
             <a:ext uri="{FAA26D3D-D897-4be2-8F04-BA451C77F1D7}">
-              <ma14:placeholderFlag xmlns:ma14="http://schemas.microsoft.com/office/mac/drawingml/2011/main" xmlns="" val="1"/>
+              <ma14:placeholderFlag xmlns="" xmlns:ma14="http://schemas.microsoft.com/office/mac/drawingml/2011/main" val="1"/>
             </a:ext>
           </a:extLst>
         </p:spPr>
@@ -8893,7 +8981,7 @@
       </p:grpSpPr>
       <p:pic>
         <p:nvPicPr>
-          <p:cNvPr id="27" name="Picture 3" descr="C:\Users\gdu\Desktop\gilles\lapin\111594.jpg"/>
+          <p:cNvPr id="26" name="Picture 2" descr="C:\Users\gdu\Desktop\gilles\lapin\111591.jpg"/>
           <p:cNvPicPr>
             <a:picLocks noChangeAspect="1" noChangeArrowheads="1"/>
           </p:cNvPicPr>
@@ -8914,8 +9002,49 @@
         </p:blipFill>
         <p:spPr bwMode="auto">
           <a:xfrm flipH="1">
-            <a:off x="1754312" y="4330429"/>
-            <a:ext cx="1440180" cy="2948940"/>
+            <a:off x="11296352" y="4073463"/>
+            <a:ext cx="2359152" cy="3614928"/>
+          </a:xfrm>
+          <a:prstGeom prst="rect">
+            <a:avLst/>
+          </a:prstGeom>
+          <a:noFill/>
+          <a:extLst>
+            <a:ext uri="{909E8E84-426E-40DD-AFC4-6F175D3DCCD1}">
+              <a14:hiddenFill xmlns:a14="http://schemas.microsoft.com/office/drawing/2010/main">
+                <a:solidFill>
+                  <a:srgbClr val="FFFFFF"/>
+                </a:solidFill>
+              </a14:hiddenFill>
+            </a:ext>
+          </a:extLst>
+        </p:spPr>
+      </p:pic>
+      <p:pic>
+        <p:nvPicPr>
+          <p:cNvPr id="27" name="Picture 3" descr="C:\Users\gdu\Desktop\gilles\lapin\111594.jpg"/>
+          <p:cNvPicPr>
+            <a:picLocks noChangeAspect="1" noChangeArrowheads="1"/>
+          </p:cNvPicPr>
+          <p:nvPr/>
+        </p:nvPicPr>
+        <p:blipFill>
+          <a:blip r:embed="rId3">
+            <a:extLst>
+              <a:ext uri="{28A0092B-C50C-407E-A947-70E740481C1C}">
+                <a14:useLocalDpi xmlns:a14="http://schemas.microsoft.com/office/drawing/2010/main" val="0"/>
+              </a:ext>
+            </a:extLst>
+          </a:blip>
+          <a:srcRect/>
+          <a:stretch>
+            <a:fillRect/>
+          </a:stretch>
+        </p:blipFill>
+        <p:spPr bwMode="auto">
+          <a:xfrm flipH="1">
+            <a:off x="794192" y="3914967"/>
+            <a:ext cx="1920240" cy="3931920"/>
           </a:xfrm>
           <a:prstGeom prst="rect">
             <a:avLst/>
@@ -9044,11 +9173,15 @@
             </a:r>
             <a:r>
               <a:rPr lang="en-US" sz="2800" b="1" dirty="0" err="1" smtClean="0"/>
-              <a:t>paramètre</a:t>
+              <a:t>paramètres</a:t>
             </a:r>
             <a:r>
               <a:rPr lang="en-US" sz="2800" b="1" dirty="0" smtClean="0"/>
-              <a:t> de </a:t>
+              <a:t> </a:t>
+            </a:r>
+            <a:r>
+              <a:rPr lang="en-US" sz="2800" b="1" dirty="0" smtClean="0"/>
+              <a:t>de </a:t>
             </a:r>
             <a:r>
               <a:rPr lang="en-US" sz="2800" b="1" dirty="0" err="1" smtClean="0"/>
@@ -9060,7 +9193,7 @@
             </a:r>
             <a:r>
               <a:rPr lang="en-US" sz="2800" b="1" dirty="0" err="1" smtClean="0"/>
-              <a:t>leur</a:t>
+              <a:t>leurs</a:t>
             </a:r>
             <a:r>
               <a:rPr lang="en-US" sz="2800" b="1" dirty="0" smtClean="0"/>
@@ -9068,11 +9201,15 @@
             </a:r>
             <a:r>
               <a:rPr lang="en-US" sz="2800" b="1" dirty="0" err="1" smtClean="0"/>
-              <a:t>valeur</a:t>
+              <a:t>valeurs</a:t>
             </a:r>
             <a:r>
               <a:rPr lang="en-US" sz="2800" b="1" dirty="0" smtClean="0"/>
-              <a:t> de production</a:t>
+              <a:t> </a:t>
+            </a:r>
+            <a:r>
+              <a:rPr lang="en-US" sz="2800" b="1" dirty="0" smtClean="0"/>
+              <a:t>de production</a:t>
             </a:r>
           </a:p>
         </p:txBody>
@@ -9190,7 +9327,7 @@
         </p:nvSpPr>
         <p:spPr>
           <a:xfrm>
-            <a:off x="12512848" y="3327648"/>
+            <a:off x="12674776" y="2716524"/>
             <a:ext cx="1447800" cy="1222248"/>
           </a:xfrm>
           <a:prstGeom prst="cloudCallout">
@@ -9230,47 +9367,6 @@
           </a:p>
         </p:txBody>
       </p:sp>
-      <p:pic>
-        <p:nvPicPr>
-          <p:cNvPr id="26" name="Picture 2" descr="C:\Users\gdu\Desktop\gilles\lapin\111591.jpg"/>
-          <p:cNvPicPr>
-            <a:picLocks noChangeAspect="1" noChangeArrowheads="1"/>
-          </p:cNvPicPr>
-          <p:nvPr/>
-        </p:nvPicPr>
-        <p:blipFill>
-          <a:blip r:embed="rId3">
-            <a:extLst>
-              <a:ext uri="{28A0092B-C50C-407E-A947-70E740481C1C}">
-                <a14:useLocalDpi xmlns:a14="http://schemas.microsoft.com/office/drawing/2010/main" val="0"/>
-              </a:ext>
-            </a:extLst>
-          </a:blip>
-          <a:srcRect/>
-          <a:stretch>
-            <a:fillRect/>
-          </a:stretch>
-        </p:blipFill>
-        <p:spPr bwMode="auto">
-          <a:xfrm flipH="1">
-            <a:off x="11763424" y="4860032"/>
-            <a:ext cx="1769364" cy="2711196"/>
-          </a:xfrm>
-          <a:prstGeom prst="rect">
-            <a:avLst/>
-          </a:prstGeom>
-          <a:noFill/>
-          <a:extLst>
-            <a:ext uri="{909E8E84-426E-40DD-AFC4-6F175D3DCCD1}">
-              <a14:hiddenFill xmlns:a14="http://schemas.microsoft.com/office/drawing/2010/main">
-                <a:solidFill>
-                  <a:srgbClr val="FFFFFF"/>
-                </a:solidFill>
-              </a14:hiddenFill>
-            </a:ext>
-          </a:extLst>
-        </p:spPr>
-      </p:pic>
       <p:sp>
         <p:nvSpPr>
           <p:cNvPr id="29" name="Rectangle 3"/>
@@ -9322,7 +9418,7 @@
               </a14:hiddenEffects>
             </a:ext>
             <a:ext uri="{FAA26D3D-D897-4be2-8F04-BA451C77F1D7}">
-              <ma14:placeholderFlag xmlns:ma14="http://schemas.microsoft.com/office/mac/drawingml/2011/main" xmlns="" val="1"/>
+              <ma14:placeholderFlag xmlns="" xmlns:ma14="http://schemas.microsoft.com/office/mac/drawingml/2011/main" val="1"/>
             </a:ext>
           </a:extLst>
         </p:spPr>
@@ -9575,8 +9671,8 @@
         </p:blipFill>
         <p:spPr bwMode="auto">
           <a:xfrm flipH="1">
-            <a:off x="11548924" y="4686282"/>
-            <a:ext cx="1979676" cy="2400300"/>
+            <a:off x="11548924" y="4009065"/>
+            <a:ext cx="2639568" cy="3200400"/>
           </a:xfrm>
           <a:prstGeom prst="rect">
             <a:avLst/>
@@ -9616,8 +9712,8 @@
         </p:blipFill>
         <p:spPr bwMode="auto">
           <a:xfrm>
-            <a:off x="1809556" y="3852440"/>
-            <a:ext cx="1997964" cy="3966972"/>
+            <a:off x="1167250" y="3208203"/>
+            <a:ext cx="2418588" cy="4802124"/>
           </a:xfrm>
           <a:prstGeom prst="rect">
             <a:avLst/>
@@ -9671,8 +9767,8 @@
           </a:xfrm>
           <a:prstGeom prst="wedgeRoundRectCallout">
             <a:avLst>
-              <a:gd name="adj1" fmla="val 74526"/>
-              <a:gd name="adj2" fmla="val 43850"/>
+              <a:gd name="adj1" fmla="val 68997"/>
+              <a:gd name="adj2" fmla="val 34343"/>
               <a:gd name="adj3" fmla="val 16667"/>
             </a:avLst>
           </a:prstGeom>
@@ -9868,7 +9964,7 @@
         </p:nvSpPr>
         <p:spPr>
           <a:xfrm>
-            <a:off x="2351338" y="3203848"/>
+            <a:off x="1647280" y="2555776"/>
             <a:ext cx="914400" cy="914400"/>
           </a:xfrm>
           <a:prstGeom prst="irregularSeal1">
@@ -9951,7 +10047,7 @@
               </a14:hiddenEffects>
             </a:ext>
             <a:ext uri="{FAA26D3D-D897-4be2-8F04-BA451C77F1D7}">
-              <ma14:placeholderFlag xmlns:ma14="http://schemas.microsoft.com/office/mac/drawingml/2011/main" xmlns="" val="1"/>
+              <ma14:placeholderFlag xmlns="" xmlns:ma14="http://schemas.microsoft.com/office/mac/drawingml/2011/main" val="1"/>
             </a:ext>
           </a:extLst>
         </p:spPr>
@@ -10204,11 +10300,11 @@
           <a:p>
             <a:r>
               <a:rPr lang="en-US" dirty="0" err="1" smtClean="0"/>
-              <a:t>Qu-est</a:t>
-            </a:r>
-            <a:r>
-              <a:rPr lang="en-US" dirty="0" smtClean="0"/>
-              <a:t> </a:t>
+              <a:t>Qu’est</a:t>
+            </a:r>
+            <a:r>
+              <a:rPr lang="en-US" dirty="0" err="1"/>
+              <a:t>-</a:t>
             </a:r>
             <a:r>
               <a:rPr lang="en-US" dirty="0" err="1" smtClean="0"/>

--- a/conf4j-slides/Devops_Configuration_Jungle_Devoxx_FR_2012.pptx
+++ b/conf4j-slides/Devops_Configuration_Jungle_Devoxx_FR_2012.pptx
@@ -28,7 +28,7 @@
     <p:sldId id="283" r:id="rId16"/>
   </p:sldIdLst>
   <p:sldSz cx="16256000" cy="9144000"/>
-  <p:notesSz cx="6797675" cy="9926638"/>
+  <p:notesSz cx="9296400" cy="16891000"/>
   <p:defaultTextStyle>
     <a:defPPr>
       <a:defRPr lang="en-US"/>
@@ -200,18 +200,18 @@
         </p:nvSpPr>
         <p:spPr>
           <a:xfrm>
-            <a:off x="0" y="0"/>
-            <a:ext cx="2945659" cy="496332"/>
+            <a:off x="1" y="0"/>
+            <a:ext cx="4028440" cy="844550"/>
           </a:xfrm>
           <a:prstGeom prst="rect">
             <a:avLst/>
           </a:prstGeom>
         </p:spPr>
         <p:txBody>
-          <a:bodyPr vert="horz" lIns="91440" tIns="45720" rIns="91440" bIns="45720" rtlCol="0"/>
+          <a:bodyPr vert="horz" lIns="143177" tIns="71588" rIns="143177" bIns="71588" rtlCol="0"/>
           <a:lstStyle>
             <a:lvl1pPr algn="l">
-              <a:defRPr sz="1200"/>
+              <a:defRPr sz="1900"/>
             </a:lvl1pPr>
           </a:lstStyle>
           <a:p>
@@ -231,18 +231,18 @@
         </p:nvSpPr>
         <p:spPr>
           <a:xfrm>
-            <a:off x="3850443" y="0"/>
-            <a:ext cx="2945659" cy="496332"/>
+            <a:off x="5265810" y="0"/>
+            <a:ext cx="4028440" cy="844550"/>
           </a:xfrm>
           <a:prstGeom prst="rect">
             <a:avLst/>
           </a:prstGeom>
         </p:spPr>
         <p:txBody>
-          <a:bodyPr vert="horz" lIns="91440" tIns="45720" rIns="91440" bIns="45720" rtlCol="0"/>
+          <a:bodyPr vert="horz" lIns="143177" tIns="71588" rIns="143177" bIns="71588" rtlCol="0"/>
           <a:lstStyle>
             <a:lvl1pPr algn="r">
-              <a:defRPr sz="1200"/>
+              <a:defRPr sz="1900"/>
             </a:lvl1pPr>
           </a:lstStyle>
           <a:p>
@@ -266,18 +266,18 @@
         </p:nvSpPr>
         <p:spPr>
           <a:xfrm>
-            <a:off x="0" y="9428583"/>
-            <a:ext cx="2945659" cy="496332"/>
+            <a:off x="1" y="16043518"/>
+            <a:ext cx="4028440" cy="844550"/>
           </a:xfrm>
           <a:prstGeom prst="rect">
             <a:avLst/>
           </a:prstGeom>
         </p:spPr>
         <p:txBody>
-          <a:bodyPr vert="horz" lIns="91440" tIns="45720" rIns="91440" bIns="45720" rtlCol="0" anchor="b"/>
+          <a:bodyPr vert="horz" lIns="143177" tIns="71588" rIns="143177" bIns="71588" rtlCol="0" anchor="b"/>
           <a:lstStyle>
             <a:lvl1pPr algn="l">
-              <a:defRPr sz="1200"/>
+              <a:defRPr sz="1900"/>
             </a:lvl1pPr>
           </a:lstStyle>
           <a:p>
@@ -297,18 +297,18 @@
         </p:nvSpPr>
         <p:spPr>
           <a:xfrm>
-            <a:off x="3850443" y="9428583"/>
-            <a:ext cx="2945659" cy="496332"/>
+            <a:off x="5265810" y="16043518"/>
+            <a:ext cx="4028440" cy="844550"/>
           </a:xfrm>
           <a:prstGeom prst="rect">
             <a:avLst/>
           </a:prstGeom>
         </p:spPr>
         <p:txBody>
-          <a:bodyPr vert="horz" lIns="91440" tIns="45720" rIns="91440" bIns="45720" rtlCol="0" anchor="b"/>
+          <a:bodyPr vert="horz" lIns="143177" tIns="71588" rIns="143177" bIns="71588" rtlCol="0" anchor="b"/>
           <a:lstStyle>
             <a:lvl1pPr algn="r">
-              <a:defRPr sz="1200"/>
+              <a:defRPr sz="1900"/>
             </a:lvl1pPr>
           </a:lstStyle>
           <a:p>
@@ -365,18 +365,18 @@
         </p:nvSpPr>
         <p:spPr>
           <a:xfrm>
-            <a:off x="0" y="0"/>
-            <a:ext cx="2945659" cy="496332"/>
+            <a:off x="1" y="0"/>
+            <a:ext cx="4028440" cy="844550"/>
           </a:xfrm>
           <a:prstGeom prst="rect">
             <a:avLst/>
           </a:prstGeom>
         </p:spPr>
         <p:txBody>
-          <a:bodyPr vert="horz" lIns="91440" tIns="45720" rIns="91440" bIns="45720" rtlCol="0"/>
+          <a:bodyPr vert="horz" lIns="143177" tIns="71588" rIns="143177" bIns="71588" rtlCol="0"/>
           <a:lstStyle>
             <a:lvl1pPr algn="l">
-              <a:defRPr sz="1200"/>
+              <a:defRPr sz="1900"/>
             </a:lvl1pPr>
           </a:lstStyle>
           <a:p>
@@ -396,18 +396,18 @@
         </p:nvSpPr>
         <p:spPr>
           <a:xfrm>
-            <a:off x="3850443" y="0"/>
-            <a:ext cx="2945659" cy="496332"/>
+            <a:off x="5265810" y="0"/>
+            <a:ext cx="4028440" cy="844550"/>
           </a:xfrm>
           <a:prstGeom prst="rect">
             <a:avLst/>
           </a:prstGeom>
         </p:spPr>
         <p:txBody>
-          <a:bodyPr vert="horz" lIns="91440" tIns="45720" rIns="91440" bIns="45720" rtlCol="0"/>
+          <a:bodyPr vert="horz" lIns="143177" tIns="71588" rIns="143177" bIns="71588" rtlCol="0"/>
           <a:lstStyle>
             <a:lvl1pPr algn="r">
-              <a:defRPr sz="1200"/>
+              <a:defRPr sz="1900"/>
             </a:lvl1pPr>
           </a:lstStyle>
           <a:p>
@@ -431,8 +431,8 @@
         </p:nvSpPr>
         <p:spPr>
           <a:xfrm>
-            <a:off x="90488" y="744538"/>
-            <a:ext cx="6616700" cy="3722687"/>
+            <a:off x="-981075" y="1266825"/>
+            <a:ext cx="11258550" cy="6334125"/>
           </a:xfrm>
           <a:prstGeom prst="rect">
             <a:avLst/>
@@ -445,7 +445,7 @@
           </a:ln>
         </p:spPr>
         <p:txBody>
-          <a:bodyPr vert="horz" lIns="91440" tIns="45720" rIns="91440" bIns="45720" rtlCol="0" anchor="ctr"/>
+          <a:bodyPr vert="horz" lIns="143177" tIns="71588" rIns="143177" bIns="71588" rtlCol="0" anchor="ctr"/>
           <a:lstStyle/>
           <a:p>
             <a:endParaRPr lang="fr-FR"/>
@@ -464,15 +464,15 @@
         </p:nvSpPr>
         <p:spPr>
           <a:xfrm>
-            <a:off x="679768" y="4715153"/>
-            <a:ext cx="5438140" cy="4466987"/>
+            <a:off x="929641" y="8023226"/>
+            <a:ext cx="7437120" cy="7600950"/>
           </a:xfrm>
           <a:prstGeom prst="rect">
             <a:avLst/>
           </a:prstGeom>
         </p:spPr>
         <p:txBody>
-          <a:bodyPr vert="horz" lIns="91440" tIns="45720" rIns="91440" bIns="45720" rtlCol="0"/>
+          <a:bodyPr vert="horz" lIns="143177" tIns="71588" rIns="143177" bIns="71588" rtlCol="0"/>
           <a:lstStyle/>
           <a:p>
             <a:pPr lvl="0"/>
@@ -524,18 +524,18 @@
         </p:nvSpPr>
         <p:spPr>
           <a:xfrm>
-            <a:off x="0" y="9428583"/>
-            <a:ext cx="2945659" cy="496332"/>
+            <a:off x="1" y="16043518"/>
+            <a:ext cx="4028440" cy="844550"/>
           </a:xfrm>
           <a:prstGeom prst="rect">
             <a:avLst/>
           </a:prstGeom>
         </p:spPr>
         <p:txBody>
-          <a:bodyPr vert="horz" lIns="91440" tIns="45720" rIns="91440" bIns="45720" rtlCol="0" anchor="b"/>
+          <a:bodyPr vert="horz" lIns="143177" tIns="71588" rIns="143177" bIns="71588" rtlCol="0" anchor="b"/>
           <a:lstStyle>
             <a:lvl1pPr algn="l">
-              <a:defRPr sz="1200"/>
+              <a:defRPr sz="1900"/>
             </a:lvl1pPr>
           </a:lstStyle>
           <a:p>
@@ -555,18 +555,18 @@
         </p:nvSpPr>
         <p:spPr>
           <a:xfrm>
-            <a:off x="3850443" y="9428583"/>
-            <a:ext cx="2945659" cy="496332"/>
+            <a:off x="5265810" y="16043518"/>
+            <a:ext cx="4028440" cy="844550"/>
           </a:xfrm>
           <a:prstGeom prst="rect">
             <a:avLst/>
           </a:prstGeom>
         </p:spPr>
         <p:txBody>
-          <a:bodyPr vert="horz" lIns="91440" tIns="45720" rIns="91440" bIns="45720" rtlCol="0" anchor="b"/>
+          <a:bodyPr vert="horz" lIns="143177" tIns="71588" rIns="143177" bIns="71588" rtlCol="0" anchor="b"/>
           <a:lstStyle>
             <a:lvl1pPr algn="r">
-              <a:defRPr sz="1200"/>
+              <a:defRPr sz="1900"/>
             </a:lvl1pPr>
           </a:lstStyle>
           <a:p>
@@ -4517,42 +4517,6 @@
           </a:fontRef>
         </p:style>
       </p:cxnSp>
-      <p:cxnSp>
-        <p:nvCxnSpPr>
-          <p:cNvPr id="26" name="Connecteur droit avec flèche 25"/>
-          <p:cNvCxnSpPr/>
-          <p:nvPr/>
-        </p:nvCxnSpPr>
-        <p:spPr>
-          <a:xfrm>
-            <a:off x="229394" y="2046902"/>
-            <a:ext cx="0" cy="0"/>
-          </a:xfrm>
-          <a:prstGeom prst="straightConnector1">
-            <a:avLst/>
-          </a:prstGeom>
-          <a:ln w="76200">
-            <a:solidFill>
-              <a:srgbClr val="FFC000"/>
-            </a:solidFill>
-            <a:tailEnd type="arrow"/>
-          </a:ln>
-        </p:spPr>
-        <p:style>
-          <a:lnRef idx="1">
-            <a:schemeClr val="accent1"/>
-          </a:lnRef>
-          <a:fillRef idx="0">
-            <a:schemeClr val="accent1"/>
-          </a:fillRef>
-          <a:effectRef idx="0">
-            <a:schemeClr val="accent1"/>
-          </a:effectRef>
-          <a:fontRef idx="minor">
-            <a:schemeClr val="tx1"/>
-          </a:fontRef>
-        </p:style>
-      </p:cxnSp>
       <p:sp>
         <p:nvSpPr>
           <p:cNvPr id="27" name="ZoneTexte 26"/>
@@ -4797,11 +4761,7 @@
             </a:r>
             <a:r>
               <a:rPr lang="en-US" sz="3600" dirty="0" smtClean="0"/>
-              <a:t> les </a:t>
-            </a:r>
-            <a:r>
-              <a:rPr lang="en-US" sz="3600" dirty="0" smtClean="0"/>
-              <a:t>champs</a:t>
+              <a:t> les champs</a:t>
             </a:r>
           </a:p>
           <a:p>
@@ -6101,7 +6061,6 @@
               <a:rPr lang="fr-FR" sz="3200" b="1" dirty="0" smtClean="0"/>
               <a:t>Prima-Solutions</a:t>
             </a:r>
-            <a:endParaRPr lang="fr-FR" sz="3200" b="1" dirty="0" smtClean="0"/>
           </a:p>
           <a:p>
             <a:pPr marL="457200" lvl="1" indent="-457200" algn="l">
@@ -6280,57 +6239,39 @@
           <a:bodyPr/>
           <a:lstStyle/>
           <a:p>
-            <a:pPr marL="457200" indent="-457200" algn="l">
-              <a:buFont typeface="Arial" pitchFamily="34" charset="0"/>
-              <a:buChar char="•"/>
+            <a:pPr marL="571500" indent="-571500" algn="l">
+              <a:buFont typeface="Wingdings" pitchFamily="2" charset="2"/>
+              <a:buChar char="q"/>
             </a:pPr>
             <a:r>
               <a:rPr lang="fr-FR" sz="4400" dirty="0" smtClean="0"/>
-              <a:t>La configuration à chaud d’une application est complexe et difficile à </a:t>
-            </a:r>
+              <a:t>La configuration à chaud d’une application est complexe et difficile à maîtriser</a:t>
+            </a:r>
+          </a:p>
+          <a:p>
+            <a:pPr marL="571500" indent="-571500" algn="l">
+              <a:buFont typeface="Wingdings" pitchFamily="2" charset="2"/>
+              <a:buChar char="q"/>
+            </a:pPr>
             <a:r>
               <a:rPr lang="fr-FR" sz="4400" dirty="0" smtClean="0"/>
-              <a:t>maîtriser</a:t>
-            </a:r>
-            <a:endParaRPr lang="fr-FR" sz="4400" dirty="0" smtClean="0"/>
-          </a:p>
-          <a:p>
-            <a:pPr marL="457200" indent="-457200" algn="l">
-              <a:buFont typeface="Arial" pitchFamily="34" charset="0"/>
-              <a:buChar char="•"/>
+              <a:t>La configuration statique est très commune dans les systèmes d’exploitation</a:t>
+            </a:r>
+          </a:p>
+          <a:p>
+            <a:pPr marL="571500" indent="-571500" algn="l">
+              <a:buFont typeface="Wingdings" pitchFamily="2" charset="2"/>
+              <a:buChar char="q"/>
             </a:pPr>
             <a:r>
               <a:rPr lang="fr-FR" sz="4400" dirty="0" smtClean="0"/>
-              <a:t>La configuration statique est très commune dans les </a:t>
-            </a:r>
-            <a:r>
-              <a:rPr lang="fr-FR" sz="4400" dirty="0" smtClean="0"/>
-              <a:t>systèmes </a:t>
-            </a:r>
-            <a:r>
-              <a:rPr lang="fr-FR" sz="4400" dirty="0" smtClean="0"/>
-              <a:t>d’exploitation</a:t>
-            </a:r>
-          </a:p>
-          <a:p>
-            <a:pPr marL="457200" indent="-457200" algn="l">
-              <a:buFont typeface="Arial" pitchFamily="34" charset="0"/>
-              <a:buChar char="•"/>
-            </a:pPr>
-            <a:r>
-              <a:rPr lang="fr-FR" sz="4400" dirty="0" smtClean="0"/>
-              <a:t>La gouvernance de la configuration des applications est assez mal </a:t>
-            </a:r>
-            <a:r>
-              <a:rPr lang="fr-FR" sz="4400" dirty="0" smtClean="0"/>
-              <a:t>maîtrisée</a:t>
-            </a:r>
-            <a:endParaRPr lang="fr-FR" sz="4400" dirty="0" smtClean="0"/>
-          </a:p>
-          <a:p>
-            <a:pPr marL="457200" indent="-457200" algn="l">
-              <a:buFont typeface="Arial" pitchFamily="34" charset="0"/>
-              <a:buChar char="•"/>
+              <a:t>La gouvernance de la configuration des applications est assez mal maîtrisée</a:t>
+            </a:r>
+          </a:p>
+          <a:p>
+            <a:pPr marL="571500" indent="-571500" algn="l">
+              <a:buFont typeface="Wingdings" pitchFamily="2" charset="2"/>
+              <a:buChar char="q"/>
             </a:pPr>
             <a:r>
               <a:rPr lang="fr-FR" sz="4400" dirty="0" smtClean="0"/>
@@ -6936,11 +6877,7 @@
             </a:r>
             <a:r>
               <a:rPr lang="en-US" sz="2800" b="1" dirty="0" err="1" smtClean="0"/>
-              <a:t>ç</a:t>
-            </a:r>
-            <a:r>
-              <a:rPr lang="en-US" sz="2800" b="1" dirty="0" err="1" smtClean="0"/>
-              <a:t>a</a:t>
+              <a:t>ça</a:t>
             </a:r>
             <a:r>
               <a:rPr lang="en-US" sz="2800" b="1" dirty="0" smtClean="0"/>
@@ -7439,11 +7376,7 @@
             </a:r>
             <a:r>
               <a:rPr lang="en-US" sz="2800" b="1" dirty="0" smtClean="0"/>
-              <a:t> la table </a:t>
-            </a:r>
-            <a:r>
-              <a:rPr lang="en-US" sz="2800" b="1" dirty="0" smtClean="0"/>
-              <a:t>CONFIG_SETTINGS, </a:t>
+              <a:t> la table CONFIG_SETTINGS, </a:t>
             </a:r>
             <a:r>
               <a:rPr lang="en-US" sz="2800" b="1" dirty="0" err="1"/>
@@ -8587,11 +8520,7 @@
             </a:r>
             <a:r>
               <a:rPr lang="en-US" sz="2800" b="1" dirty="0" smtClean="0"/>
-              <a:t> </a:t>
-            </a:r>
-            <a:r>
-              <a:rPr lang="en-US" sz="2800" b="1" dirty="0" smtClean="0"/>
-              <a:t>avec un script </a:t>
+              <a:t> avec un script </a:t>
             </a:r>
             <a:r>
               <a:rPr lang="en-US" sz="2800" b="1" dirty="0" err="1" smtClean="0"/>
@@ -9177,11 +9106,7 @@
             </a:r>
             <a:r>
               <a:rPr lang="en-US" sz="2800" b="1" dirty="0" smtClean="0"/>
-              <a:t> </a:t>
-            </a:r>
-            <a:r>
-              <a:rPr lang="en-US" sz="2800" b="1" dirty="0" smtClean="0"/>
-              <a:t>de </a:t>
+              <a:t> de </a:t>
             </a:r>
             <a:r>
               <a:rPr lang="en-US" sz="2800" b="1" dirty="0" err="1" smtClean="0"/>
@@ -9205,11 +9130,7 @@
             </a:r>
             <a:r>
               <a:rPr lang="en-US" sz="2800" b="1" dirty="0" smtClean="0"/>
-              <a:t> </a:t>
-            </a:r>
-            <a:r>
-              <a:rPr lang="en-US" sz="2800" b="1" dirty="0" smtClean="0"/>
-              <a:t>de production</a:t>
+              <a:t> de production</a:t>
             </a:r>
           </a:p>
         </p:txBody>

--- a/conf4j-slides/Devops_Configuration_Jungle_Devoxx_FR_2012.pptx
+++ b/conf4j-slides/Devops_Configuration_Jungle_Devoxx_FR_2012.pptx
@@ -3,29 +3,30 @@
 <p:presentation xmlns:a="http://schemas.openxmlformats.org/drawingml/2006/main" xmlns:r="http://schemas.openxmlformats.org/officeDocument/2006/relationships" xmlns:p="http://schemas.openxmlformats.org/presentationml/2006/main" strictFirstAndLastChars="0" saveSubsetFonts="1" autoCompressPictures="0">
   <p:sldMasterIdLst>
     <p:sldMasterId id="2147483648" r:id="rId1"/>
+    <p:sldMasterId id="2147483675" r:id="rId2"/>
   </p:sldMasterIdLst>
   <p:notesMasterIdLst>
-    <p:notesMasterId r:id="rId17"/>
+    <p:notesMasterId r:id="rId18"/>
   </p:notesMasterIdLst>
   <p:handoutMasterIdLst>
-    <p:handoutMasterId r:id="rId18"/>
+    <p:handoutMasterId r:id="rId19"/>
   </p:handoutMasterIdLst>
   <p:sldIdLst>
-    <p:sldId id="256" r:id="rId2"/>
-    <p:sldId id="303" r:id="rId3"/>
-    <p:sldId id="257" r:id="rId4"/>
-    <p:sldId id="261" r:id="rId5"/>
-    <p:sldId id="267" r:id="rId6"/>
-    <p:sldId id="273" r:id="rId7"/>
-    <p:sldId id="274" r:id="rId8"/>
-    <p:sldId id="276" r:id="rId9"/>
-    <p:sldId id="288" r:id="rId10"/>
-    <p:sldId id="301" r:id="rId11"/>
-    <p:sldId id="300" r:id="rId12"/>
-    <p:sldId id="305" r:id="rId13"/>
-    <p:sldId id="304" r:id="rId14"/>
-    <p:sldId id="258" r:id="rId15"/>
-    <p:sldId id="283" r:id="rId16"/>
+    <p:sldId id="256" r:id="rId3"/>
+    <p:sldId id="303" r:id="rId4"/>
+    <p:sldId id="257" r:id="rId5"/>
+    <p:sldId id="261" r:id="rId6"/>
+    <p:sldId id="267" r:id="rId7"/>
+    <p:sldId id="273" r:id="rId8"/>
+    <p:sldId id="274" r:id="rId9"/>
+    <p:sldId id="276" r:id="rId10"/>
+    <p:sldId id="288" r:id="rId11"/>
+    <p:sldId id="306" r:id="rId12"/>
+    <p:sldId id="300" r:id="rId13"/>
+    <p:sldId id="305" r:id="rId14"/>
+    <p:sldId id="304" r:id="rId15"/>
+    <p:sldId id="258" r:id="rId16"/>
+    <p:sldId id="283" r:id="rId17"/>
   </p:sldIdLst>
   <p:sldSz cx="16256000" cy="9144000"/>
   <p:notesSz cx="9296400" cy="16891000"/>
@@ -248,7 +249,7 @@
           <a:p>
             <a:fld id="{9C163B76-0A1D-459C-B31E-6378A8D3A519}" type="datetimeFigureOut">
               <a:rPr lang="fr-FR" smtClean="0"/>
-              <a:t>19/04/2012</a:t>
+              <a:t>19/04/12</a:t>
             </a:fld>
             <a:endParaRPr lang="fr-FR"/>
           </a:p>
@@ -314,7 +315,7 @@
           <a:p>
             <a:fld id="{C04CBF95-A7E5-4677-BF9B-A4B3DC18B8A1}" type="slidenum">
               <a:rPr lang="fr-FR" smtClean="0"/>
-              <a:t>‹N°›</a:t>
+              <a:t>‹#›</a:t>
             </a:fld>
             <a:endParaRPr lang="fr-FR"/>
           </a:p>
@@ -413,7 +414,7 @@
           <a:p>
             <a:fld id="{CE848079-FDA4-408C-B40C-5A2DC89A204E}" type="datetimeFigureOut">
               <a:rPr lang="fr-FR" smtClean="0"/>
-              <a:t>19/04/2012</a:t>
+              <a:t>19/04/12</a:t>
             </a:fld>
             <a:endParaRPr lang="fr-FR"/>
           </a:p>
@@ -572,7 +573,7 @@
           <a:p>
             <a:fld id="{77EB7D4F-3B41-457D-A104-81012E6FE64E}" type="slidenum">
               <a:rPr lang="fr-FR" smtClean="0"/>
-              <a:t>‹N°›</a:t>
+              <a:t>‹#›</a:t>
             </a:fld>
             <a:endParaRPr lang="fr-FR"/>
           </a:p>
@@ -813,7 +814,7 @@
             <a:fld id="{A8CAED9C-02B5-AD42-9D72-207013F21BBD}" type="slidenum">
               <a:rPr lang="en-US"/>
               <a:pPr/>
-              <a:t>‹N°›</a:t>
+              <a:t>‹#›</a:t>
             </a:fld>
             <a:endParaRPr lang="en-US"/>
           </a:p>
@@ -829,11 +830,11 @@
   <p:clrMapOvr>
     <a:masterClrMapping/>
   </p:clrMapOvr>
-  <p:transition/>
+  <p:transition xmlns:p14="http://schemas.microsoft.com/office/powerpoint/2010/main"/>
   <p:timing>
     <p:tnLst>
       <p:par>
-        <p:cTn id="1" dur="indefinite" restart="never" nodeType="tmRoot"/>
+        <p:cTn xmlns:p14="http://schemas.microsoft.com/office/powerpoint/2010/main" id="1" dur="indefinite" restart="never" nodeType="tmRoot"/>
       </p:par>
     </p:tnLst>
   </p:timing>
@@ -954,7 +955,7 @@
             <a:fld id="{127AF751-467D-4D44-B673-546F498464B8}" type="slidenum">
               <a:rPr lang="en-US"/>
               <a:pPr/>
-              <a:t>‹N°›</a:t>
+              <a:t>‹#›</a:t>
             </a:fld>
             <a:endParaRPr lang="en-US"/>
           </a:p>
@@ -970,11 +971,11 @@
   <p:clrMapOvr>
     <a:masterClrMapping/>
   </p:clrMapOvr>
-  <p:transition/>
+  <p:transition xmlns:p14="http://schemas.microsoft.com/office/powerpoint/2010/main"/>
   <p:timing>
     <p:tnLst>
       <p:par>
-        <p:cTn id="1" dur="indefinite" restart="never" nodeType="tmRoot"/>
+        <p:cTn xmlns:p14="http://schemas.microsoft.com/office/powerpoint/2010/main" id="1" dur="indefinite" restart="never" nodeType="tmRoot"/>
       </p:par>
     </p:tnLst>
   </p:timing>
@@ -1105,7 +1106,7 @@
             <a:fld id="{FC0683DA-48B5-014F-AB84-E1D48A45032F}" type="slidenum">
               <a:rPr lang="en-US"/>
               <a:pPr/>
-              <a:t>‹N°›</a:t>
+              <a:t>‹#›</a:t>
             </a:fld>
             <a:endParaRPr lang="en-US"/>
           </a:p>
@@ -1121,18 +1122,170 @@
   <p:clrMapOvr>
     <a:masterClrMapping/>
   </p:clrMapOvr>
-  <p:transition/>
+  <p:transition xmlns:p14="http://schemas.microsoft.com/office/powerpoint/2010/main"/>
   <p:timing>
     <p:tnLst>
       <p:par>
-        <p:cTn id="1" dur="indefinite" restart="never" nodeType="tmRoot"/>
+        <p:cTn xmlns:p14="http://schemas.microsoft.com/office/powerpoint/2010/main" id="1" dur="indefinite" restart="never" nodeType="tmRoot"/>
       </p:par>
     </p:tnLst>
   </p:timing>
 </p:sldLayout>
 </file>
 
-<file path=ppt/slideLayouts/slideLayout2.xml><?xml version="1.0" encoding="utf-8"?>
+<file path=ppt/slideLayouts/slideLayout12.xml><?xml version="1.0" encoding="utf-8"?>
+<p:sldLayout xmlns:a="http://schemas.openxmlformats.org/drawingml/2006/main" xmlns:r="http://schemas.openxmlformats.org/officeDocument/2006/relationships" xmlns:p="http://schemas.openxmlformats.org/presentationml/2006/main" type="title" preserve="1">
+  <p:cSld name="Diapositive de titre">
+    <p:spTree>
+      <p:nvGrpSpPr>
+        <p:cNvPr id="1" name=""/>
+        <p:cNvGrpSpPr/>
+        <p:nvPr/>
+      </p:nvGrpSpPr>
+      <p:grpSpPr>
+        <a:xfrm>
+          <a:off x="0" y="0"/>
+          <a:ext cx="0" cy="0"/>
+          <a:chOff x="0" y="0"/>
+          <a:chExt cx="0" cy="0"/>
+        </a:xfrm>
+      </p:grpSpPr>
+      <p:sp>
+        <p:nvSpPr>
+          <p:cNvPr id="2" name="Titre 1"/>
+          <p:cNvSpPr>
+            <a:spLocks noGrp="1"/>
+          </p:cNvSpPr>
+          <p:nvPr>
+            <p:ph type="ctrTitle"/>
+          </p:nvPr>
+        </p:nvSpPr>
+        <p:spPr>
+          <a:xfrm>
+            <a:off x="1219200" y="2840038"/>
+            <a:ext cx="13817600" cy="1960562"/>
+          </a:xfrm>
+        </p:spPr>
+        <p:txBody>
+          <a:bodyPr/>
+          <a:lstStyle/>
+          <a:p>
+            <a:r>
+              <a:rPr lang="fr-FR" smtClean="0"/>
+              <a:t>Cliquez et modifiez le titre</a:t>
+            </a:r>
+            <a:endParaRPr lang="fr-FR"/>
+          </a:p>
+        </p:txBody>
+      </p:sp>
+      <p:sp>
+        <p:nvSpPr>
+          <p:cNvPr id="3" name="Sous-titre 2"/>
+          <p:cNvSpPr>
+            <a:spLocks noGrp="1"/>
+          </p:cNvSpPr>
+          <p:nvPr>
+            <p:ph type="subTitle" idx="1"/>
+          </p:nvPr>
+        </p:nvSpPr>
+        <p:spPr>
+          <a:xfrm>
+            <a:off x="2438400" y="5181600"/>
+            <a:ext cx="11379200" cy="2336800"/>
+          </a:xfrm>
+        </p:spPr>
+        <p:txBody>
+          <a:bodyPr/>
+          <a:lstStyle>
+            <a:lvl1pPr marL="0" indent="0" algn="ctr">
+              <a:buNone/>
+              <a:defRPr/>
+            </a:lvl1pPr>
+            <a:lvl2pPr marL="457200" indent="0" algn="ctr">
+              <a:buNone/>
+              <a:defRPr/>
+            </a:lvl2pPr>
+            <a:lvl3pPr marL="914400" indent="0" algn="ctr">
+              <a:buNone/>
+              <a:defRPr/>
+            </a:lvl3pPr>
+            <a:lvl4pPr marL="1371600" indent="0" algn="ctr">
+              <a:buNone/>
+              <a:defRPr/>
+            </a:lvl4pPr>
+            <a:lvl5pPr marL="1828800" indent="0" algn="ctr">
+              <a:buNone/>
+              <a:defRPr/>
+            </a:lvl5pPr>
+            <a:lvl6pPr marL="2286000" indent="0" algn="ctr">
+              <a:buNone/>
+              <a:defRPr/>
+            </a:lvl6pPr>
+            <a:lvl7pPr marL="2743200" indent="0" algn="ctr">
+              <a:buNone/>
+              <a:defRPr/>
+            </a:lvl7pPr>
+            <a:lvl8pPr marL="3200400" indent="0" algn="ctr">
+              <a:buNone/>
+              <a:defRPr/>
+            </a:lvl8pPr>
+            <a:lvl9pPr marL="3657600" indent="0" algn="ctr">
+              <a:buNone/>
+              <a:defRPr/>
+            </a:lvl9pPr>
+          </a:lstStyle>
+          <a:p>
+            <a:r>
+              <a:rPr lang="fr-FR" smtClean="0"/>
+              <a:t>Cliquez pour modifier le style des sous-titres du masque</a:t>
+            </a:r>
+            <a:endParaRPr lang="fr-FR"/>
+          </a:p>
+        </p:txBody>
+      </p:sp>
+      <p:sp>
+        <p:nvSpPr>
+          <p:cNvPr id="4" name="Espace réservé du numéro de diapositive 3"/>
+          <p:cNvSpPr>
+            <a:spLocks noGrp="1"/>
+          </p:cNvSpPr>
+          <p:nvPr>
+            <p:ph type="sldNum" sz="quarter" idx="10"/>
+          </p:nvPr>
+        </p:nvSpPr>
+        <p:spPr/>
+        <p:txBody>
+          <a:bodyPr/>
+          <a:lstStyle>
+            <a:lvl1pPr>
+              <a:defRPr/>
+            </a:lvl1pPr>
+          </a:lstStyle>
+          <a:p>
+            <a:fld id="{AC082F44-1929-E047-9D25-501718D5EE84}" type="slidenum">
+              <a:rPr lang="en-US"/>
+              <a:pPr/>
+              <a:t>‹#›</a:t>
+            </a:fld>
+            <a:endParaRPr lang="en-US"/>
+          </a:p>
+        </p:txBody>
+      </p:sp>
+    </p:spTree>
+    <p:extLst>
+      <p:ext uri="{BB962C8B-B14F-4D97-AF65-F5344CB8AC3E}">
+        <p14:creationId xmlns:p14="http://schemas.microsoft.com/office/powerpoint/2010/main" val="3255946743"/>
+      </p:ext>
+    </p:extLst>
+  </p:cSld>
+  <p:clrMapOvr>
+    <a:masterClrMapping/>
+  </p:clrMapOvr>
+  <p:transition xmlns:p14="http://schemas.microsoft.com/office/powerpoint/2010/main"/>
+</p:sldLayout>
+</file>
+
+<file path=ppt/slideLayouts/slideLayout13.xml><?xml version="1.0" encoding="utf-8"?>
 <p:sldLayout xmlns:a="http://schemas.openxmlformats.org/drawingml/2006/main" xmlns:r="http://schemas.openxmlformats.org/officeDocument/2006/relationships" xmlns:p="http://schemas.openxmlformats.org/presentationml/2006/main" type="obj" preserve="1">
   <p:cSld name="Titre et contenu">
     <p:spTree>
@@ -1189,38 +1342,38 @@
           <a:p>
             <a:pPr lvl="0"/>
             <a:r>
-              <a:rPr lang="fr-FR" dirty="0" smtClean="0"/>
+              <a:rPr lang="fr-FR" smtClean="0"/>
               <a:t>Cliquez pour modifier les styles du texte du masque</a:t>
             </a:r>
           </a:p>
           <a:p>
             <a:pPr lvl="1"/>
             <a:r>
-              <a:rPr lang="fr-FR" dirty="0" smtClean="0"/>
+              <a:rPr lang="fr-FR" smtClean="0"/>
               <a:t>Deuxième niveau</a:t>
             </a:r>
           </a:p>
           <a:p>
             <a:pPr lvl="2"/>
             <a:r>
-              <a:rPr lang="fr-FR" dirty="0" smtClean="0"/>
+              <a:rPr lang="fr-FR" smtClean="0"/>
               <a:t>Troisième niveau</a:t>
             </a:r>
           </a:p>
           <a:p>
             <a:pPr lvl="3"/>
             <a:r>
-              <a:rPr lang="fr-FR" dirty="0" smtClean="0"/>
+              <a:rPr lang="fr-FR" smtClean="0"/>
               <a:t>Quatrième niveau</a:t>
             </a:r>
           </a:p>
           <a:p>
             <a:pPr lvl="4"/>
             <a:r>
-              <a:rPr lang="fr-FR" dirty="0" smtClean="0"/>
+              <a:rPr lang="fr-FR" smtClean="0"/>
               <a:t>Cinquième niveau</a:t>
             </a:r>
-            <a:endParaRPr lang="fr-FR" dirty="0"/>
+            <a:endParaRPr lang="fr-FR"/>
           </a:p>
         </p:txBody>
       </p:sp>
@@ -1243,10 +1396,10 @@
             </a:lvl1pPr>
           </a:lstStyle>
           <a:p>
-            <a:fld id="{86877393-B807-E74C-BF13-191E06FF98B8}" type="slidenum">
+            <a:fld id="{45C4F970-F64B-8A4F-AE28-78F50D16D247}" type="slidenum">
               <a:rPr lang="en-US"/>
               <a:pPr/>
-              <a:t>‹N°›</a:t>
+              <a:t>‹#›</a:t>
             </a:fld>
             <a:endParaRPr lang="en-US"/>
           </a:p>
@@ -1255,25 +1408,18 @@
     </p:spTree>
     <p:extLst>
       <p:ext uri="{BB962C8B-B14F-4D97-AF65-F5344CB8AC3E}">
-        <p14:creationId xmlns:p14="http://schemas.microsoft.com/office/powerpoint/2010/main" val="33241871"/>
+        <p14:creationId xmlns:p14="http://schemas.microsoft.com/office/powerpoint/2010/main" val="1813897355"/>
       </p:ext>
     </p:extLst>
   </p:cSld>
   <p:clrMapOvr>
     <a:masterClrMapping/>
   </p:clrMapOvr>
-  <p:transition/>
-  <p:timing>
-    <p:tnLst>
-      <p:par>
-        <p:cTn id="1" dur="indefinite" restart="never" nodeType="tmRoot"/>
-      </p:par>
-    </p:tnLst>
-  </p:timing>
+  <p:transition xmlns:p14="http://schemas.microsoft.com/office/powerpoint/2010/main"/>
 </p:sldLayout>
 </file>
 
-<file path=ppt/slideLayouts/slideLayout3.xml><?xml version="1.0" encoding="utf-8"?>
+<file path=ppt/slideLayouts/slideLayout14.xml><?xml version="1.0" encoding="utf-8"?>
 <p:sldLayout xmlns:a="http://schemas.openxmlformats.org/drawingml/2006/main" xmlns:r="http://schemas.openxmlformats.org/officeDocument/2006/relationships" xmlns:p="http://schemas.openxmlformats.org/presentationml/2006/main" type="secHead" preserve="1">
   <p:cSld name="En-tête de section">
     <p:spTree>
@@ -1406,10 +1552,10 @@
             </a:lvl1pPr>
           </a:lstStyle>
           <a:p>
-            <a:fld id="{9834C7D6-2C1A-BF4D-A30A-4EE79B3128CB}" type="slidenum">
+            <a:fld id="{264137AC-B2AA-1B41-8AD4-C2A0D2138EDA}" type="slidenum">
               <a:rPr lang="en-US"/>
               <a:pPr/>
-              <a:t>‹N°›</a:t>
+              <a:t>‹#›</a:t>
             </a:fld>
             <a:endParaRPr lang="en-US"/>
           </a:p>
@@ -1418,25 +1564,18 @@
     </p:spTree>
     <p:extLst>
       <p:ext uri="{BB962C8B-B14F-4D97-AF65-F5344CB8AC3E}">
-        <p14:creationId xmlns:p14="http://schemas.microsoft.com/office/powerpoint/2010/main" val="1747642260"/>
+        <p14:creationId xmlns:p14="http://schemas.microsoft.com/office/powerpoint/2010/main" val="1935708682"/>
       </p:ext>
     </p:extLst>
   </p:cSld>
   <p:clrMapOvr>
     <a:masterClrMapping/>
   </p:clrMapOvr>
-  <p:transition/>
-  <p:timing>
-    <p:tnLst>
-      <p:par>
-        <p:cTn id="1" dur="indefinite" restart="never" nodeType="tmRoot"/>
-      </p:par>
-    </p:tnLst>
-  </p:timing>
+  <p:transition xmlns:p14="http://schemas.microsoft.com/office/powerpoint/2010/main"/>
 </p:sldLayout>
 </file>
 
-<file path=ppt/slideLayouts/slideLayout4.xml><?xml version="1.0" encoding="utf-8"?>
+<file path=ppt/slideLayouts/slideLayout15.xml><?xml version="1.0" encoding="utf-8"?>
 <p:sldLayout xmlns:a="http://schemas.openxmlformats.org/drawingml/2006/main" xmlns:r="http://schemas.openxmlformats.org/officeDocument/2006/relationships" xmlns:p="http://schemas.openxmlformats.org/presentationml/2006/main" type="twoObj" preserve="1">
   <p:cSld name="Deux contenus">
     <p:spTree>
@@ -1665,10 +1804,10 @@
             </a:lvl1pPr>
           </a:lstStyle>
           <a:p>
-            <a:fld id="{D3F3FD25-9DC2-8346-86E2-F23BC39B2E0D}" type="slidenum">
+            <a:fld id="{06F198E7-B5DB-8B48-A649-395E30A6A689}" type="slidenum">
               <a:rPr lang="en-US"/>
               <a:pPr/>
-              <a:t>‹N°›</a:t>
+              <a:t>‹#›</a:t>
             </a:fld>
             <a:endParaRPr lang="en-US"/>
           </a:p>
@@ -1677,25 +1816,18 @@
     </p:spTree>
     <p:extLst>
       <p:ext uri="{BB962C8B-B14F-4D97-AF65-F5344CB8AC3E}">
-        <p14:creationId xmlns:p14="http://schemas.microsoft.com/office/powerpoint/2010/main" val="3181580497"/>
+        <p14:creationId xmlns:p14="http://schemas.microsoft.com/office/powerpoint/2010/main" val="3837898862"/>
       </p:ext>
     </p:extLst>
   </p:cSld>
   <p:clrMapOvr>
     <a:masterClrMapping/>
   </p:clrMapOvr>
-  <p:transition/>
-  <p:timing>
-    <p:tnLst>
-      <p:par>
-        <p:cTn id="1" dur="indefinite" restart="never" nodeType="tmRoot"/>
-      </p:par>
-    </p:tnLst>
-  </p:timing>
+  <p:transition xmlns:p14="http://schemas.microsoft.com/office/powerpoint/2010/main"/>
 </p:sldLayout>
 </file>
 
-<file path=ppt/slideLayouts/slideLayout5.xml><?xml version="1.0" encoding="utf-8"?>
+<file path=ppt/slideLayouts/slideLayout16.xml><?xml version="1.0" encoding="utf-8"?>
 <p:sldLayout xmlns:a="http://schemas.openxmlformats.org/drawingml/2006/main" xmlns:r="http://schemas.openxmlformats.org/officeDocument/2006/relationships" xmlns:p="http://schemas.openxmlformats.org/presentationml/2006/main" type="twoTxTwoObj" preserve="1">
   <p:cSld name="Comparaison">
     <p:spTree>
@@ -2063,10 +2195,10 @@
             </a:lvl1pPr>
           </a:lstStyle>
           <a:p>
-            <a:fld id="{FBFCDADD-7022-E14F-8035-65DD6DAFF535}" type="slidenum">
+            <a:fld id="{98CB35F8-F7CC-7240-A895-B7A506B1E052}" type="slidenum">
               <a:rPr lang="en-US"/>
               <a:pPr/>
-              <a:t>‹N°›</a:t>
+              <a:t>‹#›</a:t>
             </a:fld>
             <a:endParaRPr lang="en-US"/>
           </a:p>
@@ -2075,25 +2207,18 @@
     </p:spTree>
     <p:extLst>
       <p:ext uri="{BB962C8B-B14F-4D97-AF65-F5344CB8AC3E}">
-        <p14:creationId xmlns:p14="http://schemas.microsoft.com/office/powerpoint/2010/main" val="2976356191"/>
+        <p14:creationId xmlns:p14="http://schemas.microsoft.com/office/powerpoint/2010/main" val="3538432359"/>
       </p:ext>
     </p:extLst>
   </p:cSld>
   <p:clrMapOvr>
     <a:masterClrMapping/>
   </p:clrMapOvr>
-  <p:transition/>
-  <p:timing>
-    <p:tnLst>
-      <p:par>
-        <p:cTn id="1" dur="indefinite" restart="never" nodeType="tmRoot"/>
-      </p:par>
-    </p:tnLst>
-  </p:timing>
+  <p:transition xmlns:p14="http://schemas.microsoft.com/office/powerpoint/2010/main"/>
 </p:sldLayout>
 </file>
 
-<file path=ppt/slideLayouts/slideLayout6.xml><?xml version="1.0" encoding="utf-8"?>
+<file path=ppt/slideLayouts/slideLayout17.xml><?xml version="1.0" encoding="utf-8"?>
 <p:sldLayout xmlns:a="http://schemas.openxmlformats.org/drawingml/2006/main" xmlns:r="http://schemas.openxmlformats.org/officeDocument/2006/relationships" xmlns:p="http://schemas.openxmlformats.org/presentationml/2006/main" type="titleOnly" preserve="1">
   <p:cSld name="Titre seul">
     <p:spTree>
@@ -2152,10 +2277,10 @@
             </a:lvl1pPr>
           </a:lstStyle>
           <a:p>
-            <a:fld id="{F7840F72-97AF-C74A-8229-4ECC8A575D0B}" type="slidenum">
+            <a:fld id="{71A90227-D00A-7F4E-A545-2D860778EA9C}" type="slidenum">
               <a:rPr lang="en-US"/>
               <a:pPr/>
-              <a:t>‹N°›</a:t>
+              <a:t>‹#›</a:t>
             </a:fld>
             <a:endParaRPr lang="en-US"/>
           </a:p>
@@ -2164,25 +2289,18 @@
     </p:spTree>
     <p:extLst>
       <p:ext uri="{BB962C8B-B14F-4D97-AF65-F5344CB8AC3E}">
-        <p14:creationId xmlns:p14="http://schemas.microsoft.com/office/powerpoint/2010/main" val="36833433"/>
+        <p14:creationId xmlns:p14="http://schemas.microsoft.com/office/powerpoint/2010/main" val="3013423120"/>
       </p:ext>
     </p:extLst>
   </p:cSld>
   <p:clrMapOvr>
     <a:masterClrMapping/>
   </p:clrMapOvr>
-  <p:transition/>
-  <p:timing>
-    <p:tnLst>
-      <p:par>
-        <p:cTn id="1" dur="indefinite" restart="never" nodeType="tmRoot"/>
-      </p:par>
-    </p:tnLst>
-  </p:timing>
+  <p:transition xmlns:p14="http://schemas.microsoft.com/office/powerpoint/2010/main"/>
 </p:sldLayout>
 </file>
 
-<file path=ppt/slideLayouts/slideLayout7.xml><?xml version="1.0" encoding="utf-8"?>
+<file path=ppt/slideLayouts/slideLayout18.xml><?xml version="1.0" encoding="utf-8"?>
 <p:sldLayout xmlns:a="http://schemas.openxmlformats.org/drawingml/2006/main" xmlns:r="http://schemas.openxmlformats.org/officeDocument/2006/relationships" xmlns:p="http://schemas.openxmlformats.org/presentationml/2006/main" type="blank" preserve="1">
   <p:cSld name="Vide">
     <p:spTree>
@@ -2218,10 +2336,10 @@
             </a:lvl1pPr>
           </a:lstStyle>
           <a:p>
-            <a:fld id="{B21EA802-60DA-534C-9B33-FB9A9E9CE97F}" type="slidenum">
+            <a:fld id="{F5300555-CDAC-234B-BB28-A0338E220832}" type="slidenum">
               <a:rPr lang="en-US"/>
               <a:pPr/>
-              <a:t>‹N°›</a:t>
+              <a:t>‹#›</a:t>
             </a:fld>
             <a:endParaRPr lang="en-US"/>
           </a:p>
@@ -2230,25 +2348,18 @@
     </p:spTree>
     <p:extLst>
       <p:ext uri="{BB962C8B-B14F-4D97-AF65-F5344CB8AC3E}">
-        <p14:creationId xmlns:p14="http://schemas.microsoft.com/office/powerpoint/2010/main" val="1494536128"/>
+        <p14:creationId xmlns:p14="http://schemas.microsoft.com/office/powerpoint/2010/main" val="2498615238"/>
       </p:ext>
     </p:extLst>
   </p:cSld>
   <p:clrMapOvr>
     <a:masterClrMapping/>
   </p:clrMapOvr>
-  <p:transition/>
-  <p:timing>
-    <p:tnLst>
-      <p:par>
-        <p:cTn id="1" dur="indefinite" restart="never" nodeType="tmRoot"/>
-      </p:par>
-    </p:tnLst>
-  </p:timing>
+  <p:transition xmlns:p14="http://schemas.microsoft.com/office/powerpoint/2010/main"/>
 </p:sldLayout>
 </file>
 
-<file path=ppt/slideLayouts/slideLayout8.xml><?xml version="1.0" encoding="utf-8"?>
+<file path=ppt/slideLayouts/slideLayout19.xml><?xml version="1.0" encoding="utf-8"?>
 <p:sldLayout xmlns:a="http://schemas.openxmlformats.org/drawingml/2006/main" xmlns:r="http://schemas.openxmlformats.org/officeDocument/2006/relationships" xmlns:p="http://schemas.openxmlformats.org/presentationml/2006/main" type="objTx" preserve="1">
   <p:cSld name="Contenu avec légende">
     <p:spTree>
@@ -2466,10 +2577,10 @@
             </a:lvl1pPr>
           </a:lstStyle>
           <a:p>
-            <a:fld id="{4507116D-DCC7-634F-A60F-25CF71BF4E05}" type="slidenum">
+            <a:fld id="{0FD7B053-74EE-2248-83E7-89B5E0972084}" type="slidenum">
               <a:rPr lang="en-US"/>
               <a:pPr/>
-              <a:t>‹N°›</a:t>
+              <a:t>‹#›</a:t>
             </a:fld>
             <a:endParaRPr lang="en-US"/>
           </a:p>
@@ -2478,25 +2589,159 @@
     </p:spTree>
     <p:extLst>
       <p:ext uri="{BB962C8B-B14F-4D97-AF65-F5344CB8AC3E}">
-        <p14:creationId xmlns:p14="http://schemas.microsoft.com/office/powerpoint/2010/main" val="485506341"/>
+        <p14:creationId xmlns:p14="http://schemas.microsoft.com/office/powerpoint/2010/main" val="2573083808"/>
       </p:ext>
     </p:extLst>
   </p:cSld>
   <p:clrMapOvr>
     <a:masterClrMapping/>
   </p:clrMapOvr>
-  <p:transition/>
+  <p:transition xmlns:p14="http://schemas.microsoft.com/office/powerpoint/2010/main"/>
+</p:sldLayout>
+</file>
+
+<file path=ppt/slideLayouts/slideLayout2.xml><?xml version="1.0" encoding="utf-8"?>
+<p:sldLayout xmlns:a="http://schemas.openxmlformats.org/drawingml/2006/main" xmlns:r="http://schemas.openxmlformats.org/officeDocument/2006/relationships" xmlns:p="http://schemas.openxmlformats.org/presentationml/2006/main" type="obj" preserve="1">
+  <p:cSld name="Titre et contenu">
+    <p:spTree>
+      <p:nvGrpSpPr>
+        <p:cNvPr id="1" name=""/>
+        <p:cNvGrpSpPr/>
+        <p:nvPr/>
+      </p:nvGrpSpPr>
+      <p:grpSpPr>
+        <a:xfrm>
+          <a:off x="0" y="0"/>
+          <a:ext cx="0" cy="0"/>
+          <a:chOff x="0" y="0"/>
+          <a:chExt cx="0" cy="0"/>
+        </a:xfrm>
+      </p:grpSpPr>
+      <p:sp>
+        <p:nvSpPr>
+          <p:cNvPr id="2" name="Titre 1"/>
+          <p:cNvSpPr>
+            <a:spLocks noGrp="1"/>
+          </p:cNvSpPr>
+          <p:nvPr>
+            <p:ph type="title"/>
+          </p:nvPr>
+        </p:nvSpPr>
+        <p:spPr/>
+        <p:txBody>
+          <a:bodyPr/>
+          <a:lstStyle/>
+          <a:p>
+            <a:r>
+              <a:rPr lang="fr-FR" smtClean="0"/>
+              <a:t>Cliquez et modifiez le titre</a:t>
+            </a:r>
+            <a:endParaRPr lang="fr-FR"/>
+          </a:p>
+        </p:txBody>
+      </p:sp>
+      <p:sp>
+        <p:nvSpPr>
+          <p:cNvPr id="3" name="Espace réservé du contenu 2"/>
+          <p:cNvSpPr>
+            <a:spLocks noGrp="1"/>
+          </p:cNvSpPr>
+          <p:nvPr>
+            <p:ph idx="1"/>
+          </p:nvPr>
+        </p:nvSpPr>
+        <p:spPr/>
+        <p:txBody>
+          <a:bodyPr/>
+          <a:lstStyle/>
+          <a:p>
+            <a:pPr lvl="0"/>
+            <a:r>
+              <a:rPr lang="fr-FR" dirty="0" smtClean="0"/>
+              <a:t>Cliquez pour modifier les styles du texte du masque</a:t>
+            </a:r>
+          </a:p>
+          <a:p>
+            <a:pPr lvl="1"/>
+            <a:r>
+              <a:rPr lang="fr-FR" dirty="0" smtClean="0"/>
+              <a:t>Deuxième niveau</a:t>
+            </a:r>
+          </a:p>
+          <a:p>
+            <a:pPr lvl="2"/>
+            <a:r>
+              <a:rPr lang="fr-FR" dirty="0" smtClean="0"/>
+              <a:t>Troisième niveau</a:t>
+            </a:r>
+          </a:p>
+          <a:p>
+            <a:pPr lvl="3"/>
+            <a:r>
+              <a:rPr lang="fr-FR" dirty="0" smtClean="0"/>
+              <a:t>Quatrième niveau</a:t>
+            </a:r>
+          </a:p>
+          <a:p>
+            <a:pPr lvl="4"/>
+            <a:r>
+              <a:rPr lang="fr-FR" dirty="0" smtClean="0"/>
+              <a:t>Cinquième niveau</a:t>
+            </a:r>
+            <a:endParaRPr lang="fr-FR" dirty="0"/>
+          </a:p>
+        </p:txBody>
+      </p:sp>
+      <p:sp>
+        <p:nvSpPr>
+          <p:cNvPr id="4" name="Espace réservé du numéro de diapositive 3"/>
+          <p:cNvSpPr>
+            <a:spLocks noGrp="1"/>
+          </p:cNvSpPr>
+          <p:nvPr>
+            <p:ph type="sldNum" sz="quarter" idx="10"/>
+          </p:nvPr>
+        </p:nvSpPr>
+        <p:spPr/>
+        <p:txBody>
+          <a:bodyPr/>
+          <a:lstStyle>
+            <a:lvl1pPr>
+              <a:defRPr/>
+            </a:lvl1pPr>
+          </a:lstStyle>
+          <a:p>
+            <a:fld id="{86877393-B807-E74C-BF13-191E06FF98B8}" type="slidenum">
+              <a:rPr lang="en-US"/>
+              <a:pPr/>
+              <a:t>‹#›</a:t>
+            </a:fld>
+            <a:endParaRPr lang="en-US"/>
+          </a:p>
+        </p:txBody>
+      </p:sp>
+    </p:spTree>
+    <p:extLst>
+      <p:ext uri="{BB962C8B-B14F-4D97-AF65-F5344CB8AC3E}">
+        <p14:creationId xmlns:p14="http://schemas.microsoft.com/office/powerpoint/2010/main" val="33241871"/>
+      </p:ext>
+    </p:extLst>
+  </p:cSld>
+  <p:clrMapOvr>
+    <a:masterClrMapping/>
+  </p:clrMapOvr>
+  <p:transition xmlns:p14="http://schemas.microsoft.com/office/powerpoint/2010/main"/>
   <p:timing>
     <p:tnLst>
       <p:par>
-        <p:cTn id="1" dur="indefinite" restart="never" nodeType="tmRoot"/>
+        <p:cTn xmlns:p14="http://schemas.microsoft.com/office/powerpoint/2010/main" id="1" dur="indefinite" restart="never" nodeType="tmRoot"/>
       </p:par>
     </p:tnLst>
   </p:timing>
 </p:sldLayout>
 </file>
 
-<file path=ppt/slideLayouts/slideLayout9.xml><?xml version="1.0" encoding="utf-8"?>
+<file path=ppt/slideLayouts/slideLayout20.xml><?xml version="1.0" encoding="utf-8"?>
 <p:sldLayout xmlns:a="http://schemas.openxmlformats.org/drawingml/2006/main" xmlns:r="http://schemas.openxmlformats.org/officeDocument/2006/relationships" xmlns:p="http://schemas.openxmlformats.org/presentationml/2006/main" type="picTx" preserve="1">
   <p:cSld name="Image avec légende">
     <p:spTree>
@@ -2690,10 +2935,1728 @@
             </a:lvl1pPr>
           </a:lstStyle>
           <a:p>
+            <a:fld id="{BEF43051-B5F4-BE4E-B2C2-818FBDB8B17B}" type="slidenum">
+              <a:rPr lang="en-US"/>
+              <a:pPr/>
+              <a:t>‹#›</a:t>
+            </a:fld>
+            <a:endParaRPr lang="en-US"/>
+          </a:p>
+        </p:txBody>
+      </p:sp>
+    </p:spTree>
+    <p:extLst>
+      <p:ext uri="{BB962C8B-B14F-4D97-AF65-F5344CB8AC3E}">
+        <p14:creationId xmlns:p14="http://schemas.microsoft.com/office/powerpoint/2010/main" val="123439557"/>
+      </p:ext>
+    </p:extLst>
+  </p:cSld>
+  <p:clrMapOvr>
+    <a:masterClrMapping/>
+  </p:clrMapOvr>
+  <p:transition xmlns:p14="http://schemas.microsoft.com/office/powerpoint/2010/main"/>
+</p:sldLayout>
+</file>
+
+<file path=ppt/slideLayouts/slideLayout21.xml><?xml version="1.0" encoding="utf-8"?>
+<p:sldLayout xmlns:a="http://schemas.openxmlformats.org/drawingml/2006/main" xmlns:r="http://schemas.openxmlformats.org/officeDocument/2006/relationships" xmlns:p="http://schemas.openxmlformats.org/presentationml/2006/main" type="vertTx" preserve="1">
+  <p:cSld name="Titre et texte vertical">
+    <p:spTree>
+      <p:nvGrpSpPr>
+        <p:cNvPr id="1" name=""/>
+        <p:cNvGrpSpPr/>
+        <p:nvPr/>
+      </p:nvGrpSpPr>
+      <p:grpSpPr>
+        <a:xfrm>
+          <a:off x="0" y="0"/>
+          <a:ext cx="0" cy="0"/>
+          <a:chOff x="0" y="0"/>
+          <a:chExt cx="0" cy="0"/>
+        </a:xfrm>
+      </p:grpSpPr>
+      <p:sp>
+        <p:nvSpPr>
+          <p:cNvPr id="2" name="Titre 1"/>
+          <p:cNvSpPr>
+            <a:spLocks noGrp="1"/>
+          </p:cNvSpPr>
+          <p:nvPr>
+            <p:ph type="title"/>
+          </p:nvPr>
+        </p:nvSpPr>
+        <p:spPr/>
+        <p:txBody>
+          <a:bodyPr/>
+          <a:lstStyle/>
+          <a:p>
+            <a:r>
+              <a:rPr lang="fr-FR" smtClean="0"/>
+              <a:t>Cliquez et modifiez le titre</a:t>
+            </a:r>
+            <a:endParaRPr lang="fr-FR"/>
+          </a:p>
+        </p:txBody>
+      </p:sp>
+      <p:sp>
+        <p:nvSpPr>
+          <p:cNvPr id="3" name="Espace réservé du texte vertical 2"/>
+          <p:cNvSpPr>
+            <a:spLocks noGrp="1"/>
+          </p:cNvSpPr>
+          <p:nvPr>
+            <p:ph type="body" orient="vert" idx="1"/>
+          </p:nvPr>
+        </p:nvSpPr>
+        <p:spPr/>
+        <p:txBody>
+          <a:bodyPr vert="eaVert"/>
+          <a:lstStyle/>
+          <a:p>
+            <a:pPr lvl="0"/>
+            <a:r>
+              <a:rPr lang="fr-FR" smtClean="0"/>
+              <a:t>Cliquez pour modifier les styles du texte du masque</a:t>
+            </a:r>
+          </a:p>
+          <a:p>
+            <a:pPr lvl="1"/>
+            <a:r>
+              <a:rPr lang="fr-FR" smtClean="0"/>
+              <a:t>Deuxième niveau</a:t>
+            </a:r>
+          </a:p>
+          <a:p>
+            <a:pPr lvl="2"/>
+            <a:r>
+              <a:rPr lang="fr-FR" smtClean="0"/>
+              <a:t>Troisième niveau</a:t>
+            </a:r>
+          </a:p>
+          <a:p>
+            <a:pPr lvl="3"/>
+            <a:r>
+              <a:rPr lang="fr-FR" smtClean="0"/>
+              <a:t>Quatrième niveau</a:t>
+            </a:r>
+          </a:p>
+          <a:p>
+            <a:pPr lvl="4"/>
+            <a:r>
+              <a:rPr lang="fr-FR" smtClean="0"/>
+              <a:t>Cinquième niveau</a:t>
+            </a:r>
+            <a:endParaRPr lang="fr-FR"/>
+          </a:p>
+        </p:txBody>
+      </p:sp>
+      <p:sp>
+        <p:nvSpPr>
+          <p:cNvPr id="4" name="Espace réservé du numéro de diapositive 3"/>
+          <p:cNvSpPr>
+            <a:spLocks noGrp="1"/>
+          </p:cNvSpPr>
+          <p:nvPr>
+            <p:ph type="sldNum" sz="quarter" idx="10"/>
+          </p:nvPr>
+        </p:nvSpPr>
+        <p:spPr/>
+        <p:txBody>
+          <a:bodyPr/>
+          <a:lstStyle>
+            <a:lvl1pPr>
+              <a:defRPr/>
+            </a:lvl1pPr>
+          </a:lstStyle>
+          <a:p>
+            <a:fld id="{F59501BD-DD41-2B4E-96C2-71427104A58C}" type="slidenum">
+              <a:rPr lang="en-US"/>
+              <a:pPr/>
+              <a:t>‹#›</a:t>
+            </a:fld>
+            <a:endParaRPr lang="en-US"/>
+          </a:p>
+        </p:txBody>
+      </p:sp>
+    </p:spTree>
+    <p:extLst>
+      <p:ext uri="{BB962C8B-B14F-4D97-AF65-F5344CB8AC3E}">
+        <p14:creationId xmlns:p14="http://schemas.microsoft.com/office/powerpoint/2010/main" val="486756882"/>
+      </p:ext>
+    </p:extLst>
+  </p:cSld>
+  <p:clrMapOvr>
+    <a:masterClrMapping/>
+  </p:clrMapOvr>
+  <p:transition xmlns:p14="http://schemas.microsoft.com/office/powerpoint/2010/main"/>
+</p:sldLayout>
+</file>
+
+<file path=ppt/slideLayouts/slideLayout22.xml><?xml version="1.0" encoding="utf-8"?>
+<p:sldLayout xmlns:a="http://schemas.openxmlformats.org/drawingml/2006/main" xmlns:r="http://schemas.openxmlformats.org/officeDocument/2006/relationships" xmlns:p="http://schemas.openxmlformats.org/presentationml/2006/main" type="vertTitleAndTx" preserve="1">
+  <p:cSld name="Titre vertical et texte">
+    <p:spTree>
+      <p:nvGrpSpPr>
+        <p:cNvPr id="1" name=""/>
+        <p:cNvGrpSpPr/>
+        <p:nvPr/>
+      </p:nvGrpSpPr>
+      <p:grpSpPr>
+        <a:xfrm>
+          <a:off x="0" y="0"/>
+          <a:ext cx="0" cy="0"/>
+          <a:chOff x="0" y="0"/>
+          <a:chExt cx="0" cy="0"/>
+        </a:xfrm>
+      </p:grpSpPr>
+      <p:sp>
+        <p:nvSpPr>
+          <p:cNvPr id="2" name="Titre vertical 1"/>
+          <p:cNvSpPr>
+            <a:spLocks noGrp="1"/>
+          </p:cNvSpPr>
+          <p:nvPr>
+            <p:ph type="title" orient="vert"/>
+          </p:nvPr>
+        </p:nvSpPr>
+        <p:spPr>
+          <a:xfrm>
+            <a:off x="11614150" y="1536700"/>
+            <a:ext cx="3486150" cy="4229100"/>
+          </a:xfrm>
+        </p:spPr>
+        <p:txBody>
+          <a:bodyPr vert="eaVert"/>
+          <a:lstStyle/>
+          <a:p>
+            <a:r>
+              <a:rPr lang="fr-FR" smtClean="0"/>
+              <a:t>Cliquez et modifiez le titre</a:t>
+            </a:r>
+            <a:endParaRPr lang="fr-FR"/>
+          </a:p>
+        </p:txBody>
+      </p:sp>
+      <p:sp>
+        <p:nvSpPr>
+          <p:cNvPr id="3" name="Espace réservé du texte vertical 2"/>
+          <p:cNvSpPr>
+            <a:spLocks noGrp="1"/>
+          </p:cNvSpPr>
+          <p:nvPr>
+            <p:ph type="body" orient="vert" idx="1"/>
+          </p:nvPr>
+        </p:nvSpPr>
+        <p:spPr>
+          <a:xfrm>
+            <a:off x="1155700" y="1536700"/>
+            <a:ext cx="10306050" cy="4229100"/>
+          </a:xfrm>
+        </p:spPr>
+        <p:txBody>
+          <a:bodyPr vert="eaVert"/>
+          <a:lstStyle/>
+          <a:p>
+            <a:pPr lvl="0"/>
+            <a:r>
+              <a:rPr lang="fr-FR" smtClean="0"/>
+              <a:t>Cliquez pour modifier les styles du texte du masque</a:t>
+            </a:r>
+          </a:p>
+          <a:p>
+            <a:pPr lvl="1"/>
+            <a:r>
+              <a:rPr lang="fr-FR" smtClean="0"/>
+              <a:t>Deuxième niveau</a:t>
+            </a:r>
+          </a:p>
+          <a:p>
+            <a:pPr lvl="2"/>
+            <a:r>
+              <a:rPr lang="fr-FR" smtClean="0"/>
+              <a:t>Troisième niveau</a:t>
+            </a:r>
+          </a:p>
+          <a:p>
+            <a:pPr lvl="3"/>
+            <a:r>
+              <a:rPr lang="fr-FR" smtClean="0"/>
+              <a:t>Quatrième niveau</a:t>
+            </a:r>
+          </a:p>
+          <a:p>
+            <a:pPr lvl="4"/>
+            <a:r>
+              <a:rPr lang="fr-FR" smtClean="0"/>
+              <a:t>Cinquième niveau</a:t>
+            </a:r>
+            <a:endParaRPr lang="fr-FR"/>
+          </a:p>
+        </p:txBody>
+      </p:sp>
+      <p:sp>
+        <p:nvSpPr>
+          <p:cNvPr id="4" name="Espace réservé du numéro de diapositive 3"/>
+          <p:cNvSpPr>
+            <a:spLocks noGrp="1"/>
+          </p:cNvSpPr>
+          <p:nvPr>
+            <p:ph type="sldNum" sz="quarter" idx="10"/>
+          </p:nvPr>
+        </p:nvSpPr>
+        <p:spPr/>
+        <p:txBody>
+          <a:bodyPr/>
+          <a:lstStyle>
+            <a:lvl1pPr>
+              <a:defRPr/>
+            </a:lvl1pPr>
+          </a:lstStyle>
+          <a:p>
+            <a:fld id="{E0EF76C8-835F-C74B-A4B1-8E1CE1A94B73}" type="slidenum">
+              <a:rPr lang="en-US"/>
+              <a:pPr/>
+              <a:t>‹#›</a:t>
+            </a:fld>
+            <a:endParaRPr lang="en-US"/>
+          </a:p>
+        </p:txBody>
+      </p:sp>
+    </p:spTree>
+    <p:extLst>
+      <p:ext uri="{BB962C8B-B14F-4D97-AF65-F5344CB8AC3E}">
+        <p14:creationId xmlns:p14="http://schemas.microsoft.com/office/powerpoint/2010/main" val="715525272"/>
+      </p:ext>
+    </p:extLst>
+  </p:cSld>
+  <p:clrMapOvr>
+    <a:masterClrMapping/>
+  </p:clrMapOvr>
+  <p:transition xmlns:p14="http://schemas.microsoft.com/office/powerpoint/2010/main"/>
+</p:sldLayout>
+</file>
+
+<file path=ppt/slideLayouts/slideLayout3.xml><?xml version="1.0" encoding="utf-8"?>
+<p:sldLayout xmlns:a="http://schemas.openxmlformats.org/drawingml/2006/main" xmlns:r="http://schemas.openxmlformats.org/officeDocument/2006/relationships" xmlns:p="http://schemas.openxmlformats.org/presentationml/2006/main" type="secHead" preserve="1">
+  <p:cSld name="En-tête de section">
+    <p:spTree>
+      <p:nvGrpSpPr>
+        <p:cNvPr id="1" name=""/>
+        <p:cNvGrpSpPr/>
+        <p:nvPr/>
+      </p:nvGrpSpPr>
+      <p:grpSpPr>
+        <a:xfrm>
+          <a:off x="0" y="0"/>
+          <a:ext cx="0" cy="0"/>
+          <a:chOff x="0" y="0"/>
+          <a:chExt cx="0" cy="0"/>
+        </a:xfrm>
+      </p:grpSpPr>
+      <p:sp>
+        <p:nvSpPr>
+          <p:cNvPr id="2" name="Titre 1"/>
+          <p:cNvSpPr>
+            <a:spLocks noGrp="1"/>
+          </p:cNvSpPr>
+          <p:nvPr>
+            <p:ph type="title"/>
+          </p:nvPr>
+        </p:nvSpPr>
+        <p:spPr>
+          <a:xfrm>
+            <a:off x="1284288" y="5875338"/>
+            <a:ext cx="13817600" cy="1816100"/>
+          </a:xfrm>
+        </p:spPr>
+        <p:txBody>
+          <a:bodyPr anchor="t"/>
+          <a:lstStyle>
+            <a:lvl1pPr algn="l">
+              <a:defRPr sz="4000" b="1" cap="all"/>
+            </a:lvl1pPr>
+          </a:lstStyle>
+          <a:p>
+            <a:r>
+              <a:rPr lang="fr-FR" smtClean="0"/>
+              <a:t>Cliquez et modifiez le titre</a:t>
+            </a:r>
+            <a:endParaRPr lang="fr-FR"/>
+          </a:p>
+        </p:txBody>
+      </p:sp>
+      <p:sp>
+        <p:nvSpPr>
+          <p:cNvPr id="3" name="Espace réservé du texte 2"/>
+          <p:cNvSpPr>
+            <a:spLocks noGrp="1"/>
+          </p:cNvSpPr>
+          <p:nvPr>
+            <p:ph type="body" idx="1"/>
+          </p:nvPr>
+        </p:nvSpPr>
+        <p:spPr>
+          <a:xfrm>
+            <a:off x="1284288" y="3875088"/>
+            <a:ext cx="13817600" cy="2000250"/>
+          </a:xfrm>
+        </p:spPr>
+        <p:txBody>
+          <a:bodyPr anchor="b"/>
+          <a:lstStyle>
+            <a:lvl1pPr marL="0" indent="0">
+              <a:buNone/>
+              <a:defRPr sz="2000"/>
+            </a:lvl1pPr>
+            <a:lvl2pPr marL="457200" indent="0">
+              <a:buNone/>
+              <a:defRPr sz="1800"/>
+            </a:lvl2pPr>
+            <a:lvl3pPr marL="914400" indent="0">
+              <a:buNone/>
+              <a:defRPr sz="1600"/>
+            </a:lvl3pPr>
+            <a:lvl4pPr marL="1371600" indent="0">
+              <a:buNone/>
+              <a:defRPr sz="1400"/>
+            </a:lvl4pPr>
+            <a:lvl5pPr marL="1828800" indent="0">
+              <a:buNone/>
+              <a:defRPr sz="1400"/>
+            </a:lvl5pPr>
+            <a:lvl6pPr marL="2286000" indent="0">
+              <a:buNone/>
+              <a:defRPr sz="1400"/>
+            </a:lvl6pPr>
+            <a:lvl7pPr marL="2743200" indent="0">
+              <a:buNone/>
+              <a:defRPr sz="1400"/>
+            </a:lvl7pPr>
+            <a:lvl8pPr marL="3200400" indent="0">
+              <a:buNone/>
+              <a:defRPr sz="1400"/>
+            </a:lvl8pPr>
+            <a:lvl9pPr marL="3657600" indent="0">
+              <a:buNone/>
+              <a:defRPr sz="1400"/>
+            </a:lvl9pPr>
+          </a:lstStyle>
+          <a:p>
+            <a:pPr lvl="0"/>
+            <a:r>
+              <a:rPr lang="fr-FR" smtClean="0"/>
+              <a:t>Cliquez pour modifier les styles du texte du masque</a:t>
+            </a:r>
+          </a:p>
+        </p:txBody>
+      </p:sp>
+      <p:sp>
+        <p:nvSpPr>
+          <p:cNvPr id="4" name="Espace réservé du numéro de diapositive 3"/>
+          <p:cNvSpPr>
+            <a:spLocks noGrp="1"/>
+          </p:cNvSpPr>
+          <p:nvPr>
+            <p:ph type="sldNum" sz="quarter" idx="10"/>
+          </p:nvPr>
+        </p:nvSpPr>
+        <p:spPr/>
+        <p:txBody>
+          <a:bodyPr/>
+          <a:lstStyle>
+            <a:lvl1pPr>
+              <a:defRPr/>
+            </a:lvl1pPr>
+          </a:lstStyle>
+          <a:p>
+            <a:fld id="{9834C7D6-2C1A-BF4D-A30A-4EE79B3128CB}" type="slidenum">
+              <a:rPr lang="en-US"/>
+              <a:pPr/>
+              <a:t>‹#›</a:t>
+            </a:fld>
+            <a:endParaRPr lang="en-US"/>
+          </a:p>
+        </p:txBody>
+      </p:sp>
+    </p:spTree>
+    <p:extLst>
+      <p:ext uri="{BB962C8B-B14F-4D97-AF65-F5344CB8AC3E}">
+        <p14:creationId xmlns:p14="http://schemas.microsoft.com/office/powerpoint/2010/main" val="1747642260"/>
+      </p:ext>
+    </p:extLst>
+  </p:cSld>
+  <p:clrMapOvr>
+    <a:masterClrMapping/>
+  </p:clrMapOvr>
+  <p:transition xmlns:p14="http://schemas.microsoft.com/office/powerpoint/2010/main"/>
+  <p:timing>
+    <p:tnLst>
+      <p:par>
+        <p:cTn xmlns:p14="http://schemas.microsoft.com/office/powerpoint/2010/main" id="1" dur="indefinite" restart="never" nodeType="tmRoot"/>
+      </p:par>
+    </p:tnLst>
+  </p:timing>
+</p:sldLayout>
+</file>
+
+<file path=ppt/slideLayouts/slideLayout4.xml><?xml version="1.0" encoding="utf-8"?>
+<p:sldLayout xmlns:a="http://schemas.openxmlformats.org/drawingml/2006/main" xmlns:r="http://schemas.openxmlformats.org/officeDocument/2006/relationships" xmlns:p="http://schemas.openxmlformats.org/presentationml/2006/main" type="twoObj" preserve="1">
+  <p:cSld name="Deux contenus">
+    <p:spTree>
+      <p:nvGrpSpPr>
+        <p:cNvPr id="1" name=""/>
+        <p:cNvGrpSpPr/>
+        <p:nvPr/>
+      </p:nvGrpSpPr>
+      <p:grpSpPr>
+        <a:xfrm>
+          <a:off x="0" y="0"/>
+          <a:ext cx="0" cy="0"/>
+          <a:chOff x="0" y="0"/>
+          <a:chExt cx="0" cy="0"/>
+        </a:xfrm>
+      </p:grpSpPr>
+      <p:sp>
+        <p:nvSpPr>
+          <p:cNvPr id="2" name="Titre 1"/>
+          <p:cNvSpPr>
+            <a:spLocks noGrp="1"/>
+          </p:cNvSpPr>
+          <p:nvPr>
+            <p:ph type="title"/>
+          </p:nvPr>
+        </p:nvSpPr>
+        <p:spPr/>
+        <p:txBody>
+          <a:bodyPr/>
+          <a:lstStyle/>
+          <a:p>
+            <a:r>
+              <a:rPr lang="fr-FR" smtClean="0"/>
+              <a:t>Cliquez et modifiez le titre</a:t>
+            </a:r>
+            <a:endParaRPr lang="fr-FR"/>
+          </a:p>
+        </p:txBody>
+      </p:sp>
+      <p:sp>
+        <p:nvSpPr>
+          <p:cNvPr id="3" name="Espace réservé du contenu 2"/>
+          <p:cNvSpPr>
+            <a:spLocks noGrp="1"/>
+          </p:cNvSpPr>
+          <p:nvPr>
+            <p:ph sz="half" idx="1"/>
+          </p:nvPr>
+        </p:nvSpPr>
+        <p:spPr>
+          <a:xfrm>
+            <a:off x="1155700" y="4711700"/>
+            <a:ext cx="6896100" cy="1054100"/>
+          </a:xfrm>
+        </p:spPr>
+        <p:txBody>
+          <a:bodyPr/>
+          <a:lstStyle>
+            <a:lvl1pPr>
+              <a:defRPr sz="2800"/>
+            </a:lvl1pPr>
+            <a:lvl2pPr>
+              <a:defRPr sz="2400"/>
+            </a:lvl2pPr>
+            <a:lvl3pPr>
+              <a:defRPr sz="2000"/>
+            </a:lvl3pPr>
+            <a:lvl4pPr>
+              <a:defRPr sz="1800"/>
+            </a:lvl4pPr>
+            <a:lvl5pPr>
+              <a:defRPr sz="1800"/>
+            </a:lvl5pPr>
+            <a:lvl6pPr>
+              <a:defRPr sz="1800"/>
+            </a:lvl6pPr>
+            <a:lvl7pPr>
+              <a:defRPr sz="1800"/>
+            </a:lvl7pPr>
+            <a:lvl8pPr>
+              <a:defRPr sz="1800"/>
+            </a:lvl8pPr>
+            <a:lvl9pPr>
+              <a:defRPr sz="1800"/>
+            </a:lvl9pPr>
+          </a:lstStyle>
+          <a:p>
+            <a:pPr lvl="0"/>
+            <a:r>
+              <a:rPr lang="fr-FR" smtClean="0"/>
+              <a:t>Cliquez pour modifier les styles du texte du masque</a:t>
+            </a:r>
+          </a:p>
+          <a:p>
+            <a:pPr lvl="1"/>
+            <a:r>
+              <a:rPr lang="fr-FR" smtClean="0"/>
+              <a:t>Deuxième niveau</a:t>
+            </a:r>
+          </a:p>
+          <a:p>
+            <a:pPr lvl="2"/>
+            <a:r>
+              <a:rPr lang="fr-FR" smtClean="0"/>
+              <a:t>Troisième niveau</a:t>
+            </a:r>
+          </a:p>
+          <a:p>
+            <a:pPr lvl="3"/>
+            <a:r>
+              <a:rPr lang="fr-FR" smtClean="0"/>
+              <a:t>Quatrième niveau</a:t>
+            </a:r>
+          </a:p>
+          <a:p>
+            <a:pPr lvl="4"/>
+            <a:r>
+              <a:rPr lang="fr-FR" smtClean="0"/>
+              <a:t>Cinquième niveau</a:t>
+            </a:r>
+            <a:endParaRPr lang="fr-FR"/>
+          </a:p>
+        </p:txBody>
+      </p:sp>
+      <p:sp>
+        <p:nvSpPr>
+          <p:cNvPr id="4" name="Espace réservé du contenu 3"/>
+          <p:cNvSpPr>
+            <a:spLocks noGrp="1"/>
+          </p:cNvSpPr>
+          <p:nvPr>
+            <p:ph sz="half" idx="2"/>
+          </p:nvPr>
+        </p:nvSpPr>
+        <p:spPr>
+          <a:xfrm>
+            <a:off x="8204200" y="4711700"/>
+            <a:ext cx="6896100" cy="1054100"/>
+          </a:xfrm>
+        </p:spPr>
+        <p:txBody>
+          <a:bodyPr/>
+          <a:lstStyle>
+            <a:lvl1pPr>
+              <a:defRPr sz="2800"/>
+            </a:lvl1pPr>
+            <a:lvl2pPr>
+              <a:defRPr sz="2400"/>
+            </a:lvl2pPr>
+            <a:lvl3pPr>
+              <a:defRPr sz="2000"/>
+            </a:lvl3pPr>
+            <a:lvl4pPr>
+              <a:defRPr sz="1800"/>
+            </a:lvl4pPr>
+            <a:lvl5pPr>
+              <a:defRPr sz="1800"/>
+            </a:lvl5pPr>
+            <a:lvl6pPr>
+              <a:defRPr sz="1800"/>
+            </a:lvl6pPr>
+            <a:lvl7pPr>
+              <a:defRPr sz="1800"/>
+            </a:lvl7pPr>
+            <a:lvl8pPr>
+              <a:defRPr sz="1800"/>
+            </a:lvl8pPr>
+            <a:lvl9pPr>
+              <a:defRPr sz="1800"/>
+            </a:lvl9pPr>
+          </a:lstStyle>
+          <a:p>
+            <a:pPr lvl="0"/>
+            <a:r>
+              <a:rPr lang="fr-FR" smtClean="0"/>
+              <a:t>Cliquez pour modifier les styles du texte du masque</a:t>
+            </a:r>
+          </a:p>
+          <a:p>
+            <a:pPr lvl="1"/>
+            <a:r>
+              <a:rPr lang="fr-FR" smtClean="0"/>
+              <a:t>Deuxième niveau</a:t>
+            </a:r>
+          </a:p>
+          <a:p>
+            <a:pPr lvl="2"/>
+            <a:r>
+              <a:rPr lang="fr-FR" smtClean="0"/>
+              <a:t>Troisième niveau</a:t>
+            </a:r>
+          </a:p>
+          <a:p>
+            <a:pPr lvl="3"/>
+            <a:r>
+              <a:rPr lang="fr-FR" smtClean="0"/>
+              <a:t>Quatrième niveau</a:t>
+            </a:r>
+          </a:p>
+          <a:p>
+            <a:pPr lvl="4"/>
+            <a:r>
+              <a:rPr lang="fr-FR" smtClean="0"/>
+              <a:t>Cinquième niveau</a:t>
+            </a:r>
+            <a:endParaRPr lang="fr-FR"/>
+          </a:p>
+        </p:txBody>
+      </p:sp>
+      <p:sp>
+        <p:nvSpPr>
+          <p:cNvPr id="5" name="Espace réservé du numéro de diapositive 4"/>
+          <p:cNvSpPr>
+            <a:spLocks noGrp="1"/>
+          </p:cNvSpPr>
+          <p:nvPr>
+            <p:ph type="sldNum" sz="quarter" idx="10"/>
+          </p:nvPr>
+        </p:nvSpPr>
+        <p:spPr/>
+        <p:txBody>
+          <a:bodyPr/>
+          <a:lstStyle>
+            <a:lvl1pPr>
+              <a:defRPr/>
+            </a:lvl1pPr>
+          </a:lstStyle>
+          <a:p>
+            <a:fld id="{D3F3FD25-9DC2-8346-86E2-F23BC39B2E0D}" type="slidenum">
+              <a:rPr lang="en-US"/>
+              <a:pPr/>
+              <a:t>‹#›</a:t>
+            </a:fld>
+            <a:endParaRPr lang="en-US"/>
+          </a:p>
+        </p:txBody>
+      </p:sp>
+    </p:spTree>
+    <p:extLst>
+      <p:ext uri="{BB962C8B-B14F-4D97-AF65-F5344CB8AC3E}">
+        <p14:creationId xmlns:p14="http://schemas.microsoft.com/office/powerpoint/2010/main" val="3181580497"/>
+      </p:ext>
+    </p:extLst>
+  </p:cSld>
+  <p:clrMapOvr>
+    <a:masterClrMapping/>
+  </p:clrMapOvr>
+  <p:transition xmlns:p14="http://schemas.microsoft.com/office/powerpoint/2010/main"/>
+  <p:timing>
+    <p:tnLst>
+      <p:par>
+        <p:cTn xmlns:p14="http://schemas.microsoft.com/office/powerpoint/2010/main" id="1" dur="indefinite" restart="never" nodeType="tmRoot"/>
+      </p:par>
+    </p:tnLst>
+  </p:timing>
+</p:sldLayout>
+</file>
+
+<file path=ppt/slideLayouts/slideLayout5.xml><?xml version="1.0" encoding="utf-8"?>
+<p:sldLayout xmlns:a="http://schemas.openxmlformats.org/drawingml/2006/main" xmlns:r="http://schemas.openxmlformats.org/officeDocument/2006/relationships" xmlns:p="http://schemas.openxmlformats.org/presentationml/2006/main" type="twoTxTwoObj" preserve="1">
+  <p:cSld name="Comparaison">
+    <p:spTree>
+      <p:nvGrpSpPr>
+        <p:cNvPr id="1" name=""/>
+        <p:cNvGrpSpPr/>
+        <p:nvPr/>
+      </p:nvGrpSpPr>
+      <p:grpSpPr>
+        <a:xfrm>
+          <a:off x="0" y="0"/>
+          <a:ext cx="0" cy="0"/>
+          <a:chOff x="0" y="0"/>
+          <a:chExt cx="0" cy="0"/>
+        </a:xfrm>
+      </p:grpSpPr>
+      <p:sp>
+        <p:nvSpPr>
+          <p:cNvPr id="2" name="Titre 1"/>
+          <p:cNvSpPr>
+            <a:spLocks noGrp="1"/>
+          </p:cNvSpPr>
+          <p:nvPr>
+            <p:ph type="title"/>
+          </p:nvPr>
+        </p:nvSpPr>
+        <p:spPr>
+          <a:xfrm>
+            <a:off x="812800" y="366713"/>
+            <a:ext cx="14630400" cy="1524000"/>
+          </a:xfrm>
+        </p:spPr>
+        <p:txBody>
+          <a:bodyPr/>
+          <a:lstStyle>
+            <a:lvl1pPr>
+              <a:defRPr/>
+            </a:lvl1pPr>
+          </a:lstStyle>
+          <a:p>
+            <a:r>
+              <a:rPr lang="fr-FR" smtClean="0"/>
+              <a:t>Cliquez et modifiez le titre</a:t>
+            </a:r>
+            <a:endParaRPr lang="fr-FR"/>
+          </a:p>
+        </p:txBody>
+      </p:sp>
+      <p:sp>
+        <p:nvSpPr>
+          <p:cNvPr id="3" name="Espace réservé du texte 2"/>
+          <p:cNvSpPr>
+            <a:spLocks noGrp="1"/>
+          </p:cNvSpPr>
+          <p:nvPr>
+            <p:ph type="body" idx="1"/>
+          </p:nvPr>
+        </p:nvSpPr>
+        <p:spPr>
+          <a:xfrm>
+            <a:off x="812800" y="2046288"/>
+            <a:ext cx="7181850" cy="854075"/>
+          </a:xfrm>
+        </p:spPr>
+        <p:txBody>
+          <a:bodyPr anchor="b"/>
+          <a:lstStyle>
+            <a:lvl1pPr marL="0" indent="0">
+              <a:buNone/>
+              <a:defRPr sz="2400" b="1"/>
+            </a:lvl1pPr>
+            <a:lvl2pPr marL="457200" indent="0">
+              <a:buNone/>
+              <a:defRPr sz="2000" b="1"/>
+            </a:lvl2pPr>
+            <a:lvl3pPr marL="914400" indent="0">
+              <a:buNone/>
+              <a:defRPr sz="1800" b="1"/>
+            </a:lvl3pPr>
+            <a:lvl4pPr marL="1371600" indent="0">
+              <a:buNone/>
+              <a:defRPr sz="1600" b="1"/>
+            </a:lvl4pPr>
+            <a:lvl5pPr marL="1828800" indent="0">
+              <a:buNone/>
+              <a:defRPr sz="1600" b="1"/>
+            </a:lvl5pPr>
+            <a:lvl6pPr marL="2286000" indent="0">
+              <a:buNone/>
+              <a:defRPr sz="1600" b="1"/>
+            </a:lvl6pPr>
+            <a:lvl7pPr marL="2743200" indent="0">
+              <a:buNone/>
+              <a:defRPr sz="1600" b="1"/>
+            </a:lvl7pPr>
+            <a:lvl8pPr marL="3200400" indent="0">
+              <a:buNone/>
+              <a:defRPr sz="1600" b="1"/>
+            </a:lvl8pPr>
+            <a:lvl9pPr marL="3657600" indent="0">
+              <a:buNone/>
+              <a:defRPr sz="1600" b="1"/>
+            </a:lvl9pPr>
+          </a:lstStyle>
+          <a:p>
+            <a:pPr lvl="0"/>
+            <a:r>
+              <a:rPr lang="fr-FR" smtClean="0"/>
+              <a:t>Cliquez pour modifier les styles du texte du masque</a:t>
+            </a:r>
+          </a:p>
+        </p:txBody>
+      </p:sp>
+      <p:sp>
+        <p:nvSpPr>
+          <p:cNvPr id="4" name="Espace réservé du contenu 3"/>
+          <p:cNvSpPr>
+            <a:spLocks noGrp="1"/>
+          </p:cNvSpPr>
+          <p:nvPr>
+            <p:ph sz="half" idx="2"/>
+          </p:nvPr>
+        </p:nvSpPr>
+        <p:spPr>
+          <a:xfrm>
+            <a:off x="812800" y="2900363"/>
+            <a:ext cx="7181850" cy="5267325"/>
+          </a:xfrm>
+        </p:spPr>
+        <p:txBody>
+          <a:bodyPr/>
+          <a:lstStyle>
+            <a:lvl1pPr>
+              <a:defRPr sz="2400"/>
+            </a:lvl1pPr>
+            <a:lvl2pPr>
+              <a:defRPr sz="2000"/>
+            </a:lvl2pPr>
+            <a:lvl3pPr>
+              <a:defRPr sz="1800"/>
+            </a:lvl3pPr>
+            <a:lvl4pPr>
+              <a:defRPr sz="1600"/>
+            </a:lvl4pPr>
+            <a:lvl5pPr>
+              <a:defRPr sz="1600"/>
+            </a:lvl5pPr>
+            <a:lvl6pPr>
+              <a:defRPr sz="1600"/>
+            </a:lvl6pPr>
+            <a:lvl7pPr>
+              <a:defRPr sz="1600"/>
+            </a:lvl7pPr>
+            <a:lvl8pPr>
+              <a:defRPr sz="1600"/>
+            </a:lvl8pPr>
+            <a:lvl9pPr>
+              <a:defRPr sz="1600"/>
+            </a:lvl9pPr>
+          </a:lstStyle>
+          <a:p>
+            <a:pPr lvl="0"/>
+            <a:r>
+              <a:rPr lang="fr-FR" smtClean="0"/>
+              <a:t>Cliquez pour modifier les styles du texte du masque</a:t>
+            </a:r>
+          </a:p>
+          <a:p>
+            <a:pPr lvl="1"/>
+            <a:r>
+              <a:rPr lang="fr-FR" smtClean="0"/>
+              <a:t>Deuxième niveau</a:t>
+            </a:r>
+          </a:p>
+          <a:p>
+            <a:pPr lvl="2"/>
+            <a:r>
+              <a:rPr lang="fr-FR" smtClean="0"/>
+              <a:t>Troisième niveau</a:t>
+            </a:r>
+          </a:p>
+          <a:p>
+            <a:pPr lvl="3"/>
+            <a:r>
+              <a:rPr lang="fr-FR" smtClean="0"/>
+              <a:t>Quatrième niveau</a:t>
+            </a:r>
+          </a:p>
+          <a:p>
+            <a:pPr lvl="4"/>
+            <a:r>
+              <a:rPr lang="fr-FR" smtClean="0"/>
+              <a:t>Cinquième niveau</a:t>
+            </a:r>
+            <a:endParaRPr lang="fr-FR"/>
+          </a:p>
+        </p:txBody>
+      </p:sp>
+      <p:sp>
+        <p:nvSpPr>
+          <p:cNvPr id="5" name="Espace réservé du texte 4"/>
+          <p:cNvSpPr>
+            <a:spLocks noGrp="1"/>
+          </p:cNvSpPr>
+          <p:nvPr>
+            <p:ph type="body" sz="quarter" idx="3"/>
+          </p:nvPr>
+        </p:nvSpPr>
+        <p:spPr>
+          <a:xfrm>
+            <a:off x="8258175" y="2046288"/>
+            <a:ext cx="7185025" cy="854075"/>
+          </a:xfrm>
+        </p:spPr>
+        <p:txBody>
+          <a:bodyPr anchor="b"/>
+          <a:lstStyle>
+            <a:lvl1pPr marL="0" indent="0">
+              <a:buNone/>
+              <a:defRPr sz="2400" b="1"/>
+            </a:lvl1pPr>
+            <a:lvl2pPr marL="457200" indent="0">
+              <a:buNone/>
+              <a:defRPr sz="2000" b="1"/>
+            </a:lvl2pPr>
+            <a:lvl3pPr marL="914400" indent="0">
+              <a:buNone/>
+              <a:defRPr sz="1800" b="1"/>
+            </a:lvl3pPr>
+            <a:lvl4pPr marL="1371600" indent="0">
+              <a:buNone/>
+              <a:defRPr sz="1600" b="1"/>
+            </a:lvl4pPr>
+            <a:lvl5pPr marL="1828800" indent="0">
+              <a:buNone/>
+              <a:defRPr sz="1600" b="1"/>
+            </a:lvl5pPr>
+            <a:lvl6pPr marL="2286000" indent="0">
+              <a:buNone/>
+              <a:defRPr sz="1600" b="1"/>
+            </a:lvl6pPr>
+            <a:lvl7pPr marL="2743200" indent="0">
+              <a:buNone/>
+              <a:defRPr sz="1600" b="1"/>
+            </a:lvl7pPr>
+            <a:lvl8pPr marL="3200400" indent="0">
+              <a:buNone/>
+              <a:defRPr sz="1600" b="1"/>
+            </a:lvl8pPr>
+            <a:lvl9pPr marL="3657600" indent="0">
+              <a:buNone/>
+              <a:defRPr sz="1600" b="1"/>
+            </a:lvl9pPr>
+          </a:lstStyle>
+          <a:p>
+            <a:pPr lvl="0"/>
+            <a:r>
+              <a:rPr lang="fr-FR" smtClean="0"/>
+              <a:t>Cliquez pour modifier les styles du texte du masque</a:t>
+            </a:r>
+          </a:p>
+        </p:txBody>
+      </p:sp>
+      <p:sp>
+        <p:nvSpPr>
+          <p:cNvPr id="6" name="Espace réservé du contenu 5"/>
+          <p:cNvSpPr>
+            <a:spLocks noGrp="1"/>
+          </p:cNvSpPr>
+          <p:nvPr>
+            <p:ph sz="quarter" idx="4"/>
+          </p:nvPr>
+        </p:nvSpPr>
+        <p:spPr>
+          <a:xfrm>
+            <a:off x="8258175" y="2900363"/>
+            <a:ext cx="7185025" cy="5267325"/>
+          </a:xfrm>
+        </p:spPr>
+        <p:txBody>
+          <a:bodyPr/>
+          <a:lstStyle>
+            <a:lvl1pPr>
+              <a:defRPr sz="2400"/>
+            </a:lvl1pPr>
+            <a:lvl2pPr>
+              <a:defRPr sz="2000"/>
+            </a:lvl2pPr>
+            <a:lvl3pPr>
+              <a:defRPr sz="1800"/>
+            </a:lvl3pPr>
+            <a:lvl4pPr>
+              <a:defRPr sz="1600"/>
+            </a:lvl4pPr>
+            <a:lvl5pPr>
+              <a:defRPr sz="1600"/>
+            </a:lvl5pPr>
+            <a:lvl6pPr>
+              <a:defRPr sz="1600"/>
+            </a:lvl6pPr>
+            <a:lvl7pPr>
+              <a:defRPr sz="1600"/>
+            </a:lvl7pPr>
+            <a:lvl8pPr>
+              <a:defRPr sz="1600"/>
+            </a:lvl8pPr>
+            <a:lvl9pPr>
+              <a:defRPr sz="1600"/>
+            </a:lvl9pPr>
+          </a:lstStyle>
+          <a:p>
+            <a:pPr lvl="0"/>
+            <a:r>
+              <a:rPr lang="fr-FR" smtClean="0"/>
+              <a:t>Cliquez pour modifier les styles du texte du masque</a:t>
+            </a:r>
+          </a:p>
+          <a:p>
+            <a:pPr lvl="1"/>
+            <a:r>
+              <a:rPr lang="fr-FR" smtClean="0"/>
+              <a:t>Deuxième niveau</a:t>
+            </a:r>
+          </a:p>
+          <a:p>
+            <a:pPr lvl="2"/>
+            <a:r>
+              <a:rPr lang="fr-FR" smtClean="0"/>
+              <a:t>Troisième niveau</a:t>
+            </a:r>
+          </a:p>
+          <a:p>
+            <a:pPr lvl="3"/>
+            <a:r>
+              <a:rPr lang="fr-FR" smtClean="0"/>
+              <a:t>Quatrième niveau</a:t>
+            </a:r>
+          </a:p>
+          <a:p>
+            <a:pPr lvl="4"/>
+            <a:r>
+              <a:rPr lang="fr-FR" smtClean="0"/>
+              <a:t>Cinquième niveau</a:t>
+            </a:r>
+            <a:endParaRPr lang="fr-FR"/>
+          </a:p>
+        </p:txBody>
+      </p:sp>
+      <p:sp>
+        <p:nvSpPr>
+          <p:cNvPr id="7" name="Espace réservé du numéro de diapositive 6"/>
+          <p:cNvSpPr>
+            <a:spLocks noGrp="1"/>
+          </p:cNvSpPr>
+          <p:nvPr>
+            <p:ph type="sldNum" sz="quarter" idx="10"/>
+          </p:nvPr>
+        </p:nvSpPr>
+        <p:spPr/>
+        <p:txBody>
+          <a:bodyPr/>
+          <a:lstStyle>
+            <a:lvl1pPr>
+              <a:defRPr/>
+            </a:lvl1pPr>
+          </a:lstStyle>
+          <a:p>
+            <a:fld id="{FBFCDADD-7022-E14F-8035-65DD6DAFF535}" type="slidenum">
+              <a:rPr lang="en-US"/>
+              <a:pPr/>
+              <a:t>‹#›</a:t>
+            </a:fld>
+            <a:endParaRPr lang="en-US"/>
+          </a:p>
+        </p:txBody>
+      </p:sp>
+    </p:spTree>
+    <p:extLst>
+      <p:ext uri="{BB962C8B-B14F-4D97-AF65-F5344CB8AC3E}">
+        <p14:creationId xmlns:p14="http://schemas.microsoft.com/office/powerpoint/2010/main" val="2976356191"/>
+      </p:ext>
+    </p:extLst>
+  </p:cSld>
+  <p:clrMapOvr>
+    <a:masterClrMapping/>
+  </p:clrMapOvr>
+  <p:transition xmlns:p14="http://schemas.microsoft.com/office/powerpoint/2010/main"/>
+  <p:timing>
+    <p:tnLst>
+      <p:par>
+        <p:cTn xmlns:p14="http://schemas.microsoft.com/office/powerpoint/2010/main" id="1" dur="indefinite" restart="never" nodeType="tmRoot"/>
+      </p:par>
+    </p:tnLst>
+  </p:timing>
+</p:sldLayout>
+</file>
+
+<file path=ppt/slideLayouts/slideLayout6.xml><?xml version="1.0" encoding="utf-8"?>
+<p:sldLayout xmlns:a="http://schemas.openxmlformats.org/drawingml/2006/main" xmlns:r="http://schemas.openxmlformats.org/officeDocument/2006/relationships" xmlns:p="http://schemas.openxmlformats.org/presentationml/2006/main" type="titleOnly" preserve="1">
+  <p:cSld name="Titre seul">
+    <p:spTree>
+      <p:nvGrpSpPr>
+        <p:cNvPr id="1" name=""/>
+        <p:cNvGrpSpPr/>
+        <p:nvPr/>
+      </p:nvGrpSpPr>
+      <p:grpSpPr>
+        <a:xfrm>
+          <a:off x="0" y="0"/>
+          <a:ext cx="0" cy="0"/>
+          <a:chOff x="0" y="0"/>
+          <a:chExt cx="0" cy="0"/>
+        </a:xfrm>
+      </p:grpSpPr>
+      <p:sp>
+        <p:nvSpPr>
+          <p:cNvPr id="2" name="Titre 1"/>
+          <p:cNvSpPr>
+            <a:spLocks noGrp="1"/>
+          </p:cNvSpPr>
+          <p:nvPr>
+            <p:ph type="title"/>
+          </p:nvPr>
+        </p:nvSpPr>
+        <p:spPr/>
+        <p:txBody>
+          <a:bodyPr/>
+          <a:lstStyle/>
+          <a:p>
+            <a:r>
+              <a:rPr lang="fr-FR" smtClean="0"/>
+              <a:t>Cliquez et modifiez le titre</a:t>
+            </a:r>
+            <a:endParaRPr lang="fr-FR"/>
+          </a:p>
+        </p:txBody>
+      </p:sp>
+      <p:sp>
+        <p:nvSpPr>
+          <p:cNvPr id="3" name="Espace réservé du numéro de diapositive 2"/>
+          <p:cNvSpPr>
+            <a:spLocks noGrp="1"/>
+          </p:cNvSpPr>
+          <p:nvPr>
+            <p:ph type="sldNum" sz="quarter" idx="10"/>
+          </p:nvPr>
+        </p:nvSpPr>
+        <p:spPr/>
+        <p:txBody>
+          <a:bodyPr/>
+          <a:lstStyle>
+            <a:lvl1pPr>
+              <a:defRPr/>
+            </a:lvl1pPr>
+          </a:lstStyle>
+          <a:p>
+            <a:fld id="{F7840F72-97AF-C74A-8229-4ECC8A575D0B}" type="slidenum">
+              <a:rPr lang="en-US"/>
+              <a:pPr/>
+              <a:t>‹#›</a:t>
+            </a:fld>
+            <a:endParaRPr lang="en-US"/>
+          </a:p>
+        </p:txBody>
+      </p:sp>
+    </p:spTree>
+    <p:extLst>
+      <p:ext uri="{BB962C8B-B14F-4D97-AF65-F5344CB8AC3E}">
+        <p14:creationId xmlns:p14="http://schemas.microsoft.com/office/powerpoint/2010/main" val="36833433"/>
+      </p:ext>
+    </p:extLst>
+  </p:cSld>
+  <p:clrMapOvr>
+    <a:masterClrMapping/>
+  </p:clrMapOvr>
+  <p:transition xmlns:p14="http://schemas.microsoft.com/office/powerpoint/2010/main"/>
+  <p:timing>
+    <p:tnLst>
+      <p:par>
+        <p:cTn xmlns:p14="http://schemas.microsoft.com/office/powerpoint/2010/main" id="1" dur="indefinite" restart="never" nodeType="tmRoot"/>
+      </p:par>
+    </p:tnLst>
+  </p:timing>
+</p:sldLayout>
+</file>
+
+<file path=ppt/slideLayouts/slideLayout7.xml><?xml version="1.0" encoding="utf-8"?>
+<p:sldLayout xmlns:a="http://schemas.openxmlformats.org/drawingml/2006/main" xmlns:r="http://schemas.openxmlformats.org/officeDocument/2006/relationships" xmlns:p="http://schemas.openxmlformats.org/presentationml/2006/main" type="blank" preserve="1">
+  <p:cSld name="Vide">
+    <p:spTree>
+      <p:nvGrpSpPr>
+        <p:cNvPr id="1" name=""/>
+        <p:cNvGrpSpPr/>
+        <p:nvPr/>
+      </p:nvGrpSpPr>
+      <p:grpSpPr>
+        <a:xfrm>
+          <a:off x="0" y="0"/>
+          <a:ext cx="0" cy="0"/>
+          <a:chOff x="0" y="0"/>
+          <a:chExt cx="0" cy="0"/>
+        </a:xfrm>
+      </p:grpSpPr>
+      <p:sp>
+        <p:nvSpPr>
+          <p:cNvPr id="2" name="Espace réservé du numéro de diapositive 1"/>
+          <p:cNvSpPr>
+            <a:spLocks noGrp="1"/>
+          </p:cNvSpPr>
+          <p:nvPr>
+            <p:ph type="sldNum" sz="quarter" idx="10"/>
+          </p:nvPr>
+        </p:nvSpPr>
+        <p:spPr/>
+        <p:txBody>
+          <a:bodyPr/>
+          <a:lstStyle>
+            <a:lvl1pPr>
+              <a:defRPr/>
+            </a:lvl1pPr>
+          </a:lstStyle>
+          <a:p>
+            <a:fld id="{B21EA802-60DA-534C-9B33-FB9A9E9CE97F}" type="slidenum">
+              <a:rPr lang="en-US"/>
+              <a:pPr/>
+              <a:t>‹#›</a:t>
+            </a:fld>
+            <a:endParaRPr lang="en-US"/>
+          </a:p>
+        </p:txBody>
+      </p:sp>
+    </p:spTree>
+    <p:extLst>
+      <p:ext uri="{BB962C8B-B14F-4D97-AF65-F5344CB8AC3E}">
+        <p14:creationId xmlns:p14="http://schemas.microsoft.com/office/powerpoint/2010/main" val="1494536128"/>
+      </p:ext>
+    </p:extLst>
+  </p:cSld>
+  <p:clrMapOvr>
+    <a:masterClrMapping/>
+  </p:clrMapOvr>
+  <p:transition xmlns:p14="http://schemas.microsoft.com/office/powerpoint/2010/main"/>
+  <p:timing>
+    <p:tnLst>
+      <p:par>
+        <p:cTn xmlns:p14="http://schemas.microsoft.com/office/powerpoint/2010/main" id="1" dur="indefinite" restart="never" nodeType="tmRoot"/>
+      </p:par>
+    </p:tnLst>
+  </p:timing>
+</p:sldLayout>
+</file>
+
+<file path=ppt/slideLayouts/slideLayout8.xml><?xml version="1.0" encoding="utf-8"?>
+<p:sldLayout xmlns:a="http://schemas.openxmlformats.org/drawingml/2006/main" xmlns:r="http://schemas.openxmlformats.org/officeDocument/2006/relationships" xmlns:p="http://schemas.openxmlformats.org/presentationml/2006/main" type="objTx" preserve="1">
+  <p:cSld name="Contenu avec légende">
+    <p:spTree>
+      <p:nvGrpSpPr>
+        <p:cNvPr id="1" name=""/>
+        <p:cNvGrpSpPr/>
+        <p:nvPr/>
+      </p:nvGrpSpPr>
+      <p:grpSpPr>
+        <a:xfrm>
+          <a:off x="0" y="0"/>
+          <a:ext cx="0" cy="0"/>
+          <a:chOff x="0" y="0"/>
+          <a:chExt cx="0" cy="0"/>
+        </a:xfrm>
+      </p:grpSpPr>
+      <p:sp>
+        <p:nvSpPr>
+          <p:cNvPr id="2" name="Titre 1"/>
+          <p:cNvSpPr>
+            <a:spLocks noGrp="1"/>
+          </p:cNvSpPr>
+          <p:nvPr>
+            <p:ph type="title"/>
+          </p:nvPr>
+        </p:nvSpPr>
+        <p:spPr>
+          <a:xfrm>
+            <a:off x="812800" y="363538"/>
+            <a:ext cx="5348288" cy="1549400"/>
+          </a:xfrm>
+        </p:spPr>
+        <p:txBody>
+          <a:bodyPr/>
+          <a:lstStyle>
+            <a:lvl1pPr algn="l">
+              <a:defRPr sz="2000" b="1"/>
+            </a:lvl1pPr>
+          </a:lstStyle>
+          <a:p>
+            <a:r>
+              <a:rPr lang="fr-FR" smtClean="0"/>
+              <a:t>Cliquez et modifiez le titre</a:t>
+            </a:r>
+            <a:endParaRPr lang="fr-FR"/>
+          </a:p>
+        </p:txBody>
+      </p:sp>
+      <p:sp>
+        <p:nvSpPr>
+          <p:cNvPr id="3" name="Espace réservé du contenu 2"/>
+          <p:cNvSpPr>
+            <a:spLocks noGrp="1"/>
+          </p:cNvSpPr>
+          <p:nvPr>
+            <p:ph idx="1"/>
+          </p:nvPr>
+        </p:nvSpPr>
+        <p:spPr>
+          <a:xfrm>
+            <a:off x="6356350" y="363538"/>
+            <a:ext cx="9086850" cy="7804150"/>
+          </a:xfrm>
+        </p:spPr>
+        <p:txBody>
+          <a:bodyPr/>
+          <a:lstStyle>
+            <a:lvl1pPr>
+              <a:defRPr sz="3200"/>
+            </a:lvl1pPr>
+            <a:lvl2pPr>
+              <a:defRPr sz="2800"/>
+            </a:lvl2pPr>
+            <a:lvl3pPr>
+              <a:defRPr sz="2400"/>
+            </a:lvl3pPr>
+            <a:lvl4pPr>
+              <a:defRPr sz="2000"/>
+            </a:lvl4pPr>
+            <a:lvl5pPr>
+              <a:defRPr sz="2000"/>
+            </a:lvl5pPr>
+            <a:lvl6pPr>
+              <a:defRPr sz="2000"/>
+            </a:lvl6pPr>
+            <a:lvl7pPr>
+              <a:defRPr sz="2000"/>
+            </a:lvl7pPr>
+            <a:lvl8pPr>
+              <a:defRPr sz="2000"/>
+            </a:lvl8pPr>
+            <a:lvl9pPr>
+              <a:defRPr sz="2000"/>
+            </a:lvl9pPr>
+          </a:lstStyle>
+          <a:p>
+            <a:pPr lvl="0"/>
+            <a:r>
+              <a:rPr lang="fr-FR" smtClean="0"/>
+              <a:t>Cliquez pour modifier les styles du texte du masque</a:t>
+            </a:r>
+          </a:p>
+          <a:p>
+            <a:pPr lvl="1"/>
+            <a:r>
+              <a:rPr lang="fr-FR" smtClean="0"/>
+              <a:t>Deuxième niveau</a:t>
+            </a:r>
+          </a:p>
+          <a:p>
+            <a:pPr lvl="2"/>
+            <a:r>
+              <a:rPr lang="fr-FR" smtClean="0"/>
+              <a:t>Troisième niveau</a:t>
+            </a:r>
+          </a:p>
+          <a:p>
+            <a:pPr lvl="3"/>
+            <a:r>
+              <a:rPr lang="fr-FR" smtClean="0"/>
+              <a:t>Quatrième niveau</a:t>
+            </a:r>
+          </a:p>
+          <a:p>
+            <a:pPr lvl="4"/>
+            <a:r>
+              <a:rPr lang="fr-FR" smtClean="0"/>
+              <a:t>Cinquième niveau</a:t>
+            </a:r>
+            <a:endParaRPr lang="fr-FR"/>
+          </a:p>
+        </p:txBody>
+      </p:sp>
+      <p:sp>
+        <p:nvSpPr>
+          <p:cNvPr id="4" name="Espace réservé du texte 3"/>
+          <p:cNvSpPr>
+            <a:spLocks noGrp="1"/>
+          </p:cNvSpPr>
+          <p:nvPr>
+            <p:ph type="body" sz="half" idx="2"/>
+          </p:nvPr>
+        </p:nvSpPr>
+        <p:spPr>
+          <a:xfrm>
+            <a:off x="812800" y="1912938"/>
+            <a:ext cx="5348288" cy="6254750"/>
+          </a:xfrm>
+        </p:spPr>
+        <p:txBody>
+          <a:bodyPr/>
+          <a:lstStyle>
+            <a:lvl1pPr marL="0" indent="0">
+              <a:buNone/>
+              <a:defRPr sz="1400"/>
+            </a:lvl1pPr>
+            <a:lvl2pPr marL="457200" indent="0">
+              <a:buNone/>
+              <a:defRPr sz="1200"/>
+            </a:lvl2pPr>
+            <a:lvl3pPr marL="914400" indent="0">
+              <a:buNone/>
+              <a:defRPr sz="1000"/>
+            </a:lvl3pPr>
+            <a:lvl4pPr marL="1371600" indent="0">
+              <a:buNone/>
+              <a:defRPr sz="900"/>
+            </a:lvl4pPr>
+            <a:lvl5pPr marL="1828800" indent="0">
+              <a:buNone/>
+              <a:defRPr sz="900"/>
+            </a:lvl5pPr>
+            <a:lvl6pPr marL="2286000" indent="0">
+              <a:buNone/>
+              <a:defRPr sz="900"/>
+            </a:lvl6pPr>
+            <a:lvl7pPr marL="2743200" indent="0">
+              <a:buNone/>
+              <a:defRPr sz="900"/>
+            </a:lvl7pPr>
+            <a:lvl8pPr marL="3200400" indent="0">
+              <a:buNone/>
+              <a:defRPr sz="900"/>
+            </a:lvl8pPr>
+            <a:lvl9pPr marL="3657600" indent="0">
+              <a:buNone/>
+              <a:defRPr sz="900"/>
+            </a:lvl9pPr>
+          </a:lstStyle>
+          <a:p>
+            <a:pPr lvl="0"/>
+            <a:r>
+              <a:rPr lang="fr-FR" smtClean="0"/>
+              <a:t>Cliquez pour modifier les styles du texte du masque</a:t>
+            </a:r>
+          </a:p>
+        </p:txBody>
+      </p:sp>
+      <p:sp>
+        <p:nvSpPr>
+          <p:cNvPr id="5" name="Espace réservé du numéro de diapositive 4"/>
+          <p:cNvSpPr>
+            <a:spLocks noGrp="1"/>
+          </p:cNvSpPr>
+          <p:nvPr>
+            <p:ph type="sldNum" sz="quarter" idx="10"/>
+          </p:nvPr>
+        </p:nvSpPr>
+        <p:spPr/>
+        <p:txBody>
+          <a:bodyPr/>
+          <a:lstStyle>
+            <a:lvl1pPr>
+              <a:defRPr/>
+            </a:lvl1pPr>
+          </a:lstStyle>
+          <a:p>
+            <a:fld id="{4507116D-DCC7-634F-A60F-25CF71BF4E05}" type="slidenum">
+              <a:rPr lang="en-US"/>
+              <a:pPr/>
+              <a:t>‹#›</a:t>
+            </a:fld>
+            <a:endParaRPr lang="en-US"/>
+          </a:p>
+        </p:txBody>
+      </p:sp>
+    </p:spTree>
+    <p:extLst>
+      <p:ext uri="{BB962C8B-B14F-4D97-AF65-F5344CB8AC3E}">
+        <p14:creationId xmlns:p14="http://schemas.microsoft.com/office/powerpoint/2010/main" val="485506341"/>
+      </p:ext>
+    </p:extLst>
+  </p:cSld>
+  <p:clrMapOvr>
+    <a:masterClrMapping/>
+  </p:clrMapOvr>
+  <p:transition xmlns:p14="http://schemas.microsoft.com/office/powerpoint/2010/main"/>
+  <p:timing>
+    <p:tnLst>
+      <p:par>
+        <p:cTn xmlns:p14="http://schemas.microsoft.com/office/powerpoint/2010/main" id="1" dur="indefinite" restart="never" nodeType="tmRoot"/>
+      </p:par>
+    </p:tnLst>
+  </p:timing>
+</p:sldLayout>
+</file>
+
+<file path=ppt/slideLayouts/slideLayout9.xml><?xml version="1.0" encoding="utf-8"?>
+<p:sldLayout xmlns:a="http://schemas.openxmlformats.org/drawingml/2006/main" xmlns:r="http://schemas.openxmlformats.org/officeDocument/2006/relationships" xmlns:p="http://schemas.openxmlformats.org/presentationml/2006/main" type="picTx" preserve="1">
+  <p:cSld name="Image avec légende">
+    <p:spTree>
+      <p:nvGrpSpPr>
+        <p:cNvPr id="1" name=""/>
+        <p:cNvGrpSpPr/>
+        <p:nvPr/>
+      </p:nvGrpSpPr>
+      <p:grpSpPr>
+        <a:xfrm>
+          <a:off x="0" y="0"/>
+          <a:ext cx="0" cy="0"/>
+          <a:chOff x="0" y="0"/>
+          <a:chExt cx="0" cy="0"/>
+        </a:xfrm>
+      </p:grpSpPr>
+      <p:sp>
+        <p:nvSpPr>
+          <p:cNvPr id="2" name="Titre 1"/>
+          <p:cNvSpPr>
+            <a:spLocks noGrp="1"/>
+          </p:cNvSpPr>
+          <p:nvPr>
+            <p:ph type="title"/>
+          </p:nvPr>
+        </p:nvSpPr>
+        <p:spPr>
+          <a:xfrm>
+            <a:off x="3186113" y="6400800"/>
+            <a:ext cx="9753600" cy="755650"/>
+          </a:xfrm>
+        </p:spPr>
+        <p:txBody>
+          <a:bodyPr/>
+          <a:lstStyle>
+            <a:lvl1pPr algn="l">
+              <a:defRPr sz="2000" b="1"/>
+            </a:lvl1pPr>
+          </a:lstStyle>
+          <a:p>
+            <a:r>
+              <a:rPr lang="fr-FR" smtClean="0"/>
+              <a:t>Cliquez et modifiez le titre</a:t>
+            </a:r>
+            <a:endParaRPr lang="fr-FR"/>
+          </a:p>
+        </p:txBody>
+      </p:sp>
+      <p:sp>
+        <p:nvSpPr>
+          <p:cNvPr id="3" name="Espace réservé pour une image  2"/>
+          <p:cNvSpPr>
+            <a:spLocks noGrp="1"/>
+          </p:cNvSpPr>
+          <p:nvPr>
+            <p:ph type="pic" idx="1"/>
+          </p:nvPr>
+        </p:nvSpPr>
+        <p:spPr>
+          <a:xfrm>
+            <a:off x="3186113" y="817563"/>
+            <a:ext cx="9753600" cy="5486400"/>
+          </a:xfrm>
+        </p:spPr>
+        <p:txBody>
+          <a:bodyPr/>
+          <a:lstStyle>
+            <a:lvl1pPr marL="0" indent="0">
+              <a:buNone/>
+              <a:defRPr sz="3200"/>
+            </a:lvl1pPr>
+            <a:lvl2pPr marL="457200" indent="0">
+              <a:buNone/>
+              <a:defRPr sz="2800"/>
+            </a:lvl2pPr>
+            <a:lvl3pPr marL="914400" indent="0">
+              <a:buNone/>
+              <a:defRPr sz="2400"/>
+            </a:lvl3pPr>
+            <a:lvl4pPr marL="1371600" indent="0">
+              <a:buNone/>
+              <a:defRPr sz="2000"/>
+            </a:lvl4pPr>
+            <a:lvl5pPr marL="1828800" indent="0">
+              <a:buNone/>
+              <a:defRPr sz="2000"/>
+            </a:lvl5pPr>
+            <a:lvl6pPr marL="2286000" indent="0">
+              <a:buNone/>
+              <a:defRPr sz="2000"/>
+            </a:lvl6pPr>
+            <a:lvl7pPr marL="2743200" indent="0">
+              <a:buNone/>
+              <a:defRPr sz="2000"/>
+            </a:lvl7pPr>
+            <a:lvl8pPr marL="3200400" indent="0">
+              <a:buNone/>
+              <a:defRPr sz="2000"/>
+            </a:lvl8pPr>
+            <a:lvl9pPr marL="3657600" indent="0">
+              <a:buNone/>
+              <a:defRPr sz="2000"/>
+            </a:lvl9pPr>
+          </a:lstStyle>
+          <a:p>
+            <a:endParaRPr lang="fr-FR"/>
+          </a:p>
+        </p:txBody>
+      </p:sp>
+      <p:sp>
+        <p:nvSpPr>
+          <p:cNvPr id="4" name="Espace réservé du texte 3"/>
+          <p:cNvSpPr>
+            <a:spLocks noGrp="1"/>
+          </p:cNvSpPr>
+          <p:nvPr>
+            <p:ph type="body" sz="half" idx="2"/>
+          </p:nvPr>
+        </p:nvSpPr>
+        <p:spPr>
+          <a:xfrm>
+            <a:off x="3186113" y="7156450"/>
+            <a:ext cx="9753600" cy="1073150"/>
+          </a:xfrm>
+        </p:spPr>
+        <p:txBody>
+          <a:bodyPr/>
+          <a:lstStyle>
+            <a:lvl1pPr marL="0" indent="0">
+              <a:buNone/>
+              <a:defRPr sz="1400"/>
+            </a:lvl1pPr>
+            <a:lvl2pPr marL="457200" indent="0">
+              <a:buNone/>
+              <a:defRPr sz="1200"/>
+            </a:lvl2pPr>
+            <a:lvl3pPr marL="914400" indent="0">
+              <a:buNone/>
+              <a:defRPr sz="1000"/>
+            </a:lvl3pPr>
+            <a:lvl4pPr marL="1371600" indent="0">
+              <a:buNone/>
+              <a:defRPr sz="900"/>
+            </a:lvl4pPr>
+            <a:lvl5pPr marL="1828800" indent="0">
+              <a:buNone/>
+              <a:defRPr sz="900"/>
+            </a:lvl5pPr>
+            <a:lvl6pPr marL="2286000" indent="0">
+              <a:buNone/>
+              <a:defRPr sz="900"/>
+            </a:lvl6pPr>
+            <a:lvl7pPr marL="2743200" indent="0">
+              <a:buNone/>
+              <a:defRPr sz="900"/>
+            </a:lvl7pPr>
+            <a:lvl8pPr marL="3200400" indent="0">
+              <a:buNone/>
+              <a:defRPr sz="900"/>
+            </a:lvl8pPr>
+            <a:lvl9pPr marL="3657600" indent="0">
+              <a:buNone/>
+              <a:defRPr sz="900"/>
+            </a:lvl9pPr>
+          </a:lstStyle>
+          <a:p>
+            <a:pPr lvl="0"/>
+            <a:r>
+              <a:rPr lang="fr-FR" smtClean="0"/>
+              <a:t>Cliquez pour modifier les styles du texte du masque</a:t>
+            </a:r>
+          </a:p>
+        </p:txBody>
+      </p:sp>
+      <p:sp>
+        <p:nvSpPr>
+          <p:cNvPr id="5" name="Espace réservé du numéro de diapositive 4"/>
+          <p:cNvSpPr>
+            <a:spLocks noGrp="1"/>
+          </p:cNvSpPr>
+          <p:nvPr>
+            <p:ph type="sldNum" sz="quarter" idx="10"/>
+          </p:nvPr>
+        </p:nvSpPr>
+        <p:spPr/>
+        <p:txBody>
+          <a:bodyPr/>
+          <a:lstStyle>
+            <a:lvl1pPr>
+              <a:defRPr/>
+            </a:lvl1pPr>
+          </a:lstStyle>
+          <a:p>
             <a:fld id="{48841974-769F-6D4F-8C61-0FDA54177671}" type="slidenum">
               <a:rPr lang="en-US"/>
               <a:pPr/>
-              <a:t>‹N°›</a:t>
+              <a:t>‹#›</a:t>
             </a:fld>
             <a:endParaRPr lang="en-US"/>
           </a:p>
@@ -2709,11 +4672,11 @@
   <p:clrMapOvr>
     <a:masterClrMapping/>
   </p:clrMapOvr>
-  <p:transition/>
+  <p:transition xmlns:p14="http://schemas.microsoft.com/office/powerpoint/2010/main"/>
   <p:timing>
     <p:tnLst>
       <p:par>
-        <p:cTn id="1" dur="indefinite" restart="never" nodeType="tmRoot"/>
+        <p:cTn xmlns:p14="http://schemas.microsoft.com/office/powerpoint/2010/main" id="1" dur="indefinite" restart="never" nodeType="tmRoot"/>
       </p:par>
     </p:tnLst>
   </p:timing>
@@ -2775,14 +4738,14 @@
           </a:ln>
           <a:effectLst/>
           <a:extLst>
-            <a:ext uri="{909E8E84-426E-40DD-AFC4-6F175D3DCCD1}">
+            <a:ext uri="{909E8E84-426E-40dd-AFC4-6F175D3DCCD1}">
               <a14:hiddenFill xmlns:a14="http://schemas.microsoft.com/office/drawing/2010/main">
                 <a:solidFill>
                   <a:srgbClr val="FFFFFF"/>
                 </a:solidFill>
               </a14:hiddenFill>
             </a:ext>
-            <a:ext uri="{91240B29-F687-4F45-9708-019B960494DF}">
+            <a:ext uri="{91240B29-F687-4f45-9708-019B960494DF}">
               <a14:hiddenLine xmlns:a14="http://schemas.microsoft.com/office/drawing/2010/main" w="12700">
                 <a:solidFill>
                   <a:schemeClr val="tx1"/>
@@ -2792,7 +4755,7 @@
                 <a:tailEnd/>
               </a14:hiddenLine>
             </a:ext>
-            <a:ext uri="{AF507438-7753-43E0-B8FC-AC1667EBCBE1}">
+            <a:ext uri="{AF507438-7753-43e0-B8FC-AC1667EBCBE1}">
               <a14:hiddenEffects xmlns:a14="http://schemas.microsoft.com/office/drawing/2010/main">
                 <a:effectLst>
                   <a:outerShdw blurRad="63500" dist="38099" dir="2700000" algn="ctr" rotWithShape="0">
@@ -2804,7 +4767,7 @@
               </a14:hiddenEffects>
             </a:ext>
             <a:ext uri="{FAA26D3D-D897-4be2-8F04-BA451C77F1D7}">
-              <ma14:placeholderFlag xmlns="" xmlns:ma14="http://schemas.microsoft.com/office/mac/drawingml/2011/main" val="1"/>
+              <ma14:placeholderFlag xmlns:ma14="http://schemas.microsoft.com/office/mac/drawingml/2011/main" val="1"/>
             </a:ext>
           </a:extLst>
         </p:spPr>
@@ -2850,14 +4813,14 @@
           </a:ln>
           <a:effectLst/>
           <a:extLst>
-            <a:ext uri="{909E8E84-426E-40DD-AFC4-6F175D3DCCD1}">
+            <a:ext uri="{909E8E84-426E-40dd-AFC4-6F175D3DCCD1}">
               <a14:hiddenFill xmlns:a14="http://schemas.microsoft.com/office/drawing/2010/main">
                 <a:solidFill>
                   <a:srgbClr val="FFFFFF"/>
                 </a:solidFill>
               </a14:hiddenFill>
             </a:ext>
-            <a:ext uri="{91240B29-F687-4F45-9708-019B960494DF}">
+            <a:ext uri="{91240B29-F687-4f45-9708-019B960494DF}">
               <a14:hiddenLine xmlns:a14="http://schemas.microsoft.com/office/drawing/2010/main" w="12700">
                 <a:solidFill>
                   <a:schemeClr val="tx1"/>
@@ -2867,7 +4830,7 @@
                 <a:tailEnd/>
               </a14:hiddenLine>
             </a:ext>
-            <a:ext uri="{AF507438-7753-43E0-B8FC-AC1667EBCBE1}">
+            <a:ext uri="{AF507438-7753-43e0-B8FC-AC1667EBCBE1}">
               <a14:hiddenEffects xmlns:a14="http://schemas.microsoft.com/office/drawing/2010/main">
                 <a:effectLst>
                   <a:outerShdw blurRad="63500" dist="38099" dir="2700000" algn="ctr" rotWithShape="0">
@@ -2879,7 +4842,7 @@
               </a14:hiddenEffects>
             </a:ext>
             <a:ext uri="{FAA26D3D-D897-4be2-8F04-BA451C77F1D7}">
-              <ma14:placeholderFlag xmlns="" xmlns:ma14="http://schemas.microsoft.com/office/mac/drawingml/2011/main" val="1"/>
+              <ma14:placeholderFlag xmlns:ma14="http://schemas.microsoft.com/office/mac/drawingml/2011/main" val="1"/>
             </a:ext>
           </a:extLst>
         </p:spPr>
@@ -2961,14 +4924,14 @@
           </a:ln>
           <a:effectLst/>
           <a:extLst>
-            <a:ext uri="{909E8E84-426E-40DD-AFC4-6F175D3DCCD1}">
+            <a:ext uri="{909E8E84-426E-40dd-AFC4-6F175D3DCCD1}">
               <a14:hiddenFill xmlns:a14="http://schemas.microsoft.com/office/drawing/2010/main">
                 <a:solidFill>
                   <a:srgbClr val="FFFFFF"/>
                 </a:solidFill>
               </a14:hiddenFill>
             </a:ext>
-            <a:ext uri="{91240B29-F687-4F45-9708-019B960494DF}">
+            <a:ext uri="{91240B29-F687-4f45-9708-019B960494DF}">
               <a14:hiddenLine xmlns:a14="http://schemas.microsoft.com/office/drawing/2010/main" w="12700">
                 <a:solidFill>
                   <a:schemeClr val="tx1"/>
@@ -2978,7 +4941,7 @@
                 <a:tailEnd/>
               </a14:hiddenLine>
             </a:ext>
-            <a:ext uri="{AF507438-7753-43E0-B8FC-AC1667EBCBE1}">
+            <a:ext uri="{AF507438-7753-43e0-B8FC-AC1667EBCBE1}">
               <a14:hiddenEffects xmlns:a14="http://schemas.microsoft.com/office/drawing/2010/main">
                 <a:effectLst>
                   <a:outerShdw blurRad="63500" dist="38099" dir="2700000" algn="ctr" rotWithShape="0">
@@ -3109,7 +5072,7 @@
             <a:fld id="{9A4CBFCD-9593-594E-9439-A19364B34553}" type="slidenum">
               <a:rPr lang="en-US"/>
               <a:pPr/>
-              <a:t>‹N°›</a:t>
+              <a:t>‹#›</a:t>
             </a:fld>
             <a:endParaRPr lang="en-US"/>
           </a:p>
@@ -3131,14 +5094,840 @@
     <p:sldLayoutId id="2147483673" r:id="rId10"/>
     <p:sldLayoutId id="2147483674" r:id="rId11"/>
   </p:sldLayoutIdLst>
-  <p:transition/>
+  <p:transition xmlns:p14="http://schemas.microsoft.com/office/powerpoint/2010/main"/>
   <p:timing>
     <p:tnLst>
       <p:par>
-        <p:cTn id="1" dur="indefinite" restart="never" nodeType="tmRoot"/>
+        <p:cTn xmlns:p14="http://schemas.microsoft.com/office/powerpoint/2010/main" id="1" dur="indefinite" restart="never" nodeType="tmRoot"/>
       </p:par>
     </p:tnLst>
   </p:timing>
+  <p:hf hdr="0" ftr="0" dt="0"/>
+  <p:txStyles>
+    <p:titleStyle>
+      <a:lvl1pPr algn="ctr" rtl="0" fontAlgn="base">
+        <a:spcBef>
+          <a:spcPct val="0"/>
+        </a:spcBef>
+        <a:spcAft>
+          <a:spcPct val="0"/>
+        </a:spcAft>
+        <a:defRPr sz="7400">
+          <a:solidFill>
+            <a:schemeClr val="tx1"/>
+          </a:solidFill>
+          <a:latin typeface="+mj-lt"/>
+          <a:ea typeface="+mj-ea"/>
+          <a:cs typeface="+mj-cs"/>
+          <a:sym typeface="Gill Sans" charset="0"/>
+        </a:defRPr>
+      </a:lvl1pPr>
+      <a:lvl2pPr algn="ctr" rtl="0" fontAlgn="base">
+        <a:spcBef>
+          <a:spcPct val="0"/>
+        </a:spcBef>
+        <a:spcAft>
+          <a:spcPct val="0"/>
+        </a:spcAft>
+        <a:defRPr sz="7400">
+          <a:solidFill>
+            <a:schemeClr val="tx1"/>
+          </a:solidFill>
+          <a:latin typeface="Gill Sans" charset="0"/>
+          <a:ea typeface="ヒラギノ角ゴ ProN W3" charset="0"/>
+          <a:cs typeface="ヒラギノ角ゴ ProN W3" charset="0"/>
+          <a:sym typeface="Gill Sans" charset="0"/>
+        </a:defRPr>
+      </a:lvl2pPr>
+      <a:lvl3pPr algn="ctr" rtl="0" fontAlgn="base">
+        <a:spcBef>
+          <a:spcPct val="0"/>
+        </a:spcBef>
+        <a:spcAft>
+          <a:spcPct val="0"/>
+        </a:spcAft>
+        <a:defRPr sz="7400">
+          <a:solidFill>
+            <a:schemeClr val="tx1"/>
+          </a:solidFill>
+          <a:latin typeface="Gill Sans" charset="0"/>
+          <a:ea typeface="ヒラギノ角ゴ ProN W3" charset="0"/>
+          <a:cs typeface="ヒラギノ角ゴ ProN W3" charset="0"/>
+          <a:sym typeface="Gill Sans" charset="0"/>
+        </a:defRPr>
+      </a:lvl3pPr>
+      <a:lvl4pPr algn="ctr" rtl="0" fontAlgn="base">
+        <a:spcBef>
+          <a:spcPct val="0"/>
+        </a:spcBef>
+        <a:spcAft>
+          <a:spcPct val="0"/>
+        </a:spcAft>
+        <a:defRPr sz="7400">
+          <a:solidFill>
+            <a:schemeClr val="tx1"/>
+          </a:solidFill>
+          <a:latin typeface="Gill Sans" charset="0"/>
+          <a:ea typeface="ヒラギノ角ゴ ProN W3" charset="0"/>
+          <a:cs typeface="ヒラギノ角ゴ ProN W3" charset="0"/>
+          <a:sym typeface="Gill Sans" charset="0"/>
+        </a:defRPr>
+      </a:lvl4pPr>
+      <a:lvl5pPr algn="ctr" rtl="0" fontAlgn="base">
+        <a:spcBef>
+          <a:spcPct val="0"/>
+        </a:spcBef>
+        <a:spcAft>
+          <a:spcPct val="0"/>
+        </a:spcAft>
+        <a:defRPr sz="7400">
+          <a:solidFill>
+            <a:schemeClr val="tx1"/>
+          </a:solidFill>
+          <a:latin typeface="Gill Sans" charset="0"/>
+          <a:ea typeface="ヒラギノ角ゴ ProN W3" charset="0"/>
+          <a:cs typeface="ヒラギノ角ゴ ProN W3" charset="0"/>
+          <a:sym typeface="Gill Sans" charset="0"/>
+        </a:defRPr>
+      </a:lvl5pPr>
+      <a:lvl6pPr marL="457200" algn="ctr" rtl="0" fontAlgn="base">
+        <a:spcBef>
+          <a:spcPct val="0"/>
+        </a:spcBef>
+        <a:spcAft>
+          <a:spcPct val="0"/>
+        </a:spcAft>
+        <a:defRPr sz="7400">
+          <a:solidFill>
+            <a:schemeClr val="tx1"/>
+          </a:solidFill>
+          <a:latin typeface="Gill Sans" charset="0"/>
+          <a:ea typeface="ヒラギノ角ゴ ProN W3" charset="0"/>
+          <a:cs typeface="ヒラギノ角ゴ ProN W3" charset="0"/>
+          <a:sym typeface="Gill Sans" charset="0"/>
+        </a:defRPr>
+      </a:lvl6pPr>
+      <a:lvl7pPr marL="914400" algn="ctr" rtl="0" fontAlgn="base">
+        <a:spcBef>
+          <a:spcPct val="0"/>
+        </a:spcBef>
+        <a:spcAft>
+          <a:spcPct val="0"/>
+        </a:spcAft>
+        <a:defRPr sz="7400">
+          <a:solidFill>
+            <a:schemeClr val="tx1"/>
+          </a:solidFill>
+          <a:latin typeface="Gill Sans" charset="0"/>
+          <a:ea typeface="ヒラギノ角ゴ ProN W3" charset="0"/>
+          <a:cs typeface="ヒラギノ角ゴ ProN W3" charset="0"/>
+          <a:sym typeface="Gill Sans" charset="0"/>
+        </a:defRPr>
+      </a:lvl7pPr>
+      <a:lvl8pPr marL="1371600" algn="ctr" rtl="0" fontAlgn="base">
+        <a:spcBef>
+          <a:spcPct val="0"/>
+        </a:spcBef>
+        <a:spcAft>
+          <a:spcPct val="0"/>
+        </a:spcAft>
+        <a:defRPr sz="7400">
+          <a:solidFill>
+            <a:schemeClr val="tx1"/>
+          </a:solidFill>
+          <a:latin typeface="Gill Sans" charset="0"/>
+          <a:ea typeface="ヒラギノ角ゴ ProN W3" charset="0"/>
+          <a:cs typeface="ヒラギノ角ゴ ProN W3" charset="0"/>
+          <a:sym typeface="Gill Sans" charset="0"/>
+        </a:defRPr>
+      </a:lvl8pPr>
+      <a:lvl9pPr marL="1828800" algn="ctr" rtl="0" fontAlgn="base">
+        <a:spcBef>
+          <a:spcPct val="0"/>
+        </a:spcBef>
+        <a:spcAft>
+          <a:spcPct val="0"/>
+        </a:spcAft>
+        <a:defRPr sz="7400">
+          <a:solidFill>
+            <a:schemeClr val="tx1"/>
+          </a:solidFill>
+          <a:latin typeface="Gill Sans" charset="0"/>
+          <a:ea typeface="ヒラギノ角ゴ ProN W3" charset="0"/>
+          <a:cs typeface="ヒラギノ角ゴ ProN W3" charset="0"/>
+          <a:sym typeface="Gill Sans" charset="0"/>
+        </a:defRPr>
+      </a:lvl9pPr>
+    </p:titleStyle>
+    <p:bodyStyle>
+      <a:lvl1pPr algn="ctr" rtl="0" fontAlgn="base">
+        <a:spcBef>
+          <a:spcPct val="0"/>
+        </a:spcBef>
+        <a:spcAft>
+          <a:spcPct val="0"/>
+        </a:spcAft>
+        <a:defRPr sz="3000">
+          <a:solidFill>
+            <a:schemeClr val="tx1"/>
+          </a:solidFill>
+          <a:latin typeface="+mn-lt"/>
+          <a:ea typeface="+mn-ea"/>
+          <a:cs typeface="+mn-cs"/>
+          <a:sym typeface="Gill Sans" charset="0"/>
+        </a:defRPr>
+      </a:lvl1pPr>
+      <a:lvl2pPr algn="ctr" rtl="0" fontAlgn="base">
+        <a:spcBef>
+          <a:spcPct val="0"/>
+        </a:spcBef>
+        <a:spcAft>
+          <a:spcPct val="0"/>
+        </a:spcAft>
+        <a:defRPr sz="3000">
+          <a:solidFill>
+            <a:schemeClr val="tx1"/>
+          </a:solidFill>
+          <a:latin typeface="+mn-lt"/>
+          <a:ea typeface="+mn-ea"/>
+          <a:cs typeface="+mn-cs"/>
+          <a:sym typeface="Gill Sans" charset="0"/>
+        </a:defRPr>
+      </a:lvl2pPr>
+      <a:lvl3pPr algn="ctr" rtl="0" fontAlgn="base">
+        <a:spcBef>
+          <a:spcPct val="0"/>
+        </a:spcBef>
+        <a:spcAft>
+          <a:spcPct val="0"/>
+        </a:spcAft>
+        <a:defRPr sz="3000">
+          <a:solidFill>
+            <a:schemeClr val="tx1"/>
+          </a:solidFill>
+          <a:latin typeface="+mn-lt"/>
+          <a:ea typeface="+mn-ea"/>
+          <a:cs typeface="+mn-cs"/>
+          <a:sym typeface="Gill Sans" charset="0"/>
+        </a:defRPr>
+      </a:lvl3pPr>
+      <a:lvl4pPr algn="ctr" rtl="0" fontAlgn="base">
+        <a:spcBef>
+          <a:spcPct val="0"/>
+        </a:spcBef>
+        <a:spcAft>
+          <a:spcPct val="0"/>
+        </a:spcAft>
+        <a:defRPr sz="3000">
+          <a:solidFill>
+            <a:schemeClr val="tx1"/>
+          </a:solidFill>
+          <a:latin typeface="+mn-lt"/>
+          <a:ea typeface="+mn-ea"/>
+          <a:cs typeface="+mn-cs"/>
+          <a:sym typeface="Gill Sans" charset="0"/>
+        </a:defRPr>
+      </a:lvl4pPr>
+      <a:lvl5pPr algn="ctr" rtl="0" fontAlgn="base">
+        <a:spcBef>
+          <a:spcPct val="0"/>
+        </a:spcBef>
+        <a:spcAft>
+          <a:spcPct val="0"/>
+        </a:spcAft>
+        <a:defRPr sz="3000">
+          <a:solidFill>
+            <a:schemeClr val="tx1"/>
+          </a:solidFill>
+          <a:latin typeface="+mn-lt"/>
+          <a:ea typeface="+mn-ea"/>
+          <a:cs typeface="+mn-cs"/>
+          <a:sym typeface="Gill Sans" charset="0"/>
+        </a:defRPr>
+      </a:lvl5pPr>
+      <a:lvl6pPr marL="457200" algn="ctr" rtl="0" fontAlgn="base">
+        <a:spcBef>
+          <a:spcPct val="0"/>
+        </a:spcBef>
+        <a:spcAft>
+          <a:spcPct val="0"/>
+        </a:spcAft>
+        <a:defRPr sz="3000">
+          <a:solidFill>
+            <a:schemeClr val="tx1"/>
+          </a:solidFill>
+          <a:latin typeface="+mn-lt"/>
+          <a:ea typeface="+mn-ea"/>
+          <a:cs typeface="+mn-cs"/>
+          <a:sym typeface="Gill Sans" charset="0"/>
+        </a:defRPr>
+      </a:lvl6pPr>
+      <a:lvl7pPr marL="914400" algn="ctr" rtl="0" fontAlgn="base">
+        <a:spcBef>
+          <a:spcPct val="0"/>
+        </a:spcBef>
+        <a:spcAft>
+          <a:spcPct val="0"/>
+        </a:spcAft>
+        <a:defRPr sz="3000">
+          <a:solidFill>
+            <a:schemeClr val="tx1"/>
+          </a:solidFill>
+          <a:latin typeface="+mn-lt"/>
+          <a:ea typeface="+mn-ea"/>
+          <a:cs typeface="+mn-cs"/>
+          <a:sym typeface="Gill Sans" charset="0"/>
+        </a:defRPr>
+      </a:lvl7pPr>
+      <a:lvl8pPr marL="1371600" algn="ctr" rtl="0" fontAlgn="base">
+        <a:spcBef>
+          <a:spcPct val="0"/>
+        </a:spcBef>
+        <a:spcAft>
+          <a:spcPct val="0"/>
+        </a:spcAft>
+        <a:defRPr sz="3000">
+          <a:solidFill>
+            <a:schemeClr val="tx1"/>
+          </a:solidFill>
+          <a:latin typeface="+mn-lt"/>
+          <a:ea typeface="+mn-ea"/>
+          <a:cs typeface="+mn-cs"/>
+          <a:sym typeface="Gill Sans" charset="0"/>
+        </a:defRPr>
+      </a:lvl8pPr>
+      <a:lvl9pPr marL="1828800" algn="ctr" rtl="0" fontAlgn="base">
+        <a:spcBef>
+          <a:spcPct val="0"/>
+        </a:spcBef>
+        <a:spcAft>
+          <a:spcPct val="0"/>
+        </a:spcAft>
+        <a:defRPr sz="3000">
+          <a:solidFill>
+            <a:schemeClr val="tx1"/>
+          </a:solidFill>
+          <a:latin typeface="+mn-lt"/>
+          <a:ea typeface="+mn-ea"/>
+          <a:cs typeface="+mn-cs"/>
+          <a:sym typeface="Gill Sans" charset="0"/>
+        </a:defRPr>
+      </a:lvl9pPr>
+    </p:bodyStyle>
+    <p:otherStyle>
+      <a:defPPr>
+        <a:defRPr lang="fr-FR"/>
+      </a:defPPr>
+      <a:lvl1pPr marL="0" algn="l" defTabSz="457200" rtl="0" eaLnBrk="1" latinLnBrk="0" hangingPunct="1">
+        <a:defRPr sz="1800" kern="1200">
+          <a:solidFill>
+            <a:schemeClr val="tx1"/>
+          </a:solidFill>
+          <a:latin typeface="+mn-lt"/>
+          <a:ea typeface="+mn-ea"/>
+          <a:cs typeface="+mn-cs"/>
+        </a:defRPr>
+      </a:lvl1pPr>
+      <a:lvl2pPr marL="457200" algn="l" defTabSz="457200" rtl="0" eaLnBrk="1" latinLnBrk="0" hangingPunct="1">
+        <a:defRPr sz="1800" kern="1200">
+          <a:solidFill>
+            <a:schemeClr val="tx1"/>
+          </a:solidFill>
+          <a:latin typeface="+mn-lt"/>
+          <a:ea typeface="+mn-ea"/>
+          <a:cs typeface="+mn-cs"/>
+        </a:defRPr>
+      </a:lvl2pPr>
+      <a:lvl3pPr marL="914400" algn="l" defTabSz="457200" rtl="0" eaLnBrk="1" latinLnBrk="0" hangingPunct="1">
+        <a:defRPr sz="1800" kern="1200">
+          <a:solidFill>
+            <a:schemeClr val="tx1"/>
+          </a:solidFill>
+          <a:latin typeface="+mn-lt"/>
+          <a:ea typeface="+mn-ea"/>
+          <a:cs typeface="+mn-cs"/>
+        </a:defRPr>
+      </a:lvl3pPr>
+      <a:lvl4pPr marL="1371600" algn="l" defTabSz="457200" rtl="0" eaLnBrk="1" latinLnBrk="0" hangingPunct="1">
+        <a:defRPr sz="1800" kern="1200">
+          <a:solidFill>
+            <a:schemeClr val="tx1"/>
+          </a:solidFill>
+          <a:latin typeface="+mn-lt"/>
+          <a:ea typeface="+mn-ea"/>
+          <a:cs typeface="+mn-cs"/>
+        </a:defRPr>
+      </a:lvl4pPr>
+      <a:lvl5pPr marL="1828800" algn="l" defTabSz="457200" rtl="0" eaLnBrk="1" latinLnBrk="0" hangingPunct="1">
+        <a:defRPr sz="1800" kern="1200">
+          <a:solidFill>
+            <a:schemeClr val="tx1"/>
+          </a:solidFill>
+          <a:latin typeface="+mn-lt"/>
+          <a:ea typeface="+mn-ea"/>
+          <a:cs typeface="+mn-cs"/>
+        </a:defRPr>
+      </a:lvl5pPr>
+      <a:lvl6pPr marL="2286000" algn="l" defTabSz="457200" rtl="0" eaLnBrk="1" latinLnBrk="0" hangingPunct="1">
+        <a:defRPr sz="1800" kern="1200">
+          <a:solidFill>
+            <a:schemeClr val="tx1"/>
+          </a:solidFill>
+          <a:latin typeface="+mn-lt"/>
+          <a:ea typeface="+mn-ea"/>
+          <a:cs typeface="+mn-cs"/>
+        </a:defRPr>
+      </a:lvl6pPr>
+      <a:lvl7pPr marL="2743200" algn="l" defTabSz="457200" rtl="0" eaLnBrk="1" latinLnBrk="0" hangingPunct="1">
+        <a:defRPr sz="1800" kern="1200">
+          <a:solidFill>
+            <a:schemeClr val="tx1"/>
+          </a:solidFill>
+          <a:latin typeface="+mn-lt"/>
+          <a:ea typeface="+mn-ea"/>
+          <a:cs typeface="+mn-cs"/>
+        </a:defRPr>
+      </a:lvl7pPr>
+      <a:lvl8pPr marL="3200400" algn="l" defTabSz="457200" rtl="0" eaLnBrk="1" latinLnBrk="0" hangingPunct="1">
+        <a:defRPr sz="1800" kern="1200">
+          <a:solidFill>
+            <a:schemeClr val="tx1"/>
+          </a:solidFill>
+          <a:latin typeface="+mn-lt"/>
+          <a:ea typeface="+mn-ea"/>
+          <a:cs typeface="+mn-cs"/>
+        </a:defRPr>
+      </a:lvl8pPr>
+      <a:lvl9pPr marL="3657600" algn="l" defTabSz="457200" rtl="0" eaLnBrk="1" latinLnBrk="0" hangingPunct="1">
+        <a:defRPr sz="1800" kern="1200">
+          <a:solidFill>
+            <a:schemeClr val="tx1"/>
+          </a:solidFill>
+          <a:latin typeface="+mn-lt"/>
+          <a:ea typeface="+mn-ea"/>
+          <a:cs typeface="+mn-cs"/>
+        </a:defRPr>
+      </a:lvl9pPr>
+    </p:otherStyle>
+  </p:txStyles>
+</p:sldMaster>
+</file>
+
+<file path=ppt/slideMasters/slideMaster2.xml><?xml version="1.0" encoding="utf-8"?>
+<p:sldMaster xmlns:a="http://schemas.openxmlformats.org/drawingml/2006/main" xmlns:r="http://schemas.openxmlformats.org/officeDocument/2006/relationships" xmlns:p="http://schemas.openxmlformats.org/presentationml/2006/main" preserve="1">
+  <p:cSld>
+    <p:bg>
+      <p:bgPr>
+        <a:blipFill dpi="0" rotWithShape="0">
+          <a:blip r:embed="rId13"/>
+          <a:srcRect/>
+          <a:stretch>
+            <a:fillRect/>
+          </a:stretch>
+        </a:blipFill>
+        <a:effectLst/>
+      </p:bgPr>
+    </p:bg>
+    <p:spTree>
+      <p:nvGrpSpPr>
+        <p:cNvPr id="1" name=""/>
+        <p:cNvGrpSpPr/>
+        <p:nvPr/>
+      </p:nvGrpSpPr>
+      <p:grpSpPr>
+        <a:xfrm>
+          <a:off x="0" y="0"/>
+          <a:ext cx="0" cy="0"/>
+          <a:chOff x="0" y="0"/>
+          <a:chExt cx="0" cy="0"/>
+        </a:xfrm>
+      </p:grpSpPr>
+      <p:sp>
+        <p:nvSpPr>
+          <p:cNvPr id="1025" name="Rectangle 1"/>
+          <p:cNvSpPr>
+            <a:spLocks noChangeArrowheads="1"/>
+          </p:cNvSpPr>
+          <p:nvPr>
+            <p:ph type="title"/>
+          </p:nvPr>
+        </p:nvSpPr>
+        <p:spPr bwMode="auto">
+          <a:xfrm>
+            <a:off x="1155700" y="1536700"/>
+            <a:ext cx="13944600" cy="3086100"/>
+          </a:xfrm>
+          <a:prstGeom prst="rect">
+            <a:avLst/>
+          </a:prstGeom>
+          <a:noFill/>
+          <a:ln>
+            <a:noFill/>
+          </a:ln>
+          <a:effectLst/>
+          <a:extLst>
+            <a:ext uri="{909E8E84-426E-40dd-AFC4-6F175D3DCCD1}">
+              <a14:hiddenFill xmlns:a14="http://schemas.microsoft.com/office/drawing/2010/main">
+                <a:solidFill>
+                  <a:srgbClr val="FFFFFF"/>
+                </a:solidFill>
+              </a14:hiddenFill>
+            </a:ext>
+            <a:ext uri="{91240B29-F687-4f45-9708-019B960494DF}">
+              <a14:hiddenLine xmlns:a14="http://schemas.microsoft.com/office/drawing/2010/main" w="12700">
+                <a:solidFill>
+                  <a:schemeClr val="tx1"/>
+                </a:solidFill>
+                <a:miter lim="800000"/>
+                <a:headEnd/>
+                <a:tailEnd/>
+              </a14:hiddenLine>
+            </a:ext>
+            <a:ext uri="{AF507438-7753-43e0-B8FC-AC1667EBCBE1}">
+              <a14:hiddenEffects xmlns:a14="http://schemas.microsoft.com/office/drawing/2010/main">
+                <a:effectLst>
+                  <a:outerShdw blurRad="63500" dist="38099" dir="2700000" algn="ctr" rotWithShape="0">
+                    <a:srgbClr val="000000">
+                      <a:alpha val="74998"/>
+                    </a:srgbClr>
+                  </a:outerShdw>
+                </a:effectLst>
+              </a14:hiddenEffects>
+            </a:ext>
+            <a:ext uri="{FAA26D3D-D897-4be2-8F04-BA451C77F1D7}">
+              <ma14:placeholderFlag xmlns:ma14="http://schemas.microsoft.com/office/mac/drawingml/2011/main" val="1"/>
+            </a:ext>
+          </a:extLst>
+        </p:spPr>
+        <p:txBody>
+          <a:bodyPr vert="horz" wrap="square" lIns="50800" tIns="50800" rIns="50800" bIns="50800" numCol="1" anchor="b" anchorCtr="0" compatLnSpc="1">
+            <a:prstTxWarp prst="textNoShape">
+              <a:avLst/>
+            </a:prstTxWarp>
+          </a:bodyPr>
+          <a:lstStyle/>
+          <a:p>
+            <a:pPr lvl="0"/>
+            <a:r>
+              <a:rPr lang="en-US">
+                <a:sym typeface="Gill Sans" charset="0"/>
+              </a:rPr>
+              <a:t>Click to edit Master title style</a:t>
+            </a:r>
+          </a:p>
+        </p:txBody>
+      </p:sp>
+      <p:sp>
+        <p:nvSpPr>
+          <p:cNvPr id="1026" name="Rectangle 2"/>
+          <p:cNvSpPr>
+            <a:spLocks noChangeArrowheads="1"/>
+          </p:cNvSpPr>
+          <p:nvPr>
+            <p:ph type="body" idx="1"/>
+          </p:nvPr>
+        </p:nvSpPr>
+        <p:spPr bwMode="auto">
+          <a:xfrm>
+            <a:off x="1155700" y="4711700"/>
+            <a:ext cx="13944600" cy="1054100"/>
+          </a:xfrm>
+          <a:prstGeom prst="rect">
+            <a:avLst/>
+          </a:prstGeom>
+          <a:noFill/>
+          <a:ln>
+            <a:noFill/>
+          </a:ln>
+          <a:effectLst/>
+          <a:extLst>
+            <a:ext uri="{909E8E84-426E-40dd-AFC4-6F175D3DCCD1}">
+              <a14:hiddenFill xmlns:a14="http://schemas.microsoft.com/office/drawing/2010/main">
+                <a:solidFill>
+                  <a:srgbClr val="FFFFFF"/>
+                </a:solidFill>
+              </a14:hiddenFill>
+            </a:ext>
+            <a:ext uri="{91240B29-F687-4f45-9708-019B960494DF}">
+              <a14:hiddenLine xmlns:a14="http://schemas.microsoft.com/office/drawing/2010/main" w="12700">
+                <a:solidFill>
+                  <a:schemeClr val="tx1"/>
+                </a:solidFill>
+                <a:miter lim="800000"/>
+                <a:headEnd/>
+                <a:tailEnd/>
+              </a14:hiddenLine>
+            </a:ext>
+            <a:ext uri="{AF507438-7753-43e0-B8FC-AC1667EBCBE1}">
+              <a14:hiddenEffects xmlns:a14="http://schemas.microsoft.com/office/drawing/2010/main">
+                <a:effectLst>
+                  <a:outerShdw blurRad="63500" dist="38099" dir="2700000" algn="ctr" rotWithShape="0">
+                    <a:srgbClr val="000000">
+                      <a:alpha val="74998"/>
+                    </a:srgbClr>
+                  </a:outerShdw>
+                </a:effectLst>
+              </a14:hiddenEffects>
+            </a:ext>
+            <a:ext uri="{FAA26D3D-D897-4be2-8F04-BA451C77F1D7}">
+              <ma14:placeholderFlag xmlns:ma14="http://schemas.microsoft.com/office/mac/drawingml/2011/main" val="1"/>
+            </a:ext>
+          </a:extLst>
+        </p:spPr>
+        <p:txBody>
+          <a:bodyPr vert="horz" wrap="square" lIns="50800" tIns="50800" rIns="50800" bIns="50800" numCol="1" anchor="t" anchorCtr="0" compatLnSpc="1">
+            <a:prstTxWarp prst="textNoShape">
+              <a:avLst/>
+            </a:prstTxWarp>
+          </a:bodyPr>
+          <a:lstStyle/>
+          <a:p>
+            <a:pPr lvl="0"/>
+            <a:r>
+              <a:rPr lang="en-US">
+                <a:sym typeface="Gill Sans" charset="0"/>
+              </a:rPr>
+              <a:t>Click to edit Master text styles</a:t>
+            </a:r>
+          </a:p>
+          <a:p>
+            <a:pPr lvl="1"/>
+            <a:r>
+              <a:rPr lang="en-US">
+                <a:sym typeface="Gill Sans" charset="0"/>
+              </a:rPr>
+              <a:t>Second level</a:t>
+            </a:r>
+          </a:p>
+          <a:p>
+            <a:pPr lvl="2"/>
+            <a:r>
+              <a:rPr lang="en-US">
+                <a:sym typeface="Gill Sans" charset="0"/>
+              </a:rPr>
+              <a:t>Third level</a:t>
+            </a:r>
+          </a:p>
+          <a:p>
+            <a:pPr lvl="3"/>
+            <a:r>
+              <a:rPr lang="en-US">
+                <a:sym typeface="Gill Sans" charset="0"/>
+              </a:rPr>
+              <a:t>Fourth level</a:t>
+            </a:r>
+          </a:p>
+          <a:p>
+            <a:pPr lvl="4"/>
+            <a:r>
+              <a:rPr lang="en-US">
+                <a:sym typeface="Gill Sans" charset="0"/>
+              </a:rPr>
+              <a:t>Fifth level</a:t>
+            </a:r>
+          </a:p>
+        </p:txBody>
+      </p:sp>
+      <p:sp>
+        <p:nvSpPr>
+          <p:cNvPr id="1027" name="Text Box 3"/>
+          <p:cNvSpPr txBox="1">
+            <a:spLocks noChangeArrowheads="1"/>
+          </p:cNvSpPr>
+          <p:nvPr>
+            <p:ph type="sldNum" sz="quarter" idx="4"/>
+          </p:nvPr>
+        </p:nvSpPr>
+        <p:spPr bwMode="auto">
+          <a:xfrm>
+            <a:off x="15870238" y="8877300"/>
+            <a:ext cx="292100" cy="304800"/>
+          </a:xfrm>
+          <a:prstGeom prst="rect">
+            <a:avLst/>
+          </a:prstGeom>
+          <a:noFill/>
+          <a:ln>
+            <a:noFill/>
+          </a:ln>
+          <a:effectLst/>
+          <a:extLst>
+            <a:ext uri="{909E8E84-426E-40dd-AFC4-6F175D3DCCD1}">
+              <a14:hiddenFill xmlns:a14="http://schemas.microsoft.com/office/drawing/2010/main">
+                <a:solidFill>
+                  <a:srgbClr val="FFFFFF"/>
+                </a:solidFill>
+              </a14:hiddenFill>
+            </a:ext>
+            <a:ext uri="{91240B29-F687-4f45-9708-019B960494DF}">
+              <a14:hiddenLine xmlns:a14="http://schemas.microsoft.com/office/drawing/2010/main" w="12700">
+                <a:solidFill>
+                  <a:schemeClr val="tx1"/>
+                </a:solidFill>
+                <a:miter lim="800000"/>
+                <a:headEnd/>
+                <a:tailEnd/>
+              </a14:hiddenLine>
+            </a:ext>
+            <a:ext uri="{AF507438-7753-43e0-B8FC-AC1667EBCBE1}">
+              <a14:hiddenEffects xmlns:a14="http://schemas.microsoft.com/office/drawing/2010/main">
+                <a:effectLst>
+                  <a:outerShdw blurRad="63500" dist="38099" dir="2700000" algn="ctr" rotWithShape="0">
+                    <a:srgbClr val="000000">
+                      <a:alpha val="74998"/>
+                    </a:srgbClr>
+                  </a:outerShdw>
+                </a:effectLst>
+              </a14:hiddenEffects>
+            </a:ext>
+          </a:extLst>
+        </p:spPr>
+        <p:txBody>
+          <a:bodyPr vert="horz" wrap="none" lIns="91440" tIns="45720" rIns="91440" bIns="45720" numCol="1" anchor="t" anchorCtr="0" compatLnSpc="1">
+            <a:prstTxWarp prst="textNoShape">
+              <a:avLst/>
+            </a:prstTxWarp>
+          </a:bodyPr>
+          <a:lstStyle>
+            <a:lvl1pPr algn="ctr">
+              <a:defRPr sz="1400">
+                <a:solidFill>
+                  <a:srgbClr val="FFFFFF"/>
+                </a:solidFill>
+                <a:latin typeface="+mn-lt"/>
+                <a:ea typeface="ＭＳ Ｐゴシック" charset="0"/>
+                <a:cs typeface="Gill Sans" charset="0"/>
+              </a:defRPr>
+            </a:lvl1pPr>
+            <a:lvl2pPr algn="l">
+              <a:defRPr sz="1200">
+                <a:solidFill>
+                  <a:schemeClr val="tx1"/>
+                </a:solidFill>
+                <a:latin typeface="+mn-lt"/>
+                <a:ea typeface="ＭＳ Ｐゴシック" charset="0"/>
+              </a:defRPr>
+            </a:lvl2pPr>
+            <a:lvl3pPr algn="l">
+              <a:defRPr sz="1200">
+                <a:solidFill>
+                  <a:schemeClr val="tx1"/>
+                </a:solidFill>
+                <a:latin typeface="+mn-lt"/>
+                <a:ea typeface="ＭＳ Ｐゴシック" charset="0"/>
+              </a:defRPr>
+            </a:lvl3pPr>
+            <a:lvl4pPr algn="l">
+              <a:defRPr sz="1200">
+                <a:solidFill>
+                  <a:schemeClr val="tx1"/>
+                </a:solidFill>
+                <a:latin typeface="+mn-lt"/>
+                <a:ea typeface="ＭＳ Ｐゴシック" charset="0"/>
+              </a:defRPr>
+            </a:lvl4pPr>
+            <a:lvl5pPr algn="l">
+              <a:defRPr sz="1200">
+                <a:solidFill>
+                  <a:schemeClr val="tx1"/>
+                </a:solidFill>
+                <a:latin typeface="+mn-lt"/>
+                <a:ea typeface="ＭＳ Ｐゴシック" charset="0"/>
+              </a:defRPr>
+            </a:lvl5pPr>
+            <a:lvl6pPr fontAlgn="base">
+              <a:spcBef>
+                <a:spcPct val="0"/>
+              </a:spcBef>
+              <a:spcAft>
+                <a:spcPct val="0"/>
+              </a:spcAft>
+              <a:defRPr sz="1200">
+                <a:solidFill>
+                  <a:schemeClr val="tx1"/>
+                </a:solidFill>
+                <a:latin typeface="+mn-lt"/>
+                <a:ea typeface="ＭＳ Ｐゴシック" charset="0"/>
+              </a:defRPr>
+            </a:lvl6pPr>
+            <a:lvl7pPr fontAlgn="base">
+              <a:spcBef>
+                <a:spcPct val="0"/>
+              </a:spcBef>
+              <a:spcAft>
+                <a:spcPct val="0"/>
+              </a:spcAft>
+              <a:defRPr sz="1200">
+                <a:solidFill>
+                  <a:schemeClr val="tx1"/>
+                </a:solidFill>
+                <a:latin typeface="+mn-lt"/>
+                <a:ea typeface="ＭＳ Ｐゴシック" charset="0"/>
+              </a:defRPr>
+            </a:lvl7pPr>
+            <a:lvl8pPr fontAlgn="base">
+              <a:spcBef>
+                <a:spcPct val="0"/>
+              </a:spcBef>
+              <a:spcAft>
+                <a:spcPct val="0"/>
+              </a:spcAft>
+              <a:defRPr sz="1200">
+                <a:solidFill>
+                  <a:schemeClr val="tx1"/>
+                </a:solidFill>
+                <a:latin typeface="+mn-lt"/>
+                <a:ea typeface="ＭＳ Ｐゴシック" charset="0"/>
+              </a:defRPr>
+            </a:lvl8pPr>
+            <a:lvl9pPr fontAlgn="base">
+              <a:spcBef>
+                <a:spcPct val="0"/>
+              </a:spcBef>
+              <a:spcAft>
+                <a:spcPct val="0"/>
+              </a:spcAft>
+              <a:defRPr sz="1200">
+                <a:solidFill>
+                  <a:schemeClr val="tx1"/>
+                </a:solidFill>
+                <a:latin typeface="+mn-lt"/>
+                <a:ea typeface="ＭＳ Ｐゴシック" charset="0"/>
+              </a:defRPr>
+            </a:lvl9pPr>
+          </a:lstStyle>
+          <a:p>
+            <a:fld id="{73353DFB-E45E-DA4B-81D3-B613E8A1B96E}" type="slidenum">
+              <a:rPr lang="en-US"/>
+              <a:pPr/>
+              <a:t>‹#›</a:t>
+            </a:fld>
+            <a:endParaRPr lang="en-US"/>
+          </a:p>
+        </p:txBody>
+      </p:sp>
+    </p:spTree>
+    <p:extLst>
+      <p:ext uri="{BB962C8B-B14F-4D97-AF65-F5344CB8AC3E}">
+        <p14:creationId xmlns:p14="http://schemas.microsoft.com/office/powerpoint/2010/main" val="241284815"/>
+      </p:ext>
+    </p:extLst>
+  </p:cSld>
+  <p:clrMap bg1="lt1" tx1="dk1" bg2="lt2" tx2="dk2" accent1="accent1" accent2="accent2" accent3="accent3" accent4="accent4" accent5="accent5" accent6="accent6" hlink="hlink" folHlink="folHlink"/>
+  <p:sldLayoutIdLst>
+    <p:sldLayoutId id="2147483676" r:id="rId1"/>
+    <p:sldLayoutId id="2147483677" r:id="rId2"/>
+    <p:sldLayoutId id="2147483678" r:id="rId3"/>
+    <p:sldLayoutId id="2147483679" r:id="rId4"/>
+    <p:sldLayoutId id="2147483680" r:id="rId5"/>
+    <p:sldLayoutId id="2147483681" r:id="rId6"/>
+    <p:sldLayoutId id="2147483682" r:id="rId7"/>
+    <p:sldLayoutId id="2147483683" r:id="rId8"/>
+    <p:sldLayoutId id="2147483684" r:id="rId9"/>
+    <p:sldLayoutId id="2147483685" r:id="rId10"/>
+    <p:sldLayoutId id="2147483686" r:id="rId11"/>
+  </p:sldLayoutIdLst>
+  <p:transition xmlns:p14="http://schemas.microsoft.com/office/powerpoint/2010/main"/>
   <p:hf hdr="0" ftr="0" dt="0"/>
   <p:txStyles>
     <p:titleStyle>
@@ -3593,77 +6382,6 @@
       </p:sp>
       <p:sp>
         <p:nvSpPr>
-          <p:cNvPr id="17409" name="Rectangle 1"/>
-          <p:cNvSpPr>
-            <a:spLocks noGrp="1" noChangeArrowheads="1"/>
-          </p:cNvSpPr>
-          <p:nvPr>
-            <p:ph type="title"/>
-          </p:nvPr>
-        </p:nvSpPr>
-        <p:spPr>
-          <a:ln/>
-        </p:spPr>
-        <p:txBody>
-          <a:bodyPr/>
-          <a:lstStyle/>
-          <a:p>
-            <a:r>
-              <a:rPr lang="en-US" sz="5900" dirty="0" err="1">
-                <a:hlinkClick r:id="rId2"/>
-              </a:rPr>
-              <a:t>DevOps</a:t>
-            </a:r>
-            <a:r>
-              <a:rPr lang="en-US" sz="5900" dirty="0">
-                <a:hlinkClick r:id="rId2"/>
-              </a:rPr>
-              <a:t> </a:t>
-            </a:r>
-            <a:r>
-              <a:rPr lang="en-US" sz="5900" dirty="0" err="1">
-                <a:hlinkClick r:id="rId2"/>
-              </a:rPr>
-              <a:t>illustré</a:t>
-            </a:r>
-            <a:r>
-              <a:rPr lang="en-US" sz="5900" dirty="0"/>
-              <a:t/>
-            </a:r>
-            <a:br>
-              <a:rPr lang="en-US" sz="5900" dirty="0"/>
-            </a:br>
-            <a:r>
-              <a:rPr lang="en-US" sz="5900" dirty="0">
-                <a:hlinkClick r:id="rId2"/>
-              </a:rPr>
-              <a:t>La jungle de la configuration </a:t>
-            </a:r>
-            <a:r>
-              <a:rPr lang="en-US" sz="5900" dirty="0" err="1">
-                <a:hlinkClick r:id="rId2"/>
-              </a:rPr>
-              <a:t>d'une</a:t>
-            </a:r>
-            <a:r>
-              <a:rPr lang="en-US" sz="5900" dirty="0">
-                <a:hlinkClick r:id="rId2"/>
-              </a:rPr>
-              <a:t> application</a:t>
-            </a:r>
-            <a:r>
-              <a:rPr lang="en-US" sz="5900" dirty="0"/>
-              <a:t/>
-            </a:r>
-            <a:br>
-              <a:rPr lang="en-US" sz="5900" dirty="0"/>
-            </a:br>
-            <a:endParaRPr lang="en-US" sz="5900" dirty="0"/>
-          </a:p>
-        </p:txBody>
-      </p:sp>
-      <p:sp>
-        <p:nvSpPr>
           <p:cNvPr id="17410" name="Rectangle 2"/>
           <p:cNvSpPr>
             <a:spLocks noGrp="1" noChangeArrowheads="1"/>
@@ -3673,6 +6391,10 @@
           </p:nvPr>
         </p:nvSpPr>
         <p:spPr>
+          <a:xfrm>
+            <a:off x="1215232" y="6732240"/>
+            <a:ext cx="13944600" cy="1054100"/>
+          </a:xfrm>
           <a:ln/>
         </p:spPr>
         <p:txBody>
@@ -3680,15 +6402,111 @@
           <a:lstStyle/>
           <a:p>
             <a:r>
-              <a:rPr lang="en-US"/>
-              <a:t>par Dimitri Baeli et Gilles Duguglielmo</a:t>
-            </a:r>
-          </a:p>
-          <a:p>
-            <a:r>
-              <a:rPr lang="en-US"/>
-              <a:t>@dbaeli &amp; @gdigugli</a:t>
-            </a:r>
+              <a:rPr lang="en-US" dirty="0"/>
+              <a:t>par </a:t>
+            </a:r>
+            <a:r>
+              <a:rPr lang="en-US" dirty="0" err="1"/>
+              <a:t>Dimitri</a:t>
+            </a:r>
+            <a:r>
+              <a:rPr lang="en-US" dirty="0"/>
+              <a:t> </a:t>
+            </a:r>
+            <a:r>
+              <a:rPr lang="en-US" dirty="0" err="1"/>
+              <a:t>Baeli</a:t>
+            </a:r>
+            <a:r>
+              <a:rPr lang="en-US" dirty="0"/>
+              <a:t> et Gilles </a:t>
+            </a:r>
+            <a:r>
+              <a:rPr lang="en-US" dirty="0" err="1"/>
+              <a:t>Duguglielmo</a:t>
+            </a:r>
+            <a:endParaRPr lang="en-US" dirty="0"/>
+          </a:p>
+          <a:p>
+            <a:r>
+              <a:rPr lang="en-US" dirty="0"/>
+              <a:t>@</a:t>
+            </a:r>
+            <a:r>
+              <a:rPr lang="en-US" dirty="0" err="1"/>
+              <a:t>dbaeli</a:t>
+            </a:r>
+            <a:r>
+              <a:rPr lang="en-US" dirty="0"/>
+              <a:t> &amp; @</a:t>
+            </a:r>
+            <a:r>
+              <a:rPr lang="en-US" dirty="0" err="1"/>
+              <a:t>gdigugli</a:t>
+            </a:r>
+            <a:endParaRPr lang="en-US" dirty="0"/>
+          </a:p>
+        </p:txBody>
+      </p:sp>
+      <p:sp>
+        <p:nvSpPr>
+          <p:cNvPr id="3" name="Titre 2"/>
+          <p:cNvSpPr>
+            <a:spLocks noGrp="1"/>
+          </p:cNvSpPr>
+          <p:nvPr>
+            <p:ph type="title"/>
+          </p:nvPr>
+        </p:nvSpPr>
+        <p:spPr>
+          <a:xfrm>
+            <a:off x="1155700" y="1536700"/>
+            <a:ext cx="13944600" cy="5483572"/>
+          </a:xfrm>
+        </p:spPr>
+        <p:txBody>
+          <a:bodyPr/>
+          <a:lstStyle/>
+          <a:p>
+            <a:r>
+              <a:rPr lang="en-US" sz="8000" dirty="0" err="1"/>
+              <a:t>DevOps</a:t>
+            </a:r>
+            <a:r>
+              <a:rPr lang="en-US" sz="8000" dirty="0"/>
+              <a:t> </a:t>
+            </a:r>
+            <a:r>
+              <a:rPr lang="en-US" sz="8000" dirty="0" err="1" smtClean="0"/>
+              <a:t>illustré</a:t>
+            </a:r>
+            <a:r>
+              <a:rPr lang="en-US" sz="8000" dirty="0" smtClean="0"/>
+              <a:t> :</a:t>
+            </a:r>
+            <a:r>
+              <a:rPr lang="en-US" sz="8000" dirty="0"/>
+              <a:t/>
+            </a:r>
+            <a:br>
+              <a:rPr lang="en-US" sz="8000" dirty="0"/>
+            </a:br>
+            <a:r>
+              <a:rPr lang="en-US" sz="8000" dirty="0"/>
+              <a:t>La jungle de la configuration </a:t>
+            </a:r>
+            <a:r>
+              <a:rPr lang="en-US" sz="8000" dirty="0" err="1"/>
+              <a:t>d’une</a:t>
+            </a:r>
+            <a:r>
+              <a:rPr lang="en-US" sz="8000" dirty="0"/>
+              <a:t> application</a:t>
+            </a:r>
+            <a:br>
+              <a:rPr lang="en-US" sz="8000" dirty="0"/>
+            </a:br>
+            <a:endParaRPr lang="fr-FR" dirty="0"/>
           </a:p>
         </p:txBody>
       </p:sp>
@@ -3697,11 +6515,11 @@
   <p:clrMapOvr>
     <a:masterClrMapping/>
   </p:clrMapOvr>
-  <p:transition/>
+  <p:transition xmlns:p14="http://schemas.microsoft.com/office/powerpoint/2010/main"/>
   <p:timing>
     <p:tnLst>
       <p:par>
-        <p:cTn id="1" dur="indefinite" restart="never" nodeType="tmRoot"/>
+        <p:cTn xmlns:p14="http://schemas.microsoft.com/office/powerpoint/2010/main" id="1" dur="indefinite" restart="never" nodeType="tmRoot"/>
       </p:par>
     </p:tnLst>
   </p:timing>
@@ -4058,7 +6876,7 @@
         <p:spPr>
           <a:xfrm>
             <a:off x="6566790" y="2008008"/>
-            <a:ext cx="9410082" cy="5458172"/>
+            <a:ext cx="9554098" cy="5458172"/>
           </a:xfrm>
           <a:prstGeom prst="wedgeRectCallout">
             <a:avLst>
@@ -4216,13 +7034,22 @@
           </a:p>
           <a:p>
             <a:r>
+              <a:rPr lang="en-US" sz="2100" dirty="0" err="1" smtClean="0">
+                <a:solidFill>
+                  <a:schemeClr val="tx1"/>
+                </a:solidFill>
+                <a:latin typeface="Lucida Console" pitchFamily="49" charset="0"/>
+              </a:rPr>
+              <a:t>CONF.setValue</a:t>
+            </a:r>
+            <a:r>
               <a:rPr lang="en-US" sz="2100" dirty="0" smtClean="0">
                 <a:solidFill>
                   <a:schemeClr val="tx1"/>
                 </a:solidFill>
                 <a:latin typeface="Lucida Console" pitchFamily="49" charset="0"/>
               </a:rPr>
-              <a:t>Conf4j.setValue(</a:t>
+              <a:t>(</a:t>
             </a:r>
             <a:r>
               <a:rPr lang="en-US" sz="2100" dirty="0" smtClean="0">
@@ -4293,7 +7120,7 @@
                 </a:solidFill>
                 <a:latin typeface="Lucida Console" pitchFamily="49" charset="0"/>
               </a:rPr>
-              <a:t>// all the ways </a:t>
+              <a:t>// </a:t>
             </a:r>
             <a:r>
               <a:rPr lang="en-US" sz="2100" dirty="0" smtClean="0">
@@ -4302,10 +7129,17 @@
                 </a:solidFill>
                 <a:latin typeface="Lucida Console" pitchFamily="49" charset="0"/>
               </a:rPr>
-              <a:t>allows </a:t>
-            </a:r>
-          </a:p>
-          <a:p>
+              <a:t>Un </a:t>
+            </a:r>
+            <a:r>
+              <a:rPr lang="en-US" sz="2100" dirty="0" err="1" smtClean="0">
+                <a:solidFill>
+                  <a:schemeClr val="tx1"/>
+                </a:solidFill>
+                <a:latin typeface="Lucida Console" pitchFamily="49" charset="0"/>
+              </a:rPr>
+              <a:t>seul</a:t>
+            </a:r>
             <a:r>
               <a:rPr lang="en-US" sz="2100" dirty="0" smtClean="0">
                 <a:solidFill>
@@ -4313,7 +7147,24 @@
                 </a:solidFill>
                 <a:latin typeface="Lucida Console" pitchFamily="49" charset="0"/>
               </a:rPr>
-              <a:t>// to </a:t>
+              <a:t> mode de lecture au runtime :</a:t>
+            </a:r>
+            <a:endParaRPr lang="en-US" sz="2100" dirty="0">
+              <a:solidFill>
+                <a:schemeClr val="tx1"/>
+              </a:solidFill>
+              <a:latin typeface="Lucida Console" pitchFamily="49" charset="0"/>
+            </a:endParaRPr>
+          </a:p>
+          <a:p>
+            <a:r>
+              <a:rPr lang="en-US" sz="2100" dirty="0" smtClean="0">
+                <a:solidFill>
+                  <a:schemeClr val="tx1"/>
+                </a:solidFill>
+                <a:latin typeface="Lucida Console" pitchFamily="49" charset="0"/>
+              </a:rPr>
+              <a:t>final </a:t>
             </a:r>
             <a:r>
               <a:rPr lang="en-US" sz="2100" dirty="0">
@@ -4322,27 +7173,16 @@
                 </a:solidFill>
                 <a:latin typeface="Lucida Console" pitchFamily="49" charset="0"/>
               </a:rPr>
-              <a:t>define the same value at runtime</a:t>
-            </a:r>
-          </a:p>
-          <a:p>
-            <a:r>
-              <a:rPr lang="en-US" sz="2100" dirty="0">
+              <a:t>String value = </a:t>
+            </a:r>
+            <a:r>
+              <a:rPr lang="en-US" sz="2100" dirty="0" err="1" smtClean="0">
                 <a:solidFill>
                   <a:schemeClr val="tx1"/>
                 </a:solidFill>
                 <a:latin typeface="Lucida Console" pitchFamily="49" charset="0"/>
               </a:rPr>
-              <a:t>final String value = </a:t>
-            </a:r>
-            <a:r>
-              <a:rPr lang="en-US" sz="2100" dirty="0" smtClean="0">
-                <a:solidFill>
-                  <a:schemeClr val="tx1"/>
-                </a:solidFill>
-                <a:latin typeface="Lucida Console" pitchFamily="49" charset="0"/>
-              </a:rPr>
-              <a:t>Conf4j.getValue</a:t>
+              <a:t>CONF.getValue</a:t>
             </a:r>
             <a:r>
               <a:rPr lang="en-US" sz="2100" dirty="0">
@@ -4612,22 +7452,35 @@
           <a:p>
             <a:r>
               <a:rPr lang="en-US" dirty="0" smtClean="0"/>
-              <a:t>Les shells de configuration</a:t>
+              <a:t>Les </a:t>
+            </a:r>
+            <a:r>
+              <a:rPr lang="en-US" dirty="0" smtClean="0"/>
+              <a:t>couches de </a:t>
+            </a:r>
+            <a:r>
+              <a:rPr lang="en-US" dirty="0" smtClean="0"/>
+              <a:t>configuration</a:t>
             </a:r>
             <a:endParaRPr lang="en-US" dirty="0"/>
           </a:p>
         </p:txBody>
       </p:sp>
     </p:spTree>
+    <p:extLst>
+      <p:ext uri="{BB962C8B-B14F-4D97-AF65-F5344CB8AC3E}">
+        <p14:creationId xmlns:p14="http://schemas.microsoft.com/office/powerpoint/2010/main" val="1018258121"/>
+      </p:ext>
+    </p:extLst>
   </p:cSld>
   <p:clrMapOvr>
     <a:masterClrMapping/>
   </p:clrMapOvr>
-  <p:transition/>
+  <p:transition xmlns:p14="http://schemas.microsoft.com/office/powerpoint/2010/main"/>
   <p:timing>
     <p:tnLst>
       <p:par>
-        <p:cTn id="1" dur="indefinite" restart="never" nodeType="tmRoot"/>
+        <p:cTn xmlns:p14="http://schemas.microsoft.com/office/powerpoint/2010/main" id="1" dur="indefinite" restart="never" nodeType="tmRoot"/>
       </p:par>
     </p:tnLst>
   </p:timing>
@@ -4717,38 +7570,7 @@
               <a:buFont typeface="Wingdings" pitchFamily="2" charset="2"/>
               <a:buChar char="Ø"/>
             </a:pPr>
-            <a:r>
-              <a:rPr lang="en-US" sz="3600" dirty="0" err="1" smtClean="0"/>
-              <a:t>Utiliser</a:t>
-            </a:r>
-            <a:r>
-              <a:rPr lang="en-US" sz="3600" dirty="0" smtClean="0"/>
-              <a:t> des champs </a:t>
-            </a:r>
-            <a:r>
-              <a:rPr lang="en-US" sz="3600" dirty="0" err="1" smtClean="0"/>
-              <a:t>dans</a:t>
-            </a:r>
-            <a:r>
-              <a:rPr lang="en-US" sz="3600" dirty="0" smtClean="0"/>
-              <a:t> </a:t>
-            </a:r>
-            <a:r>
-              <a:rPr lang="en-US" sz="3600" dirty="0" err="1" smtClean="0"/>
-              <a:t>une</a:t>
-            </a:r>
-            <a:r>
-              <a:rPr lang="en-US" sz="3600" dirty="0" smtClean="0"/>
-              <a:t> </a:t>
-            </a:r>
-            <a:r>
-              <a:rPr lang="en-US" sz="3600" dirty="0" err="1" smtClean="0"/>
-              <a:t>classe</a:t>
-            </a:r>
-            <a:r>
-              <a:rPr lang="en-US" sz="3600" dirty="0" smtClean="0"/>
-              <a:t> unique</a:t>
-            </a:r>
+            <a:endParaRPr lang="en-US" sz="3600" dirty="0" smtClean="0"/>
           </a:p>
           <a:p>
             <a:pPr marL="1320800" indent="-571500" algn="l">
@@ -4757,11 +7579,39 @@
             </a:pPr>
             <a:r>
               <a:rPr lang="en-US" sz="3600" dirty="0" err="1" smtClean="0"/>
-              <a:t>Annoter</a:t>
+              <a:t>Utiliser</a:t>
             </a:r>
             <a:r>
               <a:rPr lang="en-US" sz="3600" dirty="0" smtClean="0"/>
-              <a:t> les champs</a:t>
+              <a:t> </a:t>
+            </a:r>
+            <a:r>
+              <a:rPr lang="en-US" sz="3600" dirty="0" smtClean="0"/>
+              <a:t>des champs </a:t>
+            </a:r>
+            <a:r>
+              <a:rPr lang="en-US" sz="3600" dirty="0" err="1" smtClean="0"/>
+              <a:t>dans</a:t>
+            </a:r>
+            <a:r>
+              <a:rPr lang="en-US" sz="3600" dirty="0" smtClean="0"/>
+              <a:t> </a:t>
+            </a:r>
+            <a:r>
+              <a:rPr lang="en-US" sz="3600" dirty="0" err="1" smtClean="0"/>
+              <a:t>une</a:t>
+            </a:r>
+            <a:r>
+              <a:rPr lang="en-US" sz="3600" dirty="0" smtClean="0"/>
+              <a:t> </a:t>
+            </a:r>
+            <a:r>
+              <a:rPr lang="en-US" sz="3600" dirty="0" err="1" smtClean="0"/>
+              <a:t>classe</a:t>
+            </a:r>
+            <a:r>
+              <a:rPr lang="en-US" sz="3600" dirty="0" smtClean="0"/>
+              <a:t> unique</a:t>
             </a:r>
           </a:p>
           <a:p>
@@ -4769,9 +7619,45 @@
               <a:buFont typeface="Wingdings" pitchFamily="2" charset="2"/>
               <a:buChar char="Ø"/>
             </a:pPr>
+            <a:endParaRPr lang="en-US" sz="3600" dirty="0" smtClean="0"/>
+          </a:p>
+          <a:p>
+            <a:pPr marL="1320800" indent="-571500" algn="l">
+              <a:buFont typeface="Wingdings" pitchFamily="2" charset="2"/>
+              <a:buChar char="Ø"/>
+            </a:pPr>
+            <a:r>
+              <a:rPr lang="en-US" sz="3600" dirty="0" err="1" smtClean="0"/>
+              <a:t>Annoter</a:t>
+            </a:r>
             <a:r>
               <a:rPr lang="en-US" sz="3600" dirty="0" smtClean="0"/>
-              <a:t>Les champs </a:t>
+              <a:t> </a:t>
+            </a:r>
+            <a:r>
+              <a:rPr lang="en-US" sz="3600" dirty="0" smtClean="0"/>
+              <a:t>les </a:t>
+            </a:r>
+            <a:r>
+              <a:rPr lang="en-US" sz="3600" dirty="0" smtClean="0"/>
+              <a:t>champs</a:t>
+            </a:r>
+          </a:p>
+          <a:p>
+            <a:pPr marL="1320800" indent="-571500" algn="l">
+              <a:buFont typeface="Wingdings" pitchFamily="2" charset="2"/>
+              <a:buChar char="Ø"/>
+            </a:pPr>
+            <a:endParaRPr lang="en-US" sz="3600" dirty="0"/>
+          </a:p>
+          <a:p>
+            <a:pPr marL="1320800" lvl="1" indent="-571500" algn="l">
+              <a:buFont typeface="Wingdings" pitchFamily="2" charset="2"/>
+              <a:buChar char="Ø"/>
+            </a:pPr>
+            <a:r>
+              <a:rPr lang="en-US" sz="3600" dirty="0" smtClean="0"/>
+              <a:t>Les clefs </a:t>
             </a:r>
             <a:r>
               <a:rPr lang="en-US" sz="3600" dirty="0" err="1" smtClean="0"/>
@@ -4783,39 +7669,30 @@
             </a:r>
             <a:r>
               <a:rPr lang="en-US" sz="3600" dirty="0" err="1" smtClean="0"/>
-              <a:t>initialisés</a:t>
-            </a:r>
+              <a:t>injectées</a:t>
+            </a:r>
+            <a:endParaRPr lang="en-US" sz="3600" dirty="0" smtClean="0"/>
+          </a:p>
+          <a:p>
+            <a:pPr marL="749300" algn="l"/>
+            <a:endParaRPr lang="en-US" sz="3600" dirty="0"/>
+          </a:p>
+          <a:p>
+            <a:pPr marL="749300" algn="l"/>
+            <a:endParaRPr lang="en-US" sz="3600" dirty="0" smtClean="0"/>
+          </a:p>
+          <a:p>
+            <a:pPr marL="1320800" indent="-571500" algn="l">
+              <a:buFont typeface="Wingdings" pitchFamily="2" charset="2"/>
+              <a:buChar char="Ø"/>
+            </a:pPr>
+            <a:endParaRPr lang="en-US" sz="3600" dirty="0" smtClean="0"/>
+          </a:p>
+          <a:p>
+            <a:pPr marL="749300" algn="l"/>
             <a:r>
               <a:rPr lang="en-US" sz="3600" dirty="0" smtClean="0"/>
-              <a:t> par </a:t>
-            </a:r>
-            <a:r>
-              <a:rPr lang="en-US" sz="3600" dirty="0" err="1" smtClean="0"/>
-              <a:t>réflexion</a:t>
-            </a:r>
-            <a:r>
-              <a:rPr lang="en-US" sz="3600" dirty="0" smtClean="0"/>
-              <a:t> avec </a:t>
-            </a:r>
-            <a:r>
-              <a:rPr lang="en-US" sz="3600" dirty="0" err="1" smtClean="0"/>
-              <a:t>leur</a:t>
-            </a:r>
-            <a:r>
-              <a:rPr lang="en-US" sz="3600" dirty="0" smtClean="0"/>
-              <a:t> nom au </a:t>
-            </a:r>
-            <a:r>
-              <a:rPr lang="en-US" sz="3600" dirty="0" err="1" smtClean="0"/>
-              <a:t>chargement</a:t>
-            </a:r>
-            <a:r>
-              <a:rPr lang="en-US" sz="3600" dirty="0" smtClean="0"/>
-              <a:t> de la </a:t>
-            </a:r>
-            <a:r>
-              <a:rPr lang="en-US" sz="3600" dirty="0" err="1" smtClean="0"/>
-              <a:t>classe</a:t>
+              <a:t> </a:t>
             </a:r>
             <a:endParaRPr lang="en-US" sz="3600" dirty="0"/>
           </a:p>
@@ -4880,11 +7757,11 @@
   <p:clrMapOvr>
     <a:masterClrMapping/>
   </p:clrMapOvr>
-  <p:transition/>
+  <p:transition xmlns:p14="http://schemas.microsoft.com/office/powerpoint/2010/main"/>
   <p:timing>
     <p:tnLst>
       <p:par>
-        <p:cTn id="1" dur="indefinite" restart="never" nodeType="tmRoot"/>
+        <p:cTn xmlns:p14="http://schemas.microsoft.com/office/powerpoint/2010/main" id="1" dur="indefinite" restart="never" nodeType="tmRoot"/>
       </p:par>
     </p:tnLst>
   </p:timing>
@@ -5011,7 +7888,7 @@
         </p:nvGraphicFramePr>
         <p:xfrm>
           <a:off x="783183" y="6228184"/>
-          <a:ext cx="7668980" cy="2590800"/>
+          <a:ext cx="7668980" cy="2590799"/>
         </p:xfrm>
         <a:graphic>
           <a:graphicData uri="http://schemas.openxmlformats.org/drawingml/2006/table">
@@ -5474,11 +8351,11 @@
   <p:clrMapOvr>
     <a:masterClrMapping/>
   </p:clrMapOvr>
-  <p:transition/>
+  <p:transition xmlns:p14="http://schemas.microsoft.com/office/powerpoint/2010/main"/>
   <p:timing>
     <p:tnLst>
       <p:par>
-        <p:cTn id="1" dur="indefinite" restart="never" nodeType="tmRoot"/>
+        <p:cTn xmlns:p14="http://schemas.microsoft.com/office/powerpoint/2010/main" id="1" dur="indefinite" restart="never" nodeType="tmRoot"/>
       </p:par>
     </p:tnLst>
   </p:timing>
@@ -5539,7 +8416,7 @@
         <p:spPr>
           <a:xfrm>
             <a:off x="1143224" y="683568"/>
-            <a:ext cx="13944600" cy="1872208"/>
+            <a:ext cx="13944600" cy="1080120"/>
           </a:xfrm>
           <a:ln/>
         </p:spPr>
@@ -5548,28 +8425,16 @@
           <a:lstStyle/>
           <a:p>
             <a:r>
+              <a:rPr lang="en-US" sz="6000" dirty="0" err="1" smtClean="0"/>
+              <a:t>Accès</a:t>
+            </a:r>
+            <a:r>
               <a:rPr lang="en-US" sz="6000" dirty="0" smtClean="0"/>
-              <a:t>API </a:t>
+              <a:t> </a:t>
             </a:r>
             <a:r>
               <a:rPr lang="en-US" sz="6000" dirty="0" err="1" smtClean="0"/>
-              <a:t>unifié</a:t>
-            </a:r>
-            <a:r>
-              <a:rPr lang="en-US" sz="6000" dirty="0" smtClean="0"/>
-              <a:t> pour </a:t>
-            </a:r>
-            <a:r>
-              <a:rPr lang="en-US" sz="6000" dirty="0" err="1" smtClean="0"/>
-              <a:t>accèder</a:t>
-            </a:r>
-            <a:r>
-              <a:rPr lang="en-US" sz="6000" dirty="0" smtClean="0"/>
-              <a:t> à </a:t>
-            </a:r>
-            <a:r>
-              <a:rPr lang="en-US" sz="6000" dirty="0" err="1" smtClean="0"/>
-              <a:t>tous</a:t>
+              <a:t>à</a:t>
             </a:r>
             <a:r>
               <a:rPr lang="en-US" sz="6000" dirty="0" smtClean="0"/>
@@ -5605,7 +8470,7 @@
         </p:blipFill>
         <p:spPr>
           <a:xfrm>
-            <a:off x="908715" y="2559300"/>
+            <a:off x="927200" y="2051720"/>
             <a:ext cx="8011373" cy="6333180"/>
           </a:xfrm>
           <a:prstGeom prst="rect">
@@ -5667,11 +8532,11 @@
   <p:clrMapOvr>
     <a:masterClrMapping/>
   </p:clrMapOvr>
-  <p:transition/>
+  <p:transition xmlns:p14="http://schemas.microsoft.com/office/powerpoint/2010/main"/>
   <p:timing>
     <p:tnLst>
       <p:par>
-        <p:cTn id="1" dur="indefinite" restart="never" nodeType="tmRoot"/>
+        <p:cTn xmlns:p14="http://schemas.microsoft.com/office/powerpoint/2010/main" id="1" dur="indefinite" restart="never" nodeType="tmRoot"/>
       </p:par>
     </p:tnLst>
   </p:timing>
@@ -5749,11 +8614,11 @@
   <p:clrMapOvr>
     <a:masterClrMapping/>
   </p:clrMapOvr>
-  <p:transition/>
+  <p:transition xmlns:p14="http://schemas.microsoft.com/office/powerpoint/2010/main"/>
   <p:timing>
     <p:tnLst>
       <p:par>
-        <p:cTn id="1" dur="indefinite" restart="never" nodeType="tmRoot"/>
+        <p:cTn xmlns:p14="http://schemas.microsoft.com/office/powerpoint/2010/main" id="1" dur="indefinite" restart="never" nodeType="tmRoot"/>
       </p:par>
     </p:tnLst>
   </p:timing>
@@ -5779,30 +8644,6 @@
       </p:grpSpPr>
       <p:sp>
         <p:nvSpPr>
-          <p:cNvPr id="30721" name="Rectangle 1"/>
-          <p:cNvSpPr>
-            <a:spLocks noGrp="1" noChangeArrowheads="1"/>
-          </p:cNvSpPr>
-          <p:nvPr>
-            <p:ph type="title"/>
-          </p:nvPr>
-        </p:nvSpPr>
-        <p:spPr>
-          <a:ln/>
-        </p:spPr>
-        <p:txBody>
-          <a:bodyPr/>
-          <a:lstStyle/>
-          <a:p>
-            <a:r>
-              <a:rPr lang="en-US"/>
-              <a:t>Questions ?</a:t>
-            </a:r>
-          </a:p>
-        </p:txBody>
-      </p:sp>
-      <p:sp>
-        <p:nvSpPr>
           <p:cNvPr id="3" name="Espace réservé du numéro de diapositive 3"/>
           <p:cNvSpPr>
             <a:spLocks noGrp="1"/>
@@ -5825,16 +8666,194 @@
           </a:p>
         </p:txBody>
       </p:sp>
+      <p:sp>
+        <p:nvSpPr>
+          <p:cNvPr id="2" name="Rectangle 1"/>
+          <p:cNvSpPr/>
+          <p:nvPr/>
+        </p:nvSpPr>
+        <p:spPr>
+          <a:xfrm>
+            <a:off x="3663504" y="4355976"/>
+            <a:ext cx="7862818" cy="615553"/>
+          </a:xfrm>
+          <a:prstGeom prst="rect">
+            <a:avLst/>
+          </a:prstGeom>
+        </p:spPr>
+        <p:txBody>
+          <a:bodyPr wrap="square">
+            <a:spAutoFit/>
+          </a:bodyPr>
+          <a:lstStyle/>
+          <a:p>
+            <a:r>
+              <a:rPr lang="en-US" dirty="0"/>
+              <a:t>https://</a:t>
+            </a:r>
+            <a:r>
+              <a:rPr lang="en-US" dirty="0" err="1"/>
+              <a:t>github.com</a:t>
+            </a:r>
+            <a:r>
+              <a:rPr lang="en-US" dirty="0"/>
+              <a:t>/</a:t>
+            </a:r>
+            <a:r>
+              <a:rPr lang="en-US" dirty="0" err="1"/>
+              <a:t>dbaeli</a:t>
+            </a:r>
+            <a:r>
+              <a:rPr lang="en-US" dirty="0"/>
+              <a:t>/conf4j</a:t>
+            </a:r>
+            <a:endParaRPr lang="fr-FR" dirty="0"/>
+          </a:p>
+        </p:txBody>
+      </p:sp>
+      <p:sp>
+        <p:nvSpPr>
+          <p:cNvPr id="4" name="Titre 3"/>
+          <p:cNvSpPr>
+            <a:spLocks noGrp="1"/>
+          </p:cNvSpPr>
+          <p:nvPr>
+            <p:ph type="title"/>
+          </p:nvPr>
+        </p:nvSpPr>
+        <p:spPr>
+          <a:xfrm>
+            <a:off x="1071216" y="2339752"/>
+            <a:ext cx="13944600" cy="1202928"/>
+          </a:xfrm>
+        </p:spPr>
+        <p:txBody>
+          <a:bodyPr/>
+          <a:lstStyle/>
+          <a:p>
+            <a:r>
+              <a:rPr lang="fr-FR" dirty="0" smtClean="0"/>
+              <a:t>Ceci n’est pas une librairie</a:t>
+            </a:r>
+            <a:br>
+              <a:rPr lang="fr-FR" dirty="0" smtClean="0"/>
+            </a:br>
+            <a:r>
+              <a:rPr lang="fr-FR" dirty="0" smtClean="0"/>
+              <a:t>Just </a:t>
+            </a:r>
+            <a:r>
+              <a:rPr lang="fr-FR" dirty="0" err="1" smtClean="0"/>
+              <a:t>Fork</a:t>
+            </a:r>
+            <a:r>
+              <a:rPr lang="fr-FR" dirty="0" smtClean="0"/>
+              <a:t> </a:t>
+            </a:r>
+            <a:r>
+              <a:rPr lang="fr-FR" dirty="0" err="1" smtClean="0"/>
+              <a:t>it</a:t>
+            </a:r>
+            <a:r>
+              <a:rPr lang="fr-FR" dirty="0" smtClean="0"/>
+              <a:t> !</a:t>
+            </a:r>
+            <a:endParaRPr lang="fr-FR" dirty="0"/>
+          </a:p>
+        </p:txBody>
+      </p:sp>
+      <p:pic>
+        <p:nvPicPr>
+          <p:cNvPr id="6" name="Picture 2" descr="C:\Users\gdu\Desktop\gilles\lapin\111591.jpg"/>
+          <p:cNvPicPr>
+            <a:picLocks noChangeAspect="1" noChangeArrowheads="1"/>
+          </p:cNvPicPr>
+          <p:nvPr/>
+        </p:nvPicPr>
+        <p:blipFill>
+          <a:blip r:embed="rId2">
+            <a:extLst>
+              <a:ext uri="{28A0092B-C50C-407E-A947-70E740481C1C}">
+                <a14:useLocalDpi xmlns:a14="http://schemas.microsoft.com/office/drawing/2010/main" val="0"/>
+              </a:ext>
+            </a:extLst>
+          </a:blip>
+          <a:srcRect/>
+          <a:stretch>
+            <a:fillRect/>
+          </a:stretch>
+        </p:blipFill>
+        <p:spPr bwMode="auto">
+          <a:xfrm flipH="1">
+            <a:off x="11080328" y="2843808"/>
+            <a:ext cx="2359152" cy="3614928"/>
+          </a:xfrm>
+          <a:prstGeom prst="rect">
+            <a:avLst/>
+          </a:prstGeom>
+          <a:noFill/>
+          <a:extLst>
+            <a:ext uri="{909E8E84-426E-40dd-AFC4-6F175D3DCCD1}">
+              <a14:hiddenFill xmlns:a14="http://schemas.microsoft.com/office/drawing/2010/main">
+                <a:solidFill>
+                  <a:srgbClr val="FFFFFF"/>
+                </a:solidFill>
+              </a14:hiddenFill>
+            </a:ext>
+          </a:extLst>
+        </p:spPr>
+      </p:pic>
+      <p:pic>
+        <p:nvPicPr>
+          <p:cNvPr id="7" name="Picture 3" descr="C:\Users\gdu\Desktop\gilles\lapin\111594.jpg"/>
+          <p:cNvPicPr>
+            <a:picLocks noChangeAspect="1" noChangeArrowheads="1"/>
+          </p:cNvPicPr>
+          <p:nvPr/>
+        </p:nvPicPr>
+        <p:blipFill>
+          <a:blip r:embed="rId3">
+            <a:extLst>
+              <a:ext uri="{28A0092B-C50C-407E-A947-70E740481C1C}">
+                <a14:useLocalDpi xmlns:a14="http://schemas.microsoft.com/office/drawing/2010/main" val="0"/>
+              </a:ext>
+            </a:extLst>
+          </a:blip>
+          <a:srcRect/>
+          <a:stretch>
+            <a:fillRect/>
+          </a:stretch>
+        </p:blipFill>
+        <p:spPr bwMode="auto">
+          <a:xfrm flipH="1">
+            <a:off x="2151336" y="2627784"/>
+            <a:ext cx="1920240" cy="3931920"/>
+          </a:xfrm>
+          <a:prstGeom prst="rect">
+            <a:avLst/>
+          </a:prstGeom>
+          <a:noFill/>
+          <a:extLst>
+            <a:ext uri="{909E8E84-426E-40dd-AFC4-6F175D3DCCD1}">
+              <a14:hiddenFill xmlns:a14="http://schemas.microsoft.com/office/drawing/2010/main">
+                <a:solidFill>
+                  <a:srgbClr val="FFFFFF"/>
+                </a:solidFill>
+              </a14:hiddenFill>
+            </a:ext>
+          </a:extLst>
+        </p:spPr>
+      </p:pic>
     </p:spTree>
   </p:cSld>
   <p:clrMapOvr>
     <a:masterClrMapping/>
   </p:clrMapOvr>
-  <p:transition/>
+  <p:transition xmlns:p14="http://schemas.microsoft.com/office/powerpoint/2010/main"/>
   <p:timing>
     <p:tnLst>
       <p:par>
-        <p:cTn id="1" dur="indefinite" restart="never" nodeType="tmRoot"/>
+        <p:cTn xmlns:p14="http://schemas.microsoft.com/office/powerpoint/2010/main" id="1" dur="indefinite" restart="never" nodeType="tmRoot"/>
       </p:par>
     </p:tnLst>
   </p:timing>
@@ -5935,7 +8954,69 @@
             </a:pPr>
             <a:r>
               <a:rPr lang="fr-FR" sz="3200" b="1" dirty="0" smtClean="0"/>
-              <a:t>Chien de berger Agile pour le site </a:t>
+              <a:t>Chien </a:t>
+            </a:r>
+            <a:r>
+              <a:rPr lang="fr-FR" sz="3200" b="1" dirty="0" smtClean="0"/>
+              <a:t>de berger </a:t>
+            </a:r>
+            <a:r>
+              <a:rPr lang="fr-FR" sz="3200" b="1" dirty="0" smtClean="0"/>
+              <a:t>Agile pour</a:t>
+            </a:r>
+          </a:p>
+          <a:p>
+            <a:pPr marL="342900" indent="-342900" algn="l">
+              <a:buFont typeface="Arial" pitchFamily="34" charset="0"/>
+              <a:buChar char="•"/>
+            </a:pPr>
+            <a:endParaRPr lang="fr-FR" sz="3200" b="1" dirty="0"/>
+          </a:p>
+          <a:p>
+            <a:pPr marL="342900" indent="-342900" algn="l">
+              <a:buFont typeface="Arial" pitchFamily="34" charset="0"/>
+              <a:buChar char="•"/>
+            </a:pPr>
+            <a:endParaRPr lang="fr-FR" sz="3200" b="1" dirty="0" smtClean="0"/>
+          </a:p>
+          <a:p>
+            <a:pPr marL="342900" indent="-342900" algn="l">
+              <a:buFont typeface="Arial" pitchFamily="34" charset="0"/>
+              <a:buChar char="•"/>
+            </a:pPr>
+            <a:r>
+              <a:rPr lang="fr-FR" sz="3200" b="1" dirty="0" smtClean="0"/>
+              <a:t>VP </a:t>
+            </a:r>
+            <a:r>
+              <a:rPr lang="fr-FR" sz="3200" b="1" dirty="0" err="1" smtClean="0"/>
+              <a:t>Quality</a:t>
+            </a:r>
+            <a:r>
+              <a:rPr lang="fr-FR" sz="3200" b="1" dirty="0" smtClean="0"/>
+              <a:t> </a:t>
+            </a:r>
+            <a:r>
+              <a:rPr lang="fr-FR" sz="3200" b="1" dirty="0" err="1" smtClean="0"/>
+              <a:t>eXo</a:t>
+            </a:r>
+            <a:r>
+              <a:rPr lang="fr-FR" sz="3200" b="1" dirty="0" smtClean="0"/>
+              <a:t> Platform</a:t>
+            </a:r>
+          </a:p>
+          <a:p>
+            <a:pPr marL="342900" indent="-342900" algn="l">
+              <a:buFont typeface="Arial" pitchFamily="34" charset="0"/>
+              <a:buChar char="•"/>
+            </a:pPr>
+            <a:r>
+              <a:rPr lang="fr-FR" sz="3200" b="1" dirty="0" smtClean="0"/>
+              <a:t>R&amp;D Prima-Solutions</a:t>
+            </a:r>
+            <a:r>
+              <a:rPr lang="fr-FR" sz="3200" b="1" dirty="0" smtClean="0"/>
+              <a:t>  </a:t>
             </a:r>
             <a:endParaRPr lang="fr-FR" sz="3200" b="1" dirty="0"/>
           </a:p>
@@ -5989,7 +9070,7 @@
             </a:pPr>
             <a:r>
               <a:rPr lang="fr-FR" sz="3200" b="1" dirty="0" err="1" smtClean="0"/>
-              <a:t>dévelopeur</a:t>
+              <a:t>Dévelopeur</a:t>
             </a:r>
             <a:r>
               <a:rPr lang="fr-FR" sz="3200" b="1" dirty="0" smtClean="0"/>
@@ -6003,8 +9084,9 @@
             </a:pPr>
             <a:r>
               <a:rPr lang="fr-FR" sz="3200" b="1" dirty="0" smtClean="0"/>
-              <a:t>architecte pour le site </a:t>
-            </a:r>
+              <a:t>Architecte pour</a:t>
+            </a:r>
+            <a:endParaRPr lang="fr-FR" sz="3200" b="1" dirty="0" smtClean="0"/>
           </a:p>
           <a:p>
             <a:pPr marL="342900" indent="-342900" algn="l">
@@ -6023,15 +9105,7 @@
             </a:pPr>
             <a:r>
               <a:rPr lang="fr-FR" sz="2800" b="1" dirty="0" smtClean="0"/>
-              <a:t>librairie </a:t>
-            </a:r>
-            <a:r>
-              <a:rPr lang="fr-FR" sz="2800" b="1" dirty="0"/>
-              <a:t>graphique </a:t>
-            </a:r>
-            <a:r>
-              <a:rPr lang="fr-FR" sz="2800" b="1" dirty="0" smtClean="0"/>
-              <a:t>2D</a:t>
+              <a:t>librairie graphique 2D</a:t>
             </a:r>
           </a:p>
           <a:p>
@@ -6041,15 +9115,7 @@
             </a:pPr>
             <a:r>
               <a:rPr lang="fr-FR" sz="2800" b="1" dirty="0" smtClean="0"/>
-              <a:t>moteur </a:t>
-            </a:r>
-            <a:r>
-              <a:rPr lang="fr-FR" sz="2800" b="1" dirty="0"/>
-              <a:t>de </a:t>
-            </a:r>
-            <a:r>
-              <a:rPr lang="fr-FR" sz="2800" b="1" dirty="0" smtClean="0"/>
-              <a:t>règles</a:t>
+              <a:t>moteur de règles</a:t>
             </a:r>
           </a:p>
           <a:p>
@@ -6069,15 +9135,7 @@
             </a:pPr>
             <a:r>
               <a:rPr lang="fr-FR" sz="2800" b="1" dirty="0" smtClean="0"/>
-              <a:t>plate-forme </a:t>
-            </a:r>
-            <a:r>
-              <a:rPr lang="fr-FR" sz="2800" b="1" dirty="0"/>
-              <a:t>de services pour </a:t>
-            </a:r>
-            <a:r>
-              <a:rPr lang="fr-FR" sz="2800" b="1" dirty="0" smtClean="0"/>
-              <a:t>J2EE</a:t>
+              <a:t>plate-forme de services pour J2EE</a:t>
             </a:r>
           </a:p>
           <a:p>
@@ -6087,11 +9145,7 @@
             </a:pPr>
             <a:r>
               <a:rPr lang="fr-FR" sz="2800" b="1" dirty="0" smtClean="0"/>
-              <a:t>code </a:t>
-            </a:r>
-            <a:r>
-              <a:rPr lang="fr-FR" sz="2800" b="1" dirty="0"/>
-              <a:t>génération de modèle métier</a:t>
+              <a:t>code génération de modèle métier</a:t>
             </a:r>
             <a:endParaRPr lang="fr-FR" sz="2800" dirty="0"/>
           </a:p>
@@ -6121,36 +9175,6 @@
           </a:p>
         </p:txBody>
       </p:sp>
-      <p:pic>
-        <p:nvPicPr>
-          <p:cNvPr id="8" name="Image 7"/>
-          <p:cNvPicPr>
-            <a:picLocks noChangeAspect="1"/>
-          </p:cNvPicPr>
-          <p:nvPr/>
-        </p:nvPicPr>
-        <p:blipFill>
-          <a:blip r:embed="rId2">
-            <a:extLst>
-              <a:ext uri="{28A0092B-C50C-407E-A947-70E740481C1C}">
-                <a14:useLocalDpi xmlns:a14="http://schemas.microsoft.com/office/drawing/2010/main" val="0"/>
-              </a:ext>
-            </a:extLst>
-          </a:blip>
-          <a:stretch>
-            <a:fillRect/>
-          </a:stretch>
-        </p:blipFill>
-        <p:spPr>
-          <a:xfrm>
-            <a:off x="12880528" y="3510562"/>
-            <a:ext cx="1093470" cy="373380"/>
-          </a:xfrm>
-          <a:prstGeom prst="rect">
-            <a:avLst/>
-          </a:prstGeom>
-        </p:spPr>
-      </p:pic>
       <p:pic>
         <p:nvPicPr>
           <p:cNvPr id="11" name="Image 10"/>
@@ -6173,8 +9197,38 @@
         </p:blipFill>
         <p:spPr>
           <a:xfrm>
-            <a:off x="1215232" y="3510562"/>
-            <a:ext cx="1093470" cy="373380"/>
+            <a:off x="5247680" y="3491880"/>
+            <a:ext cx="2475855" cy="845414"/>
+          </a:xfrm>
+          <a:prstGeom prst="rect">
+            <a:avLst/>
+          </a:prstGeom>
+        </p:spPr>
+      </p:pic>
+      <p:pic>
+        <p:nvPicPr>
+          <p:cNvPr id="12" name="Image 11"/>
+          <p:cNvPicPr>
+            <a:picLocks noChangeAspect="1"/>
+          </p:cNvPicPr>
+          <p:nvPr/>
+        </p:nvPicPr>
+        <p:blipFill>
+          <a:blip r:embed="rId2">
+            <a:extLst>
+              <a:ext uri="{28A0092B-C50C-407E-A947-70E740481C1C}">
+                <a14:useLocalDpi xmlns:a14="http://schemas.microsoft.com/office/drawing/2010/main" val="0"/>
+              </a:ext>
+            </a:extLst>
+          </a:blip>
+          <a:stretch>
+            <a:fillRect/>
+          </a:stretch>
+        </p:blipFill>
+        <p:spPr>
+          <a:xfrm>
+            <a:off x="12376472" y="3419872"/>
+            <a:ext cx="2475855" cy="845414"/>
           </a:xfrm>
           <a:prstGeom prst="rect">
             <a:avLst/>
@@ -6191,11 +9245,11 @@
   <p:clrMapOvr>
     <a:masterClrMapping/>
   </p:clrMapOvr>
-  <p:transition/>
+  <p:transition xmlns:p14="http://schemas.microsoft.com/office/powerpoint/2010/main"/>
   <p:timing>
     <p:tnLst>
       <p:par>
-        <p:cTn id="1" dur="indefinite" restart="never" nodeType="tmRoot"/>
+        <p:cTn xmlns:p14="http://schemas.microsoft.com/office/powerpoint/2010/main" id="1" dur="indefinite" restart="never" nodeType="tmRoot"/>
       </p:par>
     </p:tnLst>
   </p:timing>
@@ -6245,7 +9299,11 @@
             </a:pPr>
             <a:r>
               <a:rPr lang="fr-FR" sz="4400" dirty="0" smtClean="0"/>
-              <a:t>La configuration à chaud d’une application est complexe et difficile à maîtriser</a:t>
+              <a:t> La </a:t>
+            </a:r>
+            <a:r>
+              <a:rPr lang="fr-FR" sz="4400" dirty="0" smtClean="0"/>
+              <a:t>configuration à chaud d’une application est complexe et difficile à maîtriser</a:t>
             </a:r>
           </a:p>
           <a:p>
@@ -6255,7 +9313,11 @@
             </a:pPr>
             <a:r>
               <a:rPr lang="fr-FR" sz="4400" dirty="0" smtClean="0"/>
-              <a:t>La configuration statique est très commune dans les systèmes d’exploitation</a:t>
+              <a:t> La </a:t>
+            </a:r>
+            <a:r>
+              <a:rPr lang="fr-FR" sz="4400" dirty="0" smtClean="0"/>
+              <a:t>configuration statique est très commune dans les systèmes d’exploitation</a:t>
             </a:r>
           </a:p>
           <a:p>
@@ -6265,7 +9327,11 @@
             </a:pPr>
             <a:r>
               <a:rPr lang="fr-FR" sz="4400" dirty="0" smtClean="0"/>
-              <a:t>La gouvernance de la configuration des applications est assez mal maîtrisée</a:t>
+              <a:t> La </a:t>
+            </a:r>
+            <a:r>
+              <a:rPr lang="fr-FR" sz="4400" dirty="0" smtClean="0"/>
+              <a:t>gouvernance de la configuration des applications est assez mal maîtrisée</a:t>
             </a:r>
           </a:p>
           <a:p>
@@ -6275,7 +9341,11 @@
             </a:pPr>
             <a:r>
               <a:rPr lang="fr-FR" sz="4400" dirty="0" smtClean="0"/>
-              <a:t>XML est un langage très pénible pour configurer une application depuis une console</a:t>
+              <a:t> XML </a:t>
+            </a:r>
+            <a:r>
+              <a:rPr lang="fr-FR" sz="4400" dirty="0" smtClean="0"/>
+              <a:t>est un langage très pénible pour configurer une application depuis une console</a:t>
             </a:r>
           </a:p>
           <a:p>
@@ -6330,14 +9400,14 @@
           </a:ln>
           <a:effectLst/>
           <a:extLst>
-            <a:ext uri="{909E8E84-426E-40DD-AFC4-6F175D3DCCD1}">
+            <a:ext uri="{909E8E84-426E-40dd-AFC4-6F175D3DCCD1}">
               <a14:hiddenFill xmlns:a14="http://schemas.microsoft.com/office/drawing/2010/main">
                 <a:solidFill>
                   <a:srgbClr val="FFFFFF"/>
                 </a:solidFill>
               </a14:hiddenFill>
             </a:ext>
-            <a:ext uri="{91240B29-F687-4F45-9708-019B960494DF}">
+            <a:ext uri="{91240B29-F687-4f45-9708-019B960494DF}">
               <a14:hiddenLine xmlns:a14="http://schemas.microsoft.com/office/drawing/2010/main" w="12700">
                 <a:solidFill>
                   <a:schemeClr val="tx1"/>
@@ -6347,7 +9417,7 @@
                 <a:tailEnd/>
               </a14:hiddenLine>
             </a:ext>
-            <a:ext uri="{AF507438-7753-43E0-B8FC-AC1667EBCBE1}">
+            <a:ext uri="{AF507438-7753-43e0-B8FC-AC1667EBCBE1}">
               <a14:hiddenEffects xmlns:a14="http://schemas.microsoft.com/office/drawing/2010/main">
                 <a:effectLst>
                   <a:outerShdw blurRad="63500" dist="38099" dir="2700000" algn="ctr" rotWithShape="0">
@@ -6359,7 +9429,7 @@
               </a14:hiddenEffects>
             </a:ext>
             <a:ext uri="{FAA26D3D-D897-4be2-8F04-BA451C77F1D7}">
-              <ma14:placeholderFlag xmlns="" xmlns:ma14="http://schemas.microsoft.com/office/mac/drawingml/2011/main" val="1"/>
+              <ma14:placeholderFlag xmlns:ma14="http://schemas.microsoft.com/office/mac/drawingml/2011/main" val="1"/>
             </a:ext>
           </a:extLst>
         </p:spPr>
@@ -6527,15 +9597,11 @@
           <a:p>
             <a:r>
               <a:rPr lang="en-US" sz="5900" dirty="0" smtClean="0"/>
-              <a:t>La jungle en </a:t>
+              <a:t>La jungle </a:t>
             </a:r>
             <a:r>
               <a:rPr lang="en-US" sz="5900" dirty="0" err="1" smtClean="0"/>
-              <a:t>quelques</a:t>
-            </a:r>
-            <a:r>
-              <a:rPr lang="en-US" sz="5900" dirty="0" smtClean="0"/>
-              <a:t> mots</a:t>
+              <a:t>DevOps</a:t>
             </a:r>
             <a:endParaRPr lang="en-US" sz="5900" dirty="0"/>
           </a:p>
@@ -6546,11 +9612,11 @@
   <p:clrMapOvr>
     <a:masterClrMapping/>
   </p:clrMapOvr>
-  <p:transition/>
+  <p:transition xmlns:p14="http://schemas.microsoft.com/office/powerpoint/2010/main"/>
   <p:timing>
     <p:tnLst>
       <p:par>
-        <p:cTn id="1" dur="indefinite" restart="never" nodeType="tmRoot"/>
+        <p:cTn xmlns:p14="http://schemas.microsoft.com/office/powerpoint/2010/main" id="1" dur="indefinite" restart="never" nodeType="tmRoot"/>
       </p:par>
     </p:tnLst>
   </p:timing>
@@ -6605,7 +9671,7 @@
           </a:prstGeom>
           <a:noFill/>
           <a:extLst>
-            <a:ext uri="{909E8E84-426E-40DD-AFC4-6F175D3DCCD1}">
+            <a:ext uri="{909E8E84-426E-40dd-AFC4-6F175D3DCCD1}">
               <a14:hiddenFill xmlns:a14="http://schemas.microsoft.com/office/drawing/2010/main">
                 <a:solidFill>
                   <a:srgbClr val="FFFFFF"/>
@@ -6934,7 +10000,7 @@
           </a:prstGeom>
           <a:noFill/>
           <a:extLst>
-            <a:ext uri="{909E8E84-426E-40DD-AFC4-6F175D3DCCD1}">
+            <a:ext uri="{909E8E84-426E-40dd-AFC4-6F175D3DCCD1}">
               <a14:hiddenFill xmlns:a14="http://schemas.microsoft.com/office/drawing/2010/main">
                 <a:solidFill>
                   <a:srgbClr val="FFFFFF"/>
@@ -6997,11 +10063,11 @@
   <p:clrMapOvr>
     <a:masterClrMapping/>
   </p:clrMapOvr>
-  <p:transition/>
+  <p:transition xmlns:p14="http://schemas.microsoft.com/office/powerpoint/2010/main"/>
   <p:timing>
     <p:tnLst>
       <p:par>
-        <p:cTn id="1" dur="indefinite" restart="never" nodeType="tmRoot"/>
+        <p:cTn xmlns:p14="http://schemas.microsoft.com/office/powerpoint/2010/main" id="1" dur="indefinite" restart="never" nodeType="tmRoot"/>
       </p:par>
     </p:tnLst>
   </p:timing>
@@ -7056,7 +10122,7 @@
           </a:prstGeom>
           <a:noFill/>
           <a:extLst>
-            <a:ext uri="{909E8E84-426E-40DD-AFC4-6F175D3DCCD1}">
+            <a:ext uri="{909E8E84-426E-40dd-AFC4-6F175D3DCCD1}">
               <a14:hiddenFill xmlns:a14="http://schemas.microsoft.com/office/drawing/2010/main">
                 <a:solidFill>
                   <a:srgbClr val="FFFFFF"/>
@@ -7321,7 +10387,7 @@
         <p:spPr>
           <a:xfrm flipH="1">
             <a:off x="11728400" y="2835393"/>
-            <a:ext cx="4104456" cy="3857573"/>
+            <a:ext cx="4320480" cy="3857573"/>
           </a:xfrm>
           <a:prstGeom prst="wedgeRoundRectCallout">
             <a:avLst>
@@ -7445,7 +10511,7 @@
           </a:prstGeom>
           <a:noFill/>
           <a:extLst>
-            <a:ext uri="{909E8E84-426E-40DD-AFC4-6F175D3DCCD1}">
+            <a:ext uri="{909E8E84-426E-40dd-AFC4-6F175D3DCCD1}">
               <a14:hiddenFill xmlns:a14="http://schemas.microsoft.com/office/drawing/2010/main">
                 <a:solidFill>
                   <a:srgbClr val="FFFFFF"/>
@@ -7477,14 +10543,14 @@
           </a:ln>
           <a:effectLst/>
           <a:extLst>
-            <a:ext uri="{909E8E84-426E-40DD-AFC4-6F175D3DCCD1}">
+            <a:ext uri="{909E8E84-426E-40dd-AFC4-6F175D3DCCD1}">
               <a14:hiddenFill xmlns:a14="http://schemas.microsoft.com/office/drawing/2010/main">
                 <a:solidFill>
                   <a:srgbClr val="FFFFFF"/>
                 </a:solidFill>
               </a14:hiddenFill>
             </a:ext>
-            <a:ext uri="{91240B29-F687-4F45-9708-019B960494DF}">
+            <a:ext uri="{91240B29-F687-4f45-9708-019B960494DF}">
               <a14:hiddenLine xmlns:a14="http://schemas.microsoft.com/office/drawing/2010/main" w="12700">
                 <a:solidFill>
                   <a:schemeClr val="tx1"/>
@@ -7494,7 +10560,7 @@
                 <a:tailEnd/>
               </a14:hiddenLine>
             </a:ext>
-            <a:ext uri="{AF507438-7753-43E0-B8FC-AC1667EBCBE1}">
+            <a:ext uri="{AF507438-7753-43e0-B8FC-AC1667EBCBE1}">
               <a14:hiddenEffects xmlns:a14="http://schemas.microsoft.com/office/drawing/2010/main">
                 <a:effectLst>
                   <a:outerShdw blurRad="63500" dist="38099" dir="2700000" algn="ctr" rotWithShape="0">
@@ -7506,7 +10572,7 @@
               </a14:hiddenEffects>
             </a:ext>
             <a:ext uri="{FAA26D3D-D897-4be2-8F04-BA451C77F1D7}">
-              <ma14:placeholderFlag xmlns="" xmlns:ma14="http://schemas.microsoft.com/office/mac/drawingml/2011/main" val="1"/>
+              <ma14:placeholderFlag xmlns:ma14="http://schemas.microsoft.com/office/mac/drawingml/2011/main" val="1"/>
             </a:ext>
           </a:extLst>
         </p:spPr>
@@ -8115,11 +11181,11 @@
   <p:clrMapOvr>
     <a:masterClrMapping/>
   </p:clrMapOvr>
-  <p:transition/>
+  <p:transition xmlns:p14="http://schemas.microsoft.com/office/powerpoint/2010/main"/>
   <p:timing>
     <p:tnLst>
       <p:par>
-        <p:cTn id="1" dur="indefinite" restart="never" nodeType="tmRoot"/>
+        <p:cTn xmlns:p14="http://schemas.microsoft.com/office/powerpoint/2010/main" id="1" dur="indefinite" restart="never" nodeType="tmRoot"/>
       </p:par>
     </p:tnLst>
   </p:timing>
@@ -8174,7 +11240,7 @@
           </a:prstGeom>
           <a:noFill/>
           <a:extLst>
-            <a:ext uri="{909E8E84-426E-40DD-AFC4-6F175D3DCCD1}">
+            <a:ext uri="{909E8E84-426E-40dd-AFC4-6F175D3DCCD1}">
               <a14:hiddenFill xmlns:a14="http://schemas.microsoft.com/office/drawing/2010/main">
                 <a:solidFill>
                   <a:srgbClr val="FFFFFF"/>
@@ -8609,7 +11675,7 @@
           </a:prstGeom>
           <a:noFill/>
           <a:extLst>
-            <a:ext uri="{909E8E84-426E-40DD-AFC4-6F175D3DCCD1}">
+            <a:ext uri="{909E8E84-426E-40dd-AFC4-6F175D3DCCD1}">
               <a14:hiddenFill xmlns:a14="http://schemas.microsoft.com/office/drawing/2010/main">
                 <a:solidFill>
                   <a:srgbClr val="FFFFFF"/>
@@ -8641,14 +11707,14 @@
           </a:ln>
           <a:effectLst/>
           <a:extLst>
-            <a:ext uri="{909E8E84-426E-40DD-AFC4-6F175D3DCCD1}">
+            <a:ext uri="{909E8E84-426E-40dd-AFC4-6F175D3DCCD1}">
               <a14:hiddenFill xmlns:a14="http://schemas.microsoft.com/office/drawing/2010/main">
                 <a:solidFill>
                   <a:srgbClr val="FFFFFF"/>
                 </a:solidFill>
               </a14:hiddenFill>
             </a:ext>
-            <a:ext uri="{91240B29-F687-4F45-9708-019B960494DF}">
+            <a:ext uri="{91240B29-F687-4f45-9708-019B960494DF}">
               <a14:hiddenLine xmlns:a14="http://schemas.microsoft.com/office/drawing/2010/main" w="12700">
                 <a:solidFill>
                   <a:schemeClr val="tx1"/>
@@ -8658,7 +11724,7 @@
                 <a:tailEnd/>
               </a14:hiddenLine>
             </a:ext>
-            <a:ext uri="{AF507438-7753-43E0-B8FC-AC1667EBCBE1}">
+            <a:ext uri="{AF507438-7753-43e0-B8FC-AC1667EBCBE1}">
               <a14:hiddenEffects xmlns:a14="http://schemas.microsoft.com/office/drawing/2010/main">
                 <a:effectLst>
                   <a:outerShdw blurRad="63500" dist="38099" dir="2700000" algn="ctr" rotWithShape="0">
@@ -8670,7 +11736,7 @@
               </a14:hiddenEffects>
             </a:ext>
             <a:ext uri="{FAA26D3D-D897-4be2-8F04-BA451C77F1D7}">
-              <ma14:placeholderFlag xmlns="" xmlns:ma14="http://schemas.microsoft.com/office/mac/drawingml/2011/main" val="1"/>
+              <ma14:placeholderFlag xmlns:ma14="http://schemas.microsoft.com/office/mac/drawingml/2011/main" val="1"/>
             </a:ext>
           </a:extLst>
         </p:spPr>
@@ -8880,11 +11946,11 @@
   <p:clrMapOvr>
     <a:masterClrMapping/>
   </p:clrMapOvr>
-  <p:transition/>
+  <p:transition xmlns:p14="http://schemas.microsoft.com/office/powerpoint/2010/main"/>
   <p:timing>
     <p:tnLst>
       <p:par>
-        <p:cTn id="1" dur="indefinite" restart="never" nodeType="tmRoot"/>
+        <p:cTn xmlns:p14="http://schemas.microsoft.com/office/powerpoint/2010/main" id="1" dur="indefinite" restart="never" nodeType="tmRoot"/>
       </p:par>
     </p:tnLst>
   </p:timing>
@@ -8939,7 +12005,7 @@
           </a:prstGeom>
           <a:noFill/>
           <a:extLst>
-            <a:ext uri="{909E8E84-426E-40DD-AFC4-6F175D3DCCD1}">
+            <a:ext uri="{909E8E84-426E-40dd-AFC4-6F175D3DCCD1}">
               <a14:hiddenFill xmlns:a14="http://schemas.microsoft.com/office/drawing/2010/main">
                 <a:solidFill>
                   <a:srgbClr val="FFFFFF"/>
@@ -8980,7 +12046,7 @@
           </a:prstGeom>
           <a:noFill/>
           <a:extLst>
-            <a:ext uri="{909E8E84-426E-40DD-AFC4-6F175D3DCCD1}">
+            <a:ext uri="{909E8E84-426E-40dd-AFC4-6F175D3DCCD1}">
               <a14:hiddenFill xmlns:a14="http://schemas.microsoft.com/office/drawing/2010/main">
                 <a:solidFill>
                   <a:srgbClr val="FFFFFF"/>
@@ -9054,7 +12120,7 @@
             <a:pPr algn="ctr"/>
             <a:r>
               <a:rPr lang="en-US" sz="2800" b="1" dirty="0" err="1" smtClean="0"/>
-              <a:t>Est-ce</a:t>
+              <a:t>Quels</a:t>
             </a:r>
             <a:r>
               <a:rPr lang="en-US" sz="2800" b="1" dirty="0" smtClean="0"/>
@@ -9062,7 +12128,31 @@
             </a:r>
             <a:r>
               <a:rPr lang="en-US" sz="2800" b="1" dirty="0" err="1" smtClean="0"/>
-              <a:t>que</a:t>
+              <a:t>sont</a:t>
+            </a:r>
+            <a:r>
+              <a:rPr lang="en-US" sz="2800" b="1" dirty="0" smtClean="0"/>
+              <a:t> les </a:t>
+            </a:r>
+            <a:r>
+              <a:rPr lang="en-US" sz="2800" b="1" dirty="0" err="1" smtClean="0"/>
+              <a:t>paramètres</a:t>
+            </a:r>
+            <a:r>
+              <a:rPr lang="en-US" sz="2800" b="1" dirty="0" smtClean="0"/>
+              <a:t> de </a:t>
+            </a:r>
+            <a:r>
+              <a:rPr lang="en-US" sz="2800" b="1" dirty="0" err="1" smtClean="0"/>
+              <a:t>l’application</a:t>
+            </a:r>
+            <a:r>
+              <a:rPr lang="en-US" sz="2800" b="1" dirty="0" smtClean="0"/>
+              <a:t> et </a:t>
+            </a:r>
+            <a:r>
+              <a:rPr lang="en-US" sz="2800" b="1" dirty="0" err="1" smtClean="0"/>
+              <a:t>leurs</a:t>
             </a:r>
             <a:r>
               <a:rPr lang="en-US" sz="2800" b="1" dirty="0" smtClean="0"/>
@@ -9070,68 +12160,17 @@
             </a:r>
             <a:r>
               <a:rPr lang="en-US" sz="2800" b="1" dirty="0" err="1" smtClean="0"/>
-              <a:t>vous</a:t>
-            </a:r>
-            <a:r>
-              <a:rPr lang="en-US" sz="2800" b="1" dirty="0" smtClean="0"/>
-              <a:t> </a:t>
-            </a:r>
-            <a:r>
-              <a:rPr lang="en-US" sz="2800" b="1" dirty="0" err="1" smtClean="0"/>
-              <a:t>pouvez</a:t>
-            </a:r>
-            <a:r>
-              <a:rPr lang="en-US" sz="2800" b="1" dirty="0" smtClean="0"/>
-              <a:t> me </a:t>
-            </a:r>
-            <a:r>
-              <a:rPr lang="en-US" sz="2800" b="1" dirty="0" err="1" smtClean="0"/>
-              <a:t>transmettre</a:t>
-            </a:r>
-            <a:r>
-              <a:rPr lang="en-US" sz="2800" b="1" dirty="0" smtClean="0"/>
-              <a:t> </a:t>
-            </a:r>
-            <a:r>
-              <a:rPr lang="en-US" sz="2800" b="1" dirty="0" err="1" smtClean="0"/>
-              <a:t>tous</a:t>
-            </a:r>
-            <a:r>
-              <a:rPr lang="en-US" sz="2800" b="1" dirty="0" smtClean="0"/>
-              <a:t> les </a:t>
-            </a:r>
-            <a:r>
-              <a:rPr lang="en-US" sz="2800" b="1" dirty="0" err="1" smtClean="0"/>
-              <a:t>paramètres</a:t>
+              <a:t>valeurs</a:t>
             </a:r>
             <a:r>
               <a:rPr lang="en-US" sz="2800" b="1" dirty="0" smtClean="0"/>
               <a:t> de </a:t>
             </a:r>
             <a:r>
-              <a:rPr lang="en-US" sz="2800" b="1" dirty="0" err="1" smtClean="0"/>
-              <a:t>l’application</a:t>
-            </a:r>
-            <a:r>
               <a:rPr lang="en-US" sz="2800" b="1" dirty="0" smtClean="0"/>
-              <a:t> et </a:t>
-            </a:r>
-            <a:r>
-              <a:rPr lang="en-US" sz="2800" b="1" dirty="0" err="1" smtClean="0"/>
-              <a:t>leurs</a:t>
-            </a:r>
-            <a:r>
-              <a:rPr lang="en-US" sz="2800" b="1" dirty="0" smtClean="0"/>
-              <a:t> </a:t>
-            </a:r>
-            <a:r>
-              <a:rPr lang="en-US" sz="2800" b="1" dirty="0" err="1" smtClean="0"/>
-              <a:t>valeurs</a:t>
-            </a:r>
-            <a:r>
-              <a:rPr lang="en-US" sz="2800" b="1" dirty="0" smtClean="0"/>
-              <a:t> de production</a:t>
-            </a:r>
+              <a:t>production ?</a:t>
+            </a:r>
+            <a:endParaRPr lang="en-US" sz="2800" b="1" dirty="0" smtClean="0"/>
           </a:p>
         </p:txBody>
       </p:sp>
@@ -9144,7 +12183,7 @@
         <p:spPr>
           <a:xfrm>
             <a:off x="4003364" y="5490524"/>
-            <a:ext cx="6031868" cy="2393844"/>
+            <a:ext cx="6644916" cy="2393844"/>
           </a:xfrm>
           <a:prstGeom prst="wedgeRoundRectCallout">
             <a:avLst>
@@ -9175,7 +12214,19 @@
             <a:pPr algn="ctr"/>
             <a:r>
               <a:rPr lang="en-US" sz="2800" b="1" dirty="0" err="1" smtClean="0"/>
-              <a:t>Est-ce</a:t>
+              <a:t>Quelles</a:t>
+            </a:r>
+            <a:r>
+              <a:rPr lang="en-US" sz="2800" b="1" dirty="0" smtClean="0"/>
+              <a:t> variables </a:t>
+            </a:r>
+            <a:r>
+              <a:rPr lang="en-US" sz="2800" b="1" dirty="0" smtClean="0"/>
+              <a:t>de JVM </a:t>
+            </a:r>
+            <a:r>
+              <a:rPr lang="en-US" sz="2800" b="1" dirty="0" err="1" smtClean="0"/>
+              <a:t>sont</a:t>
             </a:r>
             <a:r>
               <a:rPr lang="en-US" sz="2800" b="1" dirty="0" smtClean="0"/>
@@ -9183,60 +12234,29 @@
             </a:r>
             <a:r>
               <a:rPr lang="en-US" sz="2800" b="1" dirty="0" err="1" smtClean="0"/>
-              <a:t>que</a:t>
+              <a:t>utilisées</a:t>
             </a:r>
             <a:r>
               <a:rPr lang="en-US" sz="2800" b="1" dirty="0" smtClean="0"/>
               <a:t> </a:t>
             </a:r>
             <a:r>
+              <a:rPr lang="en-US" sz="2800" b="1" dirty="0" smtClean="0"/>
+              <a:t>par </a:t>
+            </a:r>
+            <a:r>
               <a:rPr lang="en-US" sz="2800" b="1" dirty="0" err="1" smtClean="0"/>
-              <a:t>vous</a:t>
+              <a:t>notre</a:t>
             </a:r>
             <a:r>
               <a:rPr lang="en-US" sz="2800" b="1" dirty="0" smtClean="0"/>
               <a:t> </a:t>
             </a:r>
             <a:r>
-              <a:rPr lang="en-US" sz="2800" b="1" dirty="0" err="1" smtClean="0"/>
-              <a:t>pouvez</a:t>
-            </a:r>
-            <a:r>
               <a:rPr lang="en-US" sz="2800" b="1" dirty="0" smtClean="0"/>
-              <a:t> me </a:t>
-            </a:r>
-            <a:r>
-              <a:rPr lang="en-US" sz="2800" b="1" dirty="0" err="1" smtClean="0"/>
-              <a:t>donner</a:t>
-            </a:r>
-            <a:r>
-              <a:rPr lang="en-US" sz="2800" b="1" dirty="0" smtClean="0"/>
-              <a:t> </a:t>
-            </a:r>
-            <a:r>
-              <a:rPr lang="en-US" sz="2800" b="1" dirty="0" err="1" smtClean="0"/>
-              <a:t>toutes</a:t>
-            </a:r>
-            <a:r>
-              <a:rPr lang="en-US" sz="2800" b="1" dirty="0" smtClean="0"/>
-              <a:t> les variables de JVM </a:t>
-            </a:r>
-            <a:r>
-              <a:rPr lang="en-US" sz="2800" b="1" dirty="0" err="1" smtClean="0"/>
-              <a:t>utilisées</a:t>
-            </a:r>
-            <a:r>
-              <a:rPr lang="en-US" sz="2800" b="1" dirty="0" smtClean="0"/>
-              <a:t> par </a:t>
-            </a:r>
-            <a:r>
-              <a:rPr lang="en-US" sz="2800" b="1" dirty="0" err="1" smtClean="0"/>
-              <a:t>notre</a:t>
-            </a:r>
-            <a:r>
-              <a:rPr lang="en-US" sz="2800" b="1" dirty="0" smtClean="0"/>
-              <a:t> application</a:t>
-            </a:r>
+              <a:t>application ?</a:t>
+            </a:r>
+            <a:endParaRPr lang="en-US" sz="2800" b="1" dirty="0" smtClean="0"/>
           </a:p>
         </p:txBody>
       </p:sp>
@@ -9310,14 +12330,14 @@
           </a:ln>
           <a:effectLst/>
           <a:extLst>
-            <a:ext uri="{909E8E84-426E-40DD-AFC4-6F175D3DCCD1}">
+            <a:ext uri="{909E8E84-426E-40dd-AFC4-6F175D3DCCD1}">
               <a14:hiddenFill xmlns:a14="http://schemas.microsoft.com/office/drawing/2010/main">
                 <a:solidFill>
                   <a:srgbClr val="FFFFFF"/>
                 </a:solidFill>
               </a14:hiddenFill>
             </a:ext>
-            <a:ext uri="{91240B29-F687-4F45-9708-019B960494DF}">
+            <a:ext uri="{91240B29-F687-4f45-9708-019B960494DF}">
               <a14:hiddenLine xmlns:a14="http://schemas.microsoft.com/office/drawing/2010/main" w="12700">
                 <a:solidFill>
                   <a:schemeClr val="tx1"/>
@@ -9327,7 +12347,7 @@
                 <a:tailEnd/>
               </a14:hiddenLine>
             </a:ext>
-            <a:ext uri="{AF507438-7753-43E0-B8FC-AC1667EBCBE1}">
+            <a:ext uri="{AF507438-7753-43e0-B8FC-AC1667EBCBE1}">
               <a14:hiddenEffects xmlns:a14="http://schemas.microsoft.com/office/drawing/2010/main">
                 <a:effectLst>
                   <a:outerShdw blurRad="63500" dist="38099" dir="2700000" algn="ctr" rotWithShape="0">
@@ -9339,7 +12359,7 @@
               </a14:hiddenEffects>
             </a:ext>
             <a:ext uri="{FAA26D3D-D897-4be2-8F04-BA451C77F1D7}">
-              <ma14:placeholderFlag xmlns="" xmlns:ma14="http://schemas.microsoft.com/office/mac/drawingml/2011/main" val="1"/>
+              <ma14:placeholderFlag xmlns:ma14="http://schemas.microsoft.com/office/mac/drawingml/2011/main" val="1"/>
             </a:ext>
           </a:extLst>
         </p:spPr>
@@ -9541,11 +12561,11 @@
   <p:clrMapOvr>
     <a:masterClrMapping/>
   </p:clrMapOvr>
-  <p:transition/>
+  <p:transition xmlns:p14="http://schemas.microsoft.com/office/powerpoint/2010/main"/>
   <p:timing>
     <p:tnLst>
       <p:par>
-        <p:cTn id="1" dur="indefinite" restart="never" nodeType="tmRoot"/>
+        <p:cTn xmlns:p14="http://schemas.microsoft.com/office/powerpoint/2010/main" id="1" dur="indefinite" restart="never" nodeType="tmRoot"/>
       </p:par>
     </p:tnLst>
   </p:timing>
@@ -9600,7 +12620,7 @@
           </a:prstGeom>
           <a:noFill/>
           <a:extLst>
-            <a:ext uri="{909E8E84-426E-40DD-AFC4-6F175D3DCCD1}">
+            <a:ext uri="{909E8E84-426E-40dd-AFC4-6F175D3DCCD1}">
               <a14:hiddenFill xmlns:a14="http://schemas.microsoft.com/office/drawing/2010/main">
                 <a:solidFill>
                   <a:srgbClr val="FFFFFF"/>
@@ -9641,7 +12661,7 @@
           </a:prstGeom>
           <a:noFill/>
           <a:extLst>
-            <a:ext uri="{909E8E84-426E-40DD-AFC4-6F175D3DCCD1}">
+            <a:ext uri="{909E8E84-426E-40dd-AFC4-6F175D3DCCD1}">
               <a14:hiddenFill xmlns:a14="http://schemas.microsoft.com/office/drawing/2010/main">
                 <a:solidFill>
                   <a:srgbClr val="FFFFFF"/>
@@ -9683,8 +12703,8 @@
         </p:nvSpPr>
         <p:spPr>
           <a:xfrm>
-            <a:off x="5031656" y="2857482"/>
-            <a:ext cx="5512292" cy="2074558"/>
+            <a:off x="4167560" y="2857482"/>
+            <a:ext cx="6376388" cy="2074558"/>
           </a:xfrm>
           <a:prstGeom prst="wedgeRoundRectCallout">
             <a:avLst>
@@ -9939,14 +12959,14 @@
           </a:ln>
           <a:effectLst/>
           <a:extLst>
-            <a:ext uri="{909E8E84-426E-40DD-AFC4-6F175D3DCCD1}">
+            <a:ext uri="{909E8E84-426E-40dd-AFC4-6F175D3DCCD1}">
               <a14:hiddenFill xmlns:a14="http://schemas.microsoft.com/office/drawing/2010/main">
                 <a:solidFill>
                   <a:srgbClr val="FFFFFF"/>
                 </a:solidFill>
               </a14:hiddenFill>
             </a:ext>
-            <a:ext uri="{91240B29-F687-4F45-9708-019B960494DF}">
+            <a:ext uri="{91240B29-F687-4f45-9708-019B960494DF}">
               <a14:hiddenLine xmlns:a14="http://schemas.microsoft.com/office/drawing/2010/main" w="12700">
                 <a:solidFill>
                   <a:schemeClr val="tx1"/>
@@ -9956,7 +12976,7 @@
                 <a:tailEnd/>
               </a14:hiddenLine>
             </a:ext>
-            <a:ext uri="{AF507438-7753-43E0-B8FC-AC1667EBCBE1}">
+            <a:ext uri="{AF507438-7753-43e0-B8FC-AC1667EBCBE1}">
               <a14:hiddenEffects xmlns:a14="http://schemas.microsoft.com/office/drawing/2010/main">
                 <a:effectLst>
                   <a:outerShdw blurRad="63500" dist="38099" dir="2700000" algn="ctr" rotWithShape="0">
@@ -9968,7 +12988,7 @@
               </a14:hiddenEffects>
             </a:ext>
             <a:ext uri="{FAA26D3D-D897-4be2-8F04-BA451C77F1D7}">
-              <ma14:placeholderFlag xmlns="" xmlns:ma14="http://schemas.microsoft.com/office/mac/drawingml/2011/main" val="1"/>
+              <ma14:placeholderFlag xmlns:ma14="http://schemas.microsoft.com/office/mac/drawingml/2011/main" val="1"/>
             </a:ext>
           </a:extLst>
         </p:spPr>
@@ -10170,11 +13190,11 @@
   <p:clrMapOvr>
     <a:masterClrMapping/>
   </p:clrMapOvr>
-  <p:transition/>
+  <p:transition xmlns:p14="http://schemas.microsoft.com/office/powerpoint/2010/main"/>
   <p:timing>
     <p:tnLst>
       <p:par>
-        <p:cTn id="1" dur="indefinite" restart="never" nodeType="tmRoot"/>
+        <p:cTn xmlns:p14="http://schemas.microsoft.com/office/powerpoint/2010/main" id="1" dur="indefinite" restart="never" nodeType="tmRoot"/>
       </p:par>
     </p:tnLst>
   </p:timing>
@@ -10221,15 +13241,7 @@
           <a:p>
             <a:r>
               <a:rPr lang="en-US" dirty="0" err="1" smtClean="0"/>
-              <a:t>Qu’est</a:t>
-            </a:r>
-            <a:r>
-              <a:rPr lang="en-US" dirty="0" err="1"/>
-              <a:t>-</a:t>
-            </a:r>
-            <a:r>
-              <a:rPr lang="en-US" dirty="0" err="1" smtClean="0"/>
-              <a:t>ce</a:t>
+              <a:t>Qu’est-ce</a:t>
             </a:r>
             <a:r>
               <a:rPr lang="en-US" dirty="0" smtClean="0"/>
@@ -10494,11 +13506,11 @@
   <p:clrMapOvr>
     <a:masterClrMapping/>
   </p:clrMapOvr>
-  <p:transition/>
+  <p:transition xmlns:p14="http://schemas.microsoft.com/office/powerpoint/2010/main"/>
   <p:timing>
     <p:tnLst>
       <p:par>
-        <p:cTn id="1" dur="indefinite" restart="never" nodeType="tmRoot"/>
+        <p:cTn xmlns:p14="http://schemas.microsoft.com/office/powerpoint/2010/main" id="1" dur="indefinite" restart="never" nodeType="tmRoot"/>
       </p:par>
     </p:tnLst>
   </p:timing>
@@ -10752,7 +13764,7 @@
         </a:ln>
         <a:effectLst/>
         <a:extLst>
-          <a:ext uri="{AF507438-7753-43E0-B8FC-AC1667EBCBE1}">
+          <a:ext uri="{AF507438-7753-43e0-B8FC-AC1667EBCBE1}">
             <a14:hiddenEffects xmlns:a14="http://schemas.microsoft.com/office/drawing/2010/main">
               <a:effectLst>
                 <a:outerShdw blurRad="63500" dist="38099" dir="2700000" algn="ctr" rotWithShape="0">
@@ -10832,7 +13844,7 @@
         </a:ln>
         <a:effectLst/>
         <a:extLst>
-          <a:ext uri="{AF507438-7753-43E0-B8FC-AC1667EBCBE1}">
+          <a:ext uri="{AF507438-7753-43e0-B8FC-AC1667EBCBE1}">
             <a14:hiddenEffects xmlns:a14="http://schemas.microsoft.com/office/drawing/2010/main">
               <a:effectLst>
                 <a:outerShdw blurRad="63500" dist="38099" dir="2700000" algn="ctr" rotWithShape="0">
@@ -10930,119 +13942,59 @@
 </file>
 
 <file path=ppt/theme/theme2.xml><?xml version="1.0" encoding="utf-8"?>
-<a:theme xmlns:a="http://schemas.openxmlformats.org/drawingml/2006/main" name="Thème Office">
+<a:theme xmlns:a="http://schemas.openxmlformats.org/drawingml/2006/main" name="1_Title and subtitle">
   <a:themeElements>
-    <a:clrScheme name="Office">
+    <a:clrScheme name="">
       <a:dk1>
-        <a:sysClr val="windowText" lastClr="000000"/>
+        <a:srgbClr val="000000"/>
       </a:dk1>
       <a:lt1>
-        <a:sysClr val="window" lastClr="FFFFFF"/>
+        <a:srgbClr val="FFFFFF"/>
       </a:lt1>
       <a:dk2>
-        <a:srgbClr val="1F497D"/>
+        <a:srgbClr val="000000"/>
       </a:dk2>
       <a:lt2>
-        <a:srgbClr val="EEECE1"/>
+        <a:srgbClr val="000000"/>
       </a:lt2>
       <a:accent1>
-        <a:srgbClr val="4F81BD"/>
+        <a:srgbClr val="FAF087"/>
       </a:accent1>
       <a:accent2>
-        <a:srgbClr val="C0504D"/>
+        <a:srgbClr val="333399"/>
       </a:accent2>
       <a:accent3>
-        <a:srgbClr val="9BBB59"/>
+        <a:srgbClr val="FFFFFF"/>
       </a:accent3>
       <a:accent4>
-        <a:srgbClr val="8064A2"/>
+        <a:srgbClr val="000000"/>
       </a:accent4>
       <a:accent5>
-        <a:srgbClr val="4BACC6"/>
+        <a:srgbClr val="FCF6C3"/>
       </a:accent5>
       <a:accent6>
-        <a:srgbClr val="F79646"/>
+        <a:srgbClr val="2D2D8A"/>
       </a:accent6>
       <a:hlink>
-        <a:srgbClr val="0000FF"/>
+        <a:srgbClr val="009999"/>
       </a:hlink>
       <a:folHlink>
-        <a:srgbClr val="800080"/>
+        <a:srgbClr val="99CC00"/>
       </a:folHlink>
     </a:clrScheme>
-    <a:fontScheme name="Office">
+    <a:fontScheme name="Title and subtitle">
       <a:majorFont>
-        <a:latin typeface="Calibri"/>
-        <a:ea typeface=""/>
-        <a:cs typeface=""/>
-        <a:font script="Jpan" typeface="ＭＳ Ｐゴシック"/>
-        <a:font script="Hang" typeface="맑은 고딕"/>
-        <a:font script="Hans" typeface="宋体"/>
-        <a:font script="Hant" typeface="新細明體"/>
-        <a:font script="Arab" typeface="Times New Roman"/>
-        <a:font script="Hebr" typeface="Times New Roman"/>
-        <a:font script="Thai" typeface="Angsana New"/>
-        <a:font script="Ethi" typeface="Nyala"/>
-        <a:font script="Beng" typeface="Vrinda"/>
-        <a:font script="Gujr" typeface="Shruti"/>
-        <a:font script="Khmr" typeface="MoolBoran"/>
-        <a:font script="Knda" typeface="Tunga"/>
-        <a:font script="Guru" typeface="Raavi"/>
-        <a:font script="Cans" typeface="Euphemia"/>
-        <a:font script="Cher" typeface="Plantagenet Cherokee"/>
-        <a:font script="Yiii" typeface="Microsoft Yi Baiti"/>
-        <a:font script="Tibt" typeface="Microsoft Himalaya"/>
-        <a:font script="Thaa" typeface="MV Boli"/>
-        <a:font script="Deva" typeface="Mangal"/>
-        <a:font script="Telu" typeface="Gautami"/>
-        <a:font script="Taml" typeface="Latha"/>
-        <a:font script="Syrc" typeface="Estrangelo Edessa"/>
-        <a:font script="Orya" typeface="Kalinga"/>
-        <a:font script="Mlym" typeface="Kartika"/>
-        <a:font script="Laoo" typeface="DokChampa"/>
-        <a:font script="Sinh" typeface="Iskoola Pota"/>
-        <a:font script="Mong" typeface="Mongolian Baiti"/>
-        <a:font script="Viet" typeface="Times New Roman"/>
-        <a:font script="Uigh" typeface="Microsoft Uighur"/>
-        <a:font script="Geor" typeface="Sylfaen"/>
+        <a:latin typeface="Gill Sans"/>
+        <a:ea typeface="ヒラギノ角ゴ ProN W3"/>
+        <a:cs typeface="ヒラギノ角ゴ ProN W3"/>
       </a:majorFont>
       <a:minorFont>
-        <a:latin typeface="Calibri"/>
-        <a:ea typeface=""/>
-        <a:cs typeface=""/>
-        <a:font script="Jpan" typeface="ＭＳ Ｐゴシック"/>
-        <a:font script="Hang" typeface="맑은 고딕"/>
-        <a:font script="Hans" typeface="宋体"/>
-        <a:font script="Hant" typeface="新細明體"/>
-        <a:font script="Arab" typeface="Arial"/>
-        <a:font script="Hebr" typeface="Arial"/>
-        <a:font script="Thai" typeface="Cordia New"/>
-        <a:font script="Ethi" typeface="Nyala"/>
-        <a:font script="Beng" typeface="Vrinda"/>
-        <a:font script="Gujr" typeface="Shruti"/>
-        <a:font script="Khmr" typeface="DaunPenh"/>
-        <a:font script="Knda" typeface="Tunga"/>
-        <a:font script="Guru" typeface="Raavi"/>
-        <a:font script="Cans" typeface="Euphemia"/>
-        <a:font script="Cher" typeface="Plantagenet Cherokee"/>
-        <a:font script="Yiii" typeface="Microsoft Yi Baiti"/>
-        <a:font script="Tibt" typeface="Microsoft Himalaya"/>
-        <a:font script="Thaa" typeface="MV Boli"/>
-        <a:font script="Deva" typeface="Mangal"/>
-        <a:font script="Telu" typeface="Gautami"/>
-        <a:font script="Taml" typeface="Latha"/>
-        <a:font script="Syrc" typeface="Estrangelo Edessa"/>
-        <a:font script="Orya" typeface="Kalinga"/>
-        <a:font script="Mlym" typeface="Kartika"/>
-        <a:font script="Laoo" typeface="DokChampa"/>
-        <a:font script="Sinh" typeface="Iskoola Pota"/>
-        <a:font script="Mong" typeface="Mongolian Baiti"/>
-        <a:font script="Viet" typeface="Arial"/>
-        <a:font script="Uigh" typeface="Microsoft Uighur"/>
-        <a:font script="Geor" typeface="Sylfaen"/>
+        <a:latin typeface="Gill Sans"/>
+        <a:ea typeface="ヒラギノ角ゴ ProN W3"/>
+        <a:cs typeface="ヒラギノ角ゴ ProN W3"/>
       </a:minorFont>
     </a:fontScheme>
-    <a:fmtScheme name="Office">
+    <a:fmtScheme name="Bureau">
       <a:fillStyleLst>
         <a:solidFill>
           <a:schemeClr val="phClr"/>
@@ -11074,20 +14026,16 @@
           <a:gsLst>
             <a:gs pos="0">
               <a:schemeClr val="phClr">
-                <a:shade val="51000"/>
-                <a:satMod val="130000"/>
-              </a:schemeClr>
-            </a:gs>
-            <a:gs pos="80000">
-              <a:schemeClr val="phClr">
-                <a:shade val="93000"/>
+                <a:tint val="100000"/>
+                <a:shade val="100000"/>
                 <a:satMod val="130000"/>
               </a:schemeClr>
             </a:gs>
             <a:gs pos="100000">
               <a:schemeClr val="phClr">
-                <a:shade val="94000"/>
-                <a:satMod val="135000"/>
+                <a:tint val="50000"/>
+                <a:shade val="100000"/>
+                <a:satMod val="350000"/>
               </a:schemeClr>
             </a:gs>
           </a:gsLst>
@@ -11209,8 +14157,211 @@
       </a:bgFillStyleLst>
     </a:fmtScheme>
   </a:themeElements>
-  <a:objectDefaults/>
-  <a:extraClrSchemeLst/>
+  <a:objectDefaults>
+    <a:spDef>
+      <a:spPr bwMode="auto">
+        <a:xfrm>
+          <a:off x="0" y="0"/>
+          <a:ext cx="1" cy="1"/>
+        </a:xfrm>
+        <a:custGeom>
+          <a:avLst/>
+          <a:gdLst/>
+          <a:ahLst/>
+          <a:cxnLst/>
+          <a:rect l="0" t="0" r="0" b="0"/>
+          <a:pathLst/>
+        </a:custGeom>
+        <a:blipFill dpi="0" rotWithShape="0">
+          <a:blip xmlns:r="http://schemas.openxmlformats.org/officeDocument/2006/relationships" r:embed="rId1"/>
+          <a:srcRect/>
+          <a:tile tx="0" ty="0" sx="100000" sy="100000" flip="none" algn="tl"/>
+        </a:blipFill>
+        <a:ln w="25400" cap="flat" cmpd="sng" algn="ctr">
+          <a:solidFill>
+            <a:srgbClr val="000000"/>
+          </a:solidFill>
+          <a:prstDash val="solid"/>
+          <a:round/>
+          <a:headEnd type="none" w="med" len="med"/>
+          <a:tailEnd type="none" w="med" len="med"/>
+        </a:ln>
+        <a:effectLst/>
+        <a:extLst>
+          <a:ext uri="{AF507438-7753-43e0-B8FC-AC1667EBCBE1}">
+            <a14:hiddenEffects xmlns:a14="http://schemas.microsoft.com/office/drawing/2010/main">
+              <a:effectLst>
+                <a:outerShdw blurRad="63500" dist="38099" dir="2700000" algn="ctr" rotWithShape="0">
+                  <a:schemeClr val="bg2">
+                    <a:alpha val="74998"/>
+                  </a:schemeClr>
+                </a:outerShdw>
+              </a:effectLst>
+            </a14:hiddenEffects>
+          </a:ext>
+        </a:extLst>
+      </a:spPr>
+      <a:bodyPr vert="horz" wrap="square" lIns="91440" tIns="45720" rIns="91440" bIns="45720" numCol="1" anchor="t" anchorCtr="0" compatLnSpc="1">
+        <a:prstTxWarp prst="textNoShape">
+          <a:avLst/>
+        </a:prstTxWarp>
+      </a:bodyPr>
+      <a:lstStyle>
+        <a:defPPr marL="0" marR="0" indent="0" algn="ctr" defTabSz="914400" rtl="0" eaLnBrk="1" fontAlgn="base" latinLnBrk="0" hangingPunct="1">
+          <a:lnSpc>
+            <a:spcPct val="100000"/>
+          </a:lnSpc>
+          <a:spcBef>
+            <a:spcPct val="0"/>
+          </a:spcBef>
+          <a:spcAft>
+            <a:spcPct val="0"/>
+          </a:spcAft>
+          <a:buClrTx/>
+          <a:buSzTx/>
+          <a:buFontTx/>
+          <a:buNone/>
+          <a:tabLst/>
+          <a:defRPr kumimoji="0" lang="en-US" sz="3400" b="0" i="0" u="none" strike="noStrike" cap="none" normalizeH="0" baseline="0">
+            <a:ln>
+              <a:noFill/>
+            </a:ln>
+            <a:solidFill>
+              <a:srgbClr val="000000"/>
+            </a:solidFill>
+            <a:effectLst/>
+            <a:latin typeface="Gill Sans" charset="0"/>
+            <a:ea typeface="ヒラギノ角ゴ ProN W3" charset="0"/>
+            <a:cs typeface="ヒラギノ角ゴ ProN W3" charset="0"/>
+            <a:sym typeface="Gill Sans" charset="0"/>
+          </a:defRPr>
+        </a:defPPr>
+      </a:lstStyle>
+    </a:spDef>
+    <a:lnDef>
+      <a:spPr bwMode="auto">
+        <a:xfrm>
+          <a:off x="0" y="0"/>
+          <a:ext cx="1" cy="1"/>
+        </a:xfrm>
+        <a:custGeom>
+          <a:avLst/>
+          <a:gdLst/>
+          <a:ahLst/>
+          <a:cxnLst/>
+          <a:rect l="0" t="0" r="0" b="0"/>
+          <a:pathLst/>
+        </a:custGeom>
+        <a:blipFill dpi="0" rotWithShape="0">
+          <a:blip xmlns:r="http://schemas.openxmlformats.org/officeDocument/2006/relationships" r:embed="rId1"/>
+          <a:srcRect/>
+          <a:tile tx="0" ty="0" sx="100000" sy="100000" flip="none" algn="tl"/>
+        </a:blipFill>
+        <a:ln w="25400" cap="flat" cmpd="sng" algn="ctr">
+          <a:solidFill>
+            <a:srgbClr val="000000"/>
+          </a:solidFill>
+          <a:prstDash val="solid"/>
+          <a:round/>
+          <a:headEnd type="none" w="med" len="med"/>
+          <a:tailEnd type="none" w="med" len="med"/>
+        </a:ln>
+        <a:effectLst/>
+        <a:extLst>
+          <a:ext uri="{AF507438-7753-43e0-B8FC-AC1667EBCBE1}">
+            <a14:hiddenEffects xmlns:a14="http://schemas.microsoft.com/office/drawing/2010/main">
+              <a:effectLst>
+                <a:outerShdw blurRad="63500" dist="38099" dir="2700000" algn="ctr" rotWithShape="0">
+                  <a:schemeClr val="bg2">
+                    <a:alpha val="74998"/>
+                  </a:schemeClr>
+                </a:outerShdw>
+              </a:effectLst>
+            </a14:hiddenEffects>
+          </a:ext>
+        </a:extLst>
+      </a:spPr>
+      <a:bodyPr vert="horz" wrap="square" lIns="91440" tIns="45720" rIns="91440" bIns="45720" numCol="1" anchor="t" anchorCtr="0" compatLnSpc="1">
+        <a:prstTxWarp prst="textNoShape">
+          <a:avLst/>
+        </a:prstTxWarp>
+      </a:bodyPr>
+      <a:lstStyle>
+        <a:defPPr marL="0" marR="0" indent="0" algn="ctr" defTabSz="914400" rtl="0" eaLnBrk="1" fontAlgn="base" latinLnBrk="0" hangingPunct="1">
+          <a:lnSpc>
+            <a:spcPct val="100000"/>
+          </a:lnSpc>
+          <a:spcBef>
+            <a:spcPct val="0"/>
+          </a:spcBef>
+          <a:spcAft>
+            <a:spcPct val="0"/>
+          </a:spcAft>
+          <a:buClrTx/>
+          <a:buSzTx/>
+          <a:buFontTx/>
+          <a:buNone/>
+          <a:tabLst/>
+          <a:defRPr kumimoji="0" lang="en-US" sz="3400" b="0" i="0" u="none" strike="noStrike" cap="none" normalizeH="0" baseline="0">
+            <a:ln>
+              <a:noFill/>
+            </a:ln>
+            <a:solidFill>
+              <a:srgbClr val="000000"/>
+            </a:solidFill>
+            <a:effectLst/>
+            <a:latin typeface="Gill Sans" charset="0"/>
+            <a:ea typeface="ヒラギノ角ゴ ProN W3" charset="0"/>
+            <a:cs typeface="ヒラギノ角ゴ ProN W3" charset="0"/>
+            <a:sym typeface="Gill Sans" charset="0"/>
+          </a:defRPr>
+        </a:defPPr>
+      </a:lstStyle>
+    </a:lnDef>
+  </a:objectDefaults>
+  <a:extraClrSchemeLst>
+    <a:extraClrScheme>
+      <a:clrScheme name="Title and subtitle 1">
+        <a:dk1>
+          <a:srgbClr val="000000"/>
+        </a:dk1>
+        <a:lt1>
+          <a:srgbClr val="FFFFFF"/>
+        </a:lt1>
+        <a:dk2>
+          <a:srgbClr val="000000"/>
+        </a:dk2>
+        <a:lt2>
+          <a:srgbClr val="808080"/>
+        </a:lt2>
+        <a:accent1>
+          <a:srgbClr val="BBE0E3"/>
+        </a:accent1>
+        <a:accent2>
+          <a:srgbClr val="333399"/>
+        </a:accent2>
+        <a:accent3>
+          <a:srgbClr val="FFFFFF"/>
+        </a:accent3>
+        <a:accent4>
+          <a:srgbClr val="000000"/>
+        </a:accent4>
+        <a:accent5>
+          <a:srgbClr val="DAEDEF"/>
+        </a:accent5>
+        <a:accent6>
+          <a:srgbClr val="2D2D8A"/>
+        </a:accent6>
+        <a:hlink>
+          <a:srgbClr val="009999"/>
+        </a:hlink>
+        <a:folHlink>
+          <a:srgbClr val="99CC00"/>
+        </a:folHlink>
+      </a:clrScheme>
+      <a:clrMap bg1="lt1" tx1="dk1" bg2="lt2" tx2="dk2" accent1="accent1" accent2="accent2" accent3="accent3" accent4="accent4" accent5="accent5" accent6="accent6" hlink="hlink" folHlink="folHlink"/>
+    </a:extraClrScheme>
+  </a:extraClrSchemeLst>
 </a:theme>
 </file>
 
@@ -11497,4 +14648,289 @@
   <a:objectDefaults/>
   <a:extraClrSchemeLst/>
 </a:theme>
+</file>
+
+<file path=ppt/theme/theme4.xml><?xml version="1.0" encoding="utf-8"?>
+<a:theme xmlns:a="http://schemas.openxmlformats.org/drawingml/2006/main" name="Thème Office">
+  <a:themeElements>
+    <a:clrScheme name="Office">
+      <a:dk1>
+        <a:sysClr val="windowText" lastClr="000000"/>
+      </a:dk1>
+      <a:lt1>
+        <a:sysClr val="window" lastClr="FFFFFF"/>
+      </a:lt1>
+      <a:dk2>
+        <a:srgbClr val="1F497D"/>
+      </a:dk2>
+      <a:lt2>
+        <a:srgbClr val="EEECE1"/>
+      </a:lt2>
+      <a:accent1>
+        <a:srgbClr val="4F81BD"/>
+      </a:accent1>
+      <a:accent2>
+        <a:srgbClr val="C0504D"/>
+      </a:accent2>
+      <a:accent3>
+        <a:srgbClr val="9BBB59"/>
+      </a:accent3>
+      <a:accent4>
+        <a:srgbClr val="8064A2"/>
+      </a:accent4>
+      <a:accent5>
+        <a:srgbClr val="4BACC6"/>
+      </a:accent5>
+      <a:accent6>
+        <a:srgbClr val="F79646"/>
+      </a:accent6>
+      <a:hlink>
+        <a:srgbClr val="0000FF"/>
+      </a:hlink>
+      <a:folHlink>
+        <a:srgbClr val="800080"/>
+      </a:folHlink>
+    </a:clrScheme>
+    <a:fontScheme name="Office">
+      <a:majorFont>
+        <a:latin typeface="Calibri"/>
+        <a:ea typeface=""/>
+        <a:cs typeface=""/>
+        <a:font script="Jpan" typeface="ＭＳ Ｐゴシック"/>
+        <a:font script="Hang" typeface="맑은 고딕"/>
+        <a:font script="Hans" typeface="宋体"/>
+        <a:font script="Hant" typeface="新細明體"/>
+        <a:font script="Arab" typeface="Times New Roman"/>
+        <a:font script="Hebr" typeface="Times New Roman"/>
+        <a:font script="Thai" typeface="Angsana New"/>
+        <a:font script="Ethi" typeface="Nyala"/>
+        <a:font script="Beng" typeface="Vrinda"/>
+        <a:font script="Gujr" typeface="Shruti"/>
+        <a:font script="Khmr" typeface="MoolBoran"/>
+        <a:font script="Knda" typeface="Tunga"/>
+        <a:font script="Guru" typeface="Raavi"/>
+        <a:font script="Cans" typeface="Euphemia"/>
+        <a:font script="Cher" typeface="Plantagenet Cherokee"/>
+        <a:font script="Yiii" typeface="Microsoft Yi Baiti"/>
+        <a:font script="Tibt" typeface="Microsoft Himalaya"/>
+        <a:font script="Thaa" typeface="MV Boli"/>
+        <a:font script="Deva" typeface="Mangal"/>
+        <a:font script="Telu" typeface="Gautami"/>
+        <a:font script="Taml" typeface="Latha"/>
+        <a:font script="Syrc" typeface="Estrangelo Edessa"/>
+        <a:font script="Orya" typeface="Kalinga"/>
+        <a:font script="Mlym" typeface="Kartika"/>
+        <a:font script="Laoo" typeface="DokChampa"/>
+        <a:font script="Sinh" typeface="Iskoola Pota"/>
+        <a:font script="Mong" typeface="Mongolian Baiti"/>
+        <a:font script="Viet" typeface="Times New Roman"/>
+        <a:font script="Uigh" typeface="Microsoft Uighur"/>
+        <a:font script="Geor" typeface="Sylfaen"/>
+      </a:majorFont>
+      <a:minorFont>
+        <a:latin typeface="Calibri"/>
+        <a:ea typeface=""/>
+        <a:cs typeface=""/>
+        <a:font script="Jpan" typeface="ＭＳ Ｐゴシック"/>
+        <a:font script="Hang" typeface="맑은 고딕"/>
+        <a:font script="Hans" typeface="宋体"/>
+        <a:font script="Hant" typeface="新細明體"/>
+        <a:font script="Arab" typeface="Arial"/>
+        <a:font script="Hebr" typeface="Arial"/>
+        <a:font script="Thai" typeface="Cordia New"/>
+        <a:font script="Ethi" typeface="Nyala"/>
+        <a:font script="Beng" typeface="Vrinda"/>
+        <a:font script="Gujr" typeface="Shruti"/>
+        <a:font script="Khmr" typeface="DaunPenh"/>
+        <a:font script="Knda" typeface="Tunga"/>
+        <a:font script="Guru" typeface="Raavi"/>
+        <a:font script="Cans" typeface="Euphemia"/>
+        <a:font script="Cher" typeface="Plantagenet Cherokee"/>
+        <a:font script="Yiii" typeface="Microsoft Yi Baiti"/>
+        <a:font script="Tibt" typeface="Microsoft Himalaya"/>
+        <a:font script="Thaa" typeface="MV Boli"/>
+        <a:font script="Deva" typeface="Mangal"/>
+        <a:font script="Telu" typeface="Gautami"/>
+        <a:font script="Taml" typeface="Latha"/>
+        <a:font script="Syrc" typeface="Estrangelo Edessa"/>
+        <a:font script="Orya" typeface="Kalinga"/>
+        <a:font script="Mlym" typeface="Kartika"/>
+        <a:font script="Laoo" typeface="DokChampa"/>
+        <a:font script="Sinh" typeface="Iskoola Pota"/>
+        <a:font script="Mong" typeface="Mongolian Baiti"/>
+        <a:font script="Viet" typeface="Arial"/>
+        <a:font script="Uigh" typeface="Microsoft Uighur"/>
+        <a:font script="Geor" typeface="Sylfaen"/>
+      </a:minorFont>
+    </a:fontScheme>
+    <a:fmtScheme name="Office">
+      <a:fillStyleLst>
+        <a:solidFill>
+          <a:schemeClr val="phClr"/>
+        </a:solidFill>
+        <a:gradFill rotWithShape="1">
+          <a:gsLst>
+            <a:gs pos="0">
+              <a:schemeClr val="phClr">
+                <a:tint val="50000"/>
+                <a:satMod val="300000"/>
+              </a:schemeClr>
+            </a:gs>
+            <a:gs pos="35000">
+              <a:schemeClr val="phClr">
+                <a:tint val="37000"/>
+                <a:satMod val="300000"/>
+              </a:schemeClr>
+            </a:gs>
+            <a:gs pos="100000">
+              <a:schemeClr val="phClr">
+                <a:tint val="15000"/>
+                <a:satMod val="350000"/>
+              </a:schemeClr>
+            </a:gs>
+          </a:gsLst>
+          <a:lin ang="16200000" scaled="1"/>
+        </a:gradFill>
+        <a:gradFill rotWithShape="1">
+          <a:gsLst>
+            <a:gs pos="0">
+              <a:schemeClr val="phClr">
+                <a:shade val="51000"/>
+                <a:satMod val="130000"/>
+              </a:schemeClr>
+            </a:gs>
+            <a:gs pos="80000">
+              <a:schemeClr val="phClr">
+                <a:shade val="93000"/>
+                <a:satMod val="130000"/>
+              </a:schemeClr>
+            </a:gs>
+            <a:gs pos="100000">
+              <a:schemeClr val="phClr">
+                <a:shade val="94000"/>
+                <a:satMod val="135000"/>
+              </a:schemeClr>
+            </a:gs>
+          </a:gsLst>
+          <a:lin ang="16200000" scaled="0"/>
+        </a:gradFill>
+      </a:fillStyleLst>
+      <a:lnStyleLst>
+        <a:ln w="9525" cap="flat" cmpd="sng" algn="ctr">
+          <a:solidFill>
+            <a:schemeClr val="phClr">
+              <a:shade val="95000"/>
+              <a:satMod val="105000"/>
+            </a:schemeClr>
+          </a:solidFill>
+          <a:prstDash val="solid"/>
+        </a:ln>
+        <a:ln w="25400" cap="flat" cmpd="sng" algn="ctr">
+          <a:solidFill>
+            <a:schemeClr val="phClr"/>
+          </a:solidFill>
+          <a:prstDash val="solid"/>
+        </a:ln>
+        <a:ln w="38100" cap="flat" cmpd="sng" algn="ctr">
+          <a:solidFill>
+            <a:schemeClr val="phClr"/>
+          </a:solidFill>
+          <a:prstDash val="solid"/>
+        </a:ln>
+      </a:lnStyleLst>
+      <a:effectStyleLst>
+        <a:effectStyle>
+          <a:effectLst>
+            <a:outerShdw blurRad="40000" dist="20000" dir="5400000" rotWithShape="0">
+              <a:srgbClr val="000000">
+                <a:alpha val="38000"/>
+              </a:srgbClr>
+            </a:outerShdw>
+          </a:effectLst>
+        </a:effectStyle>
+        <a:effectStyle>
+          <a:effectLst>
+            <a:outerShdw blurRad="40000" dist="23000" dir="5400000" rotWithShape="0">
+              <a:srgbClr val="000000">
+                <a:alpha val="35000"/>
+              </a:srgbClr>
+            </a:outerShdw>
+          </a:effectLst>
+        </a:effectStyle>
+        <a:effectStyle>
+          <a:effectLst>
+            <a:outerShdw blurRad="40000" dist="23000" dir="5400000" rotWithShape="0">
+              <a:srgbClr val="000000">
+                <a:alpha val="35000"/>
+              </a:srgbClr>
+            </a:outerShdw>
+          </a:effectLst>
+          <a:scene3d>
+            <a:camera prst="orthographicFront">
+              <a:rot lat="0" lon="0" rev="0"/>
+            </a:camera>
+            <a:lightRig rig="threePt" dir="t">
+              <a:rot lat="0" lon="0" rev="1200000"/>
+            </a:lightRig>
+          </a:scene3d>
+          <a:sp3d>
+            <a:bevelT w="63500" h="25400"/>
+          </a:sp3d>
+        </a:effectStyle>
+      </a:effectStyleLst>
+      <a:bgFillStyleLst>
+        <a:solidFill>
+          <a:schemeClr val="phClr"/>
+        </a:solidFill>
+        <a:gradFill rotWithShape="1">
+          <a:gsLst>
+            <a:gs pos="0">
+              <a:schemeClr val="phClr">
+                <a:tint val="40000"/>
+                <a:satMod val="350000"/>
+              </a:schemeClr>
+            </a:gs>
+            <a:gs pos="40000">
+              <a:schemeClr val="phClr">
+                <a:tint val="45000"/>
+                <a:shade val="99000"/>
+                <a:satMod val="350000"/>
+              </a:schemeClr>
+            </a:gs>
+            <a:gs pos="100000">
+              <a:schemeClr val="phClr">
+                <a:shade val="20000"/>
+                <a:satMod val="255000"/>
+              </a:schemeClr>
+            </a:gs>
+          </a:gsLst>
+          <a:path path="circle">
+            <a:fillToRect l="50000" t="-80000" r="50000" b="180000"/>
+          </a:path>
+        </a:gradFill>
+        <a:gradFill rotWithShape="1">
+          <a:gsLst>
+            <a:gs pos="0">
+              <a:schemeClr val="phClr">
+                <a:tint val="80000"/>
+                <a:satMod val="300000"/>
+              </a:schemeClr>
+            </a:gs>
+            <a:gs pos="100000">
+              <a:schemeClr val="phClr">
+                <a:shade val="30000"/>
+                <a:satMod val="200000"/>
+              </a:schemeClr>
+            </a:gs>
+          </a:gsLst>
+          <a:path path="circle">
+            <a:fillToRect l="50000" t="50000" r="50000" b="50000"/>
+          </a:path>
+        </a:gradFill>
+      </a:bgFillStyleLst>
+    </a:fmtScheme>
+  </a:themeElements>
+  <a:objectDefaults/>
+  <a:extraClrSchemeLst/>
+</a:theme>
 </file>
--- a/conf4j-slides/Devops_Configuration_Jungle_Devoxx_FR_2012.pptx
+++ b/conf4j-slides/Devops_Configuration_Jungle_Devoxx_FR_2012.pptx
@@ -6,10 +6,10 @@
     <p:sldMasterId id="2147483675" r:id="rId2"/>
   </p:sldMasterIdLst>
   <p:notesMasterIdLst>
-    <p:notesMasterId r:id="rId18"/>
+    <p:notesMasterId r:id="rId19"/>
   </p:notesMasterIdLst>
   <p:handoutMasterIdLst>
-    <p:handoutMasterId r:id="rId19"/>
+    <p:handoutMasterId r:id="rId20"/>
   </p:handoutMasterIdLst>
   <p:sldIdLst>
     <p:sldId id="256" r:id="rId3"/>
@@ -21,12 +21,13 @@
     <p:sldId id="274" r:id="rId9"/>
     <p:sldId id="276" r:id="rId10"/>
     <p:sldId id="288" r:id="rId11"/>
-    <p:sldId id="306" r:id="rId12"/>
-    <p:sldId id="300" r:id="rId13"/>
-    <p:sldId id="305" r:id="rId14"/>
-    <p:sldId id="304" r:id="rId15"/>
-    <p:sldId id="258" r:id="rId16"/>
-    <p:sldId id="283" r:id="rId17"/>
+    <p:sldId id="307" r:id="rId12"/>
+    <p:sldId id="306" r:id="rId13"/>
+    <p:sldId id="300" r:id="rId14"/>
+    <p:sldId id="305" r:id="rId15"/>
+    <p:sldId id="304" r:id="rId16"/>
+    <p:sldId id="258" r:id="rId17"/>
+    <p:sldId id="283" r:id="rId18"/>
   </p:sldIdLst>
   <p:sldSz cx="16256000" cy="9144000"/>
   <p:notesSz cx="9296400" cy="16891000"/>
@@ -6545,6 +6546,84 @@
       </p:grpSpPr>
       <p:sp>
         <p:nvSpPr>
+          <p:cNvPr id="2" name="Titre 1"/>
+          <p:cNvSpPr>
+            <a:spLocks noGrp="1"/>
+          </p:cNvSpPr>
+          <p:nvPr>
+            <p:ph type="title"/>
+          </p:nvPr>
+        </p:nvSpPr>
+        <p:spPr/>
+        <p:txBody>
+          <a:bodyPr/>
+          <a:lstStyle/>
+          <a:p>
+            <a:r>
+              <a:rPr lang="fr-FR" dirty="0" smtClean="0"/>
+              <a:t>Action !</a:t>
+            </a:r>
+            <a:endParaRPr lang="fr-FR" dirty="0"/>
+          </a:p>
+        </p:txBody>
+      </p:sp>
+      <p:sp>
+        <p:nvSpPr>
+          <p:cNvPr id="4" name="Espace réservé du numéro de diapositive 3"/>
+          <p:cNvSpPr>
+            <a:spLocks noGrp="1"/>
+          </p:cNvSpPr>
+          <p:nvPr>
+            <p:ph type="sldNum" sz="quarter" idx="10"/>
+          </p:nvPr>
+        </p:nvSpPr>
+        <p:spPr/>
+        <p:txBody>
+          <a:bodyPr/>
+          <a:lstStyle/>
+          <a:p>
+            <a:fld id="{86877393-B807-E74C-BF13-191E06FF98B8}" type="slidenum">
+              <a:rPr lang="en-US" smtClean="0"/>
+              <a:pPr/>
+              <a:t>10</a:t>
+            </a:fld>
+            <a:endParaRPr lang="en-US"/>
+          </a:p>
+        </p:txBody>
+      </p:sp>
+    </p:spTree>
+    <p:extLst>
+      <p:ext uri="{BB962C8B-B14F-4D97-AF65-F5344CB8AC3E}">
+        <p14:creationId xmlns:p14="http://schemas.microsoft.com/office/powerpoint/2010/main" val="468642124"/>
+      </p:ext>
+    </p:extLst>
+  </p:cSld>
+  <p:clrMapOvr>
+    <a:masterClrMapping/>
+  </p:clrMapOvr>
+  <p:transition xmlns:p14="http://schemas.microsoft.com/office/powerpoint/2010/main"/>
+</p:sld>
+</file>
+
+<file path=ppt/slides/slide11.xml><?xml version="1.0" encoding="utf-8"?>
+<p:sld xmlns:a="http://schemas.openxmlformats.org/drawingml/2006/main" xmlns:r="http://schemas.openxmlformats.org/officeDocument/2006/relationships" xmlns:p="http://schemas.openxmlformats.org/presentationml/2006/main">
+  <p:cSld>
+    <p:spTree>
+      <p:nvGrpSpPr>
+        <p:cNvPr id="1" name=""/>
+        <p:cNvGrpSpPr/>
+        <p:nvPr/>
+      </p:nvGrpSpPr>
+      <p:grpSpPr>
+        <a:xfrm>
+          <a:off x="0" y="0"/>
+          <a:ext cx="0" cy="0"/>
+          <a:chOff x="0" y="0"/>
+          <a:chExt cx="0" cy="0"/>
+        </a:xfrm>
+      </p:grpSpPr>
+      <p:sp>
+        <p:nvSpPr>
           <p:cNvPr id="12" name="Rectangle 11"/>
           <p:cNvSpPr/>
           <p:nvPr/>
@@ -7487,7 +7566,7 @@
 </p:sld>
 </file>
 
-<file path=ppt/slides/slide11.xml><?xml version="1.0" encoding="utf-8"?>
+<file path=ppt/slides/slide12.xml><?xml version="1.0" encoding="utf-8"?>
 <p:sld xmlns:a="http://schemas.openxmlformats.org/drawingml/2006/main" xmlns:r="http://schemas.openxmlformats.org/officeDocument/2006/relationships" xmlns:p="http://schemas.openxmlformats.org/presentationml/2006/main">
   <p:cSld>
     <p:spTree>
@@ -7716,7 +7795,7 @@
             <a:fld id="{696D643C-9C83-8844-B980-2CD28B8C96AE}" type="slidenum">
               <a:rPr lang="en-US"/>
               <a:pPr/>
-              <a:t>11</a:t>
+              <a:t>12</a:t>
             </a:fld>
             <a:endParaRPr lang="en-US"/>
           </a:p>
@@ -7768,7 +7847,7 @@
 </p:sld>
 </file>
 
-<file path=ppt/slides/slide12.xml><?xml version="1.0" encoding="utf-8"?>
+<file path=ppt/slides/slide13.xml><?xml version="1.0" encoding="utf-8"?>
 <p:sld xmlns:a="http://schemas.openxmlformats.org/drawingml/2006/main" xmlns:r="http://schemas.openxmlformats.org/officeDocument/2006/relationships" xmlns:p="http://schemas.openxmlformats.org/presentationml/2006/main">
   <p:cSld>
     <p:spTree>
@@ -7803,7 +7882,7 @@
             <a:fld id="{86877393-B807-E74C-BF13-191E06FF98B8}" type="slidenum">
               <a:rPr lang="en-US" smtClean="0"/>
               <a:pPr/>
-              <a:t>12</a:t>
+              <a:t>13</a:t>
             </a:fld>
             <a:endParaRPr lang="en-US"/>
           </a:p>
@@ -8362,7 +8441,7 @@
 </p:sld>
 </file>
 
-<file path=ppt/slides/slide13.xml><?xml version="1.0" encoding="utf-8"?>
+<file path=ppt/slides/slide14.xml><?xml version="1.0" encoding="utf-8"?>
 <p:sld xmlns:a="http://schemas.openxmlformats.org/drawingml/2006/main" xmlns:r="http://schemas.openxmlformats.org/officeDocument/2006/relationships" xmlns:p="http://schemas.openxmlformats.org/presentationml/2006/main">
   <p:cSld>
     <p:spTree>
@@ -8397,7 +8476,7 @@
             <a:fld id="{86877393-B807-E74C-BF13-191E06FF98B8}" type="slidenum">
               <a:rPr lang="en-US" smtClean="0"/>
               <a:pPr/>
-              <a:t>13</a:t>
+              <a:t>14</a:t>
             </a:fld>
             <a:endParaRPr lang="en-US"/>
           </a:p>
@@ -8528,88 +8607,6 @@
         <p14:creationId xmlns:p14="http://schemas.microsoft.com/office/powerpoint/2010/main" val="2029987233"/>
       </p:ext>
     </p:extLst>
-  </p:cSld>
-  <p:clrMapOvr>
-    <a:masterClrMapping/>
-  </p:clrMapOvr>
-  <p:transition xmlns:p14="http://schemas.microsoft.com/office/powerpoint/2010/main"/>
-  <p:timing>
-    <p:tnLst>
-      <p:par>
-        <p:cTn xmlns:p14="http://schemas.microsoft.com/office/powerpoint/2010/main" id="1" dur="indefinite" restart="never" nodeType="tmRoot"/>
-      </p:par>
-    </p:tnLst>
-  </p:timing>
-</p:sld>
-</file>
-
-<file path=ppt/slides/slide14.xml><?xml version="1.0" encoding="utf-8"?>
-<p:sld xmlns:a="http://schemas.openxmlformats.org/drawingml/2006/main" xmlns:r="http://schemas.openxmlformats.org/officeDocument/2006/relationships" xmlns:p="http://schemas.openxmlformats.org/presentationml/2006/main">
-  <p:cSld>
-    <p:spTree>
-      <p:nvGrpSpPr>
-        <p:cNvPr id="1" name=""/>
-        <p:cNvGrpSpPr/>
-        <p:nvPr/>
-      </p:nvGrpSpPr>
-      <p:grpSpPr>
-        <a:xfrm>
-          <a:off x="0" y="0"/>
-          <a:ext cx="0" cy="0"/>
-          <a:chOff x="0" y="0"/>
-          <a:chExt cx="0" cy="0"/>
-        </a:xfrm>
-      </p:grpSpPr>
-      <p:sp>
-        <p:nvSpPr>
-          <p:cNvPr id="28673" name="Rectangle 1"/>
-          <p:cNvSpPr>
-            <a:spLocks noGrp="1" noChangeArrowheads="1"/>
-          </p:cNvSpPr>
-          <p:nvPr>
-            <p:ph type="title"/>
-          </p:nvPr>
-        </p:nvSpPr>
-        <p:spPr>
-          <a:ln/>
-        </p:spPr>
-        <p:txBody>
-          <a:bodyPr/>
-          <a:lstStyle/>
-          <a:p>
-            <a:r>
-              <a:rPr lang="en-US" dirty="0" err="1"/>
-              <a:t>Démo</a:t>
-            </a:r>
-            <a:endParaRPr lang="en-US" dirty="0"/>
-          </a:p>
-        </p:txBody>
-      </p:sp>
-      <p:sp>
-        <p:nvSpPr>
-          <p:cNvPr id="4" name="Espace réservé du numéro de diapositive 3"/>
-          <p:cNvSpPr>
-            <a:spLocks noGrp="1"/>
-          </p:cNvSpPr>
-          <p:nvPr>
-            <p:ph type="sldNum" sz="quarter" idx="10"/>
-          </p:nvPr>
-        </p:nvSpPr>
-        <p:spPr/>
-        <p:txBody>
-          <a:bodyPr/>
-          <a:lstStyle/>
-          <a:p>
-            <a:fld id="{3FC59908-7454-5F48-A576-CE999BD31359}" type="slidenum">
-              <a:rPr lang="en-US"/>
-              <a:pPr/>
-              <a:t>14</a:t>
-            </a:fld>
-            <a:endParaRPr lang="en-US"/>
-          </a:p>
-        </p:txBody>
-      </p:sp>
-    </p:spTree>
   </p:cSld>
   <p:clrMapOvr>
     <a:masterClrMapping/>
@@ -8644,6 +8641,88 @@
       </p:grpSpPr>
       <p:sp>
         <p:nvSpPr>
+          <p:cNvPr id="28673" name="Rectangle 1"/>
+          <p:cNvSpPr>
+            <a:spLocks noGrp="1" noChangeArrowheads="1"/>
+          </p:cNvSpPr>
+          <p:nvPr>
+            <p:ph type="title"/>
+          </p:nvPr>
+        </p:nvSpPr>
+        <p:spPr>
+          <a:ln/>
+        </p:spPr>
+        <p:txBody>
+          <a:bodyPr/>
+          <a:lstStyle/>
+          <a:p>
+            <a:r>
+              <a:rPr lang="en-US" dirty="0" err="1"/>
+              <a:t>Démo</a:t>
+            </a:r>
+            <a:endParaRPr lang="en-US" dirty="0"/>
+          </a:p>
+        </p:txBody>
+      </p:sp>
+      <p:sp>
+        <p:nvSpPr>
+          <p:cNvPr id="4" name="Espace réservé du numéro de diapositive 3"/>
+          <p:cNvSpPr>
+            <a:spLocks noGrp="1"/>
+          </p:cNvSpPr>
+          <p:nvPr>
+            <p:ph type="sldNum" sz="quarter" idx="10"/>
+          </p:nvPr>
+        </p:nvSpPr>
+        <p:spPr/>
+        <p:txBody>
+          <a:bodyPr/>
+          <a:lstStyle/>
+          <a:p>
+            <a:fld id="{3FC59908-7454-5F48-A576-CE999BD31359}" type="slidenum">
+              <a:rPr lang="en-US"/>
+              <a:pPr/>
+              <a:t>15</a:t>
+            </a:fld>
+            <a:endParaRPr lang="en-US"/>
+          </a:p>
+        </p:txBody>
+      </p:sp>
+    </p:spTree>
+  </p:cSld>
+  <p:clrMapOvr>
+    <a:masterClrMapping/>
+  </p:clrMapOvr>
+  <p:transition xmlns:p14="http://schemas.microsoft.com/office/powerpoint/2010/main"/>
+  <p:timing>
+    <p:tnLst>
+      <p:par>
+        <p:cTn xmlns:p14="http://schemas.microsoft.com/office/powerpoint/2010/main" id="1" dur="indefinite" restart="never" nodeType="tmRoot"/>
+      </p:par>
+    </p:tnLst>
+  </p:timing>
+</p:sld>
+</file>
+
+<file path=ppt/slides/slide16.xml><?xml version="1.0" encoding="utf-8"?>
+<p:sld xmlns:a="http://schemas.openxmlformats.org/drawingml/2006/main" xmlns:r="http://schemas.openxmlformats.org/officeDocument/2006/relationships" xmlns:p="http://schemas.openxmlformats.org/presentationml/2006/main">
+  <p:cSld>
+    <p:spTree>
+      <p:nvGrpSpPr>
+        <p:cNvPr id="1" name=""/>
+        <p:cNvGrpSpPr/>
+        <p:nvPr/>
+      </p:nvGrpSpPr>
+      <p:grpSpPr>
+        <a:xfrm>
+          <a:off x="0" y="0"/>
+          <a:ext cx="0" cy="0"/>
+          <a:chOff x="0" y="0"/>
+          <a:chExt cx="0" cy="0"/>
+        </a:xfrm>
+      </p:grpSpPr>
+      <p:sp>
+        <p:nvSpPr>
           <p:cNvPr id="3" name="Espace réservé du numéro de diapositive 3"/>
           <p:cNvSpPr>
             <a:spLocks noGrp="1"/>
@@ -8660,7 +8739,7 @@
             <a:fld id="{491EF83F-DC3D-2B41-8CED-EDA4CF3DA041}" type="slidenum">
               <a:rPr lang="en-US"/>
               <a:pPr/>
-              <a:t>15</a:t>
+              <a:t>16</a:t>
             </a:fld>
             <a:endParaRPr lang="en-US"/>
           </a:p>
